--- a/pres.pptx
+++ b/pres.pptx
@@ -5,13 +5,21 @@
     <p:sldMasterId id="2147483659" r:id="rId1"/>
   </p:sldMasterIdLst>
   <p:notesMasterIdLst>
-    <p:notesMasterId r:id="rId6"/>
+    <p:notesMasterId r:id="rId14"/>
   </p:notesMasterIdLst>
   <p:sldIdLst>
     <p:sldId id="256" r:id="rId2"/>
     <p:sldId id="257" r:id="rId3"/>
-    <p:sldId id="268" r:id="rId4"/>
-    <p:sldId id="269" r:id="rId5"/>
+    <p:sldId id="270" r:id="rId4"/>
+    <p:sldId id="277" r:id="rId5"/>
+    <p:sldId id="271" r:id="rId6"/>
+    <p:sldId id="278" r:id="rId7"/>
+    <p:sldId id="272" r:id="rId8"/>
+    <p:sldId id="273" r:id="rId9"/>
+    <p:sldId id="279" r:id="rId10"/>
+    <p:sldId id="274" r:id="rId11"/>
+    <p:sldId id="268" r:id="rId12"/>
+    <p:sldId id="269" r:id="rId13"/>
   </p:sldIdLst>
   <p:sldSz cx="9144000" cy="6858000" type="screen4x3"/>
   <p:notesSz cx="6858000" cy="9144000"/>
@@ -1794,6 +1802,1059 @@
 </p:notes>
 </file>
 
+<file path=ppt/notesSlides/notesSlide10.xml><?xml version="1.0" encoding="utf-8"?>
+<p:notes xmlns:a="http://schemas.openxmlformats.org/drawingml/2006/main" xmlns:r="http://schemas.openxmlformats.org/officeDocument/2006/relationships" xmlns:p="http://schemas.openxmlformats.org/presentationml/2006/main" showMasterSp="0" showMasterPhAnim="0">
+  <p:cSld>
+    <p:spTree>
+      <p:nvGrpSpPr>
+        <p:cNvPr id="1" name="Shape 97"/>
+        <p:cNvGrpSpPr/>
+        <p:nvPr/>
+      </p:nvGrpSpPr>
+      <p:grpSpPr>
+        <a:xfrm>
+          <a:off x="0" y="0"/>
+          <a:ext cx="0" cy="0"/>
+          <a:chOff x="0" y="0"/>
+          <a:chExt cx="0" cy="0"/>
+        </a:xfrm>
+      </p:grpSpPr>
+      <p:sp>
+        <p:nvSpPr>
+          <p:cNvPr id="98" name="Shape 98"/>
+          <p:cNvSpPr>
+            <a:spLocks noGrp="1" noRot="1" noChangeAspect="1"/>
+          </p:cNvSpPr>
+          <p:nvPr>
+            <p:ph type="sldImg" idx="2"/>
+          </p:nvPr>
+        </p:nvSpPr>
+        <p:spPr>
+          <a:xfrm>
+            <a:off x="1371600" y="1143000"/>
+            <a:ext cx="4114800" cy="3086100"/>
+          </a:xfrm>
+          <a:custGeom>
+            <a:avLst/>
+            <a:gdLst/>
+            <a:ahLst/>
+            <a:cxnLst/>
+            <a:rect l="0" t="0" r="0" b="0"/>
+            <a:pathLst>
+              <a:path w="120000" h="120000" extrusionOk="0">
+                <a:moveTo>
+                  <a:pt x="0" y="0"/>
+                </a:moveTo>
+                <a:lnTo>
+                  <a:pt x="120000" y="0"/>
+                </a:lnTo>
+                <a:lnTo>
+                  <a:pt x="120000" y="120000"/>
+                </a:lnTo>
+                <a:lnTo>
+                  <a:pt x="0" y="120000"/>
+                </a:lnTo>
+                <a:close/>
+              </a:path>
+            </a:pathLst>
+          </a:custGeom>
+          <a:noFill/>
+          <a:ln w="12700" cap="flat" cmpd="sng">
+            <a:solidFill>
+              <a:srgbClr val="000000"/>
+            </a:solidFill>
+            <a:prstDash val="solid"/>
+            <a:round/>
+            <a:headEnd type="none" w="sm" len="sm"/>
+            <a:tailEnd type="none" w="sm" len="sm"/>
+          </a:ln>
+        </p:spPr>
+      </p:sp>
+      <p:sp>
+        <p:nvSpPr>
+          <p:cNvPr id="99" name="Shape 99"/>
+          <p:cNvSpPr txBox="1">
+            <a:spLocks noGrp="1"/>
+          </p:cNvSpPr>
+          <p:nvPr>
+            <p:ph type="body" idx="1"/>
+          </p:nvPr>
+        </p:nvSpPr>
+        <p:spPr>
+          <a:xfrm>
+            <a:off x="685800" y="4400550"/>
+            <a:ext cx="5486400" cy="3600450"/>
+          </a:xfrm>
+          <a:prstGeom prst="rect">
+            <a:avLst/>
+          </a:prstGeom>
+          <a:noFill/>
+          <a:ln>
+            <a:noFill/>
+          </a:ln>
+        </p:spPr>
+        <p:txBody>
+          <a:bodyPr spcFirstLastPara="1" wrap="square" lIns="91425" tIns="45700" rIns="91425" bIns="45700" anchor="t" anchorCtr="0">
+            <a:noAutofit/>
+          </a:bodyPr>
+          <a:lstStyle/>
+          <a:p>
+            <a:pPr marL="0" marR="0" lvl="0" indent="0" algn="l" rtl="0">
+              <a:spcBef>
+                <a:spcPts val="0"/>
+              </a:spcBef>
+              <a:spcAft>
+                <a:spcPts val="0"/>
+              </a:spcAft>
+              <a:buNone/>
+            </a:pPr>
+            <a:endParaRPr sz="1200" b="0" i="0" u="none" strike="noStrike" cap="none">
+              <a:solidFill>
+                <a:schemeClr val="dk1"/>
+              </a:solidFill>
+              <a:latin typeface="Calibri"/>
+              <a:ea typeface="Calibri"/>
+              <a:cs typeface="Calibri"/>
+              <a:sym typeface="Calibri"/>
+            </a:endParaRPr>
+          </a:p>
+        </p:txBody>
+      </p:sp>
+      <p:sp>
+        <p:nvSpPr>
+          <p:cNvPr id="100" name="Shape 100"/>
+          <p:cNvSpPr txBox="1">
+            <a:spLocks noGrp="1"/>
+          </p:cNvSpPr>
+          <p:nvPr>
+            <p:ph type="sldNum" idx="12"/>
+          </p:nvPr>
+        </p:nvSpPr>
+        <p:spPr>
+          <a:xfrm>
+            <a:off x="3884613" y="8685213"/>
+            <a:ext cx="2971800" cy="458787"/>
+          </a:xfrm>
+          <a:prstGeom prst="rect">
+            <a:avLst/>
+          </a:prstGeom>
+          <a:noFill/>
+          <a:ln>
+            <a:noFill/>
+          </a:ln>
+        </p:spPr>
+        <p:txBody>
+          <a:bodyPr spcFirstLastPara="1" wrap="square" lIns="91425" tIns="45700" rIns="91425" bIns="45700" anchor="b" anchorCtr="0">
+            <a:noAutofit/>
+          </a:bodyPr>
+          <a:lstStyle/>
+          <a:p>
+            <a:pPr marL="0" marR="0" lvl="0" indent="0" algn="r" rtl="0">
+              <a:spcBef>
+                <a:spcPts val="0"/>
+              </a:spcBef>
+              <a:spcAft>
+                <a:spcPts val="0"/>
+              </a:spcAft>
+              <a:buNone/>
+            </a:pPr>
+            <a:fld id="{00000000-1234-1234-1234-123412341234}" type="slidenum">
+              <a:rPr lang="it-IT" sz="1200" b="0" i="0" u="none" strike="noStrike" cap="none">
+                <a:solidFill>
+                  <a:schemeClr val="dk1"/>
+                </a:solidFill>
+                <a:latin typeface="Calibri"/>
+                <a:ea typeface="Calibri"/>
+                <a:cs typeface="Calibri"/>
+                <a:sym typeface="Calibri"/>
+              </a:rPr>
+              <a:t>10</a:t>
+            </a:fld>
+            <a:endParaRPr sz="1200" b="0" i="0" u="none" strike="noStrike" cap="none">
+              <a:solidFill>
+                <a:schemeClr val="dk1"/>
+              </a:solidFill>
+              <a:latin typeface="Calibri"/>
+              <a:ea typeface="Calibri"/>
+              <a:cs typeface="Calibri"/>
+              <a:sym typeface="Calibri"/>
+            </a:endParaRPr>
+          </a:p>
+        </p:txBody>
+      </p:sp>
+      <p:sp>
+        <p:nvSpPr>
+          <p:cNvPr id="101" name="Shape 101"/>
+          <p:cNvSpPr txBox="1">
+            <a:spLocks noGrp="1"/>
+          </p:cNvSpPr>
+          <p:nvPr>
+            <p:ph type="hdr" idx="3"/>
+          </p:nvPr>
+        </p:nvSpPr>
+        <p:spPr>
+          <a:xfrm>
+            <a:off x="0" y="0"/>
+            <a:ext cx="2971800" cy="458788"/>
+          </a:xfrm>
+          <a:prstGeom prst="rect">
+            <a:avLst/>
+          </a:prstGeom>
+          <a:noFill/>
+          <a:ln>
+            <a:noFill/>
+          </a:ln>
+        </p:spPr>
+        <p:txBody>
+          <a:bodyPr spcFirstLastPara="1" wrap="square" lIns="91425" tIns="45700" rIns="91425" bIns="45700" anchor="t" anchorCtr="0">
+            <a:noAutofit/>
+          </a:bodyPr>
+          <a:lstStyle/>
+          <a:p>
+            <a:pPr marL="0" marR="0" lvl="0" indent="0" algn="l" rtl="0">
+              <a:spcBef>
+                <a:spcPts val="0"/>
+              </a:spcBef>
+              <a:spcAft>
+                <a:spcPts val="0"/>
+              </a:spcAft>
+              <a:buNone/>
+            </a:pPr>
+            <a:endParaRPr sz="1200" b="0" i="0" u="none" strike="noStrike" cap="none">
+              <a:solidFill>
+                <a:schemeClr val="dk1"/>
+              </a:solidFill>
+              <a:latin typeface="Calibri"/>
+              <a:ea typeface="Calibri"/>
+              <a:cs typeface="Calibri"/>
+              <a:sym typeface="Calibri"/>
+            </a:endParaRPr>
+          </a:p>
+        </p:txBody>
+      </p:sp>
+      <p:sp>
+        <p:nvSpPr>
+          <p:cNvPr id="102" name="Shape 102"/>
+          <p:cNvSpPr txBox="1">
+            <a:spLocks noGrp="1"/>
+          </p:cNvSpPr>
+          <p:nvPr>
+            <p:ph type="dt" idx="10"/>
+          </p:nvPr>
+        </p:nvSpPr>
+        <p:spPr>
+          <a:xfrm>
+            <a:off x="3884613" y="0"/>
+            <a:ext cx="2971800" cy="458788"/>
+          </a:xfrm>
+          <a:prstGeom prst="rect">
+            <a:avLst/>
+          </a:prstGeom>
+          <a:noFill/>
+          <a:ln>
+            <a:noFill/>
+          </a:ln>
+        </p:spPr>
+        <p:txBody>
+          <a:bodyPr spcFirstLastPara="1" wrap="square" lIns="91425" tIns="45700" rIns="91425" bIns="45700" anchor="t" anchorCtr="0">
+            <a:noAutofit/>
+          </a:bodyPr>
+          <a:lstStyle/>
+          <a:p>
+            <a:pPr marL="0" marR="0" lvl="0" indent="0" algn="r" rtl="0">
+              <a:spcBef>
+                <a:spcPts val="0"/>
+              </a:spcBef>
+              <a:spcAft>
+                <a:spcPts val="0"/>
+              </a:spcAft>
+              <a:buNone/>
+            </a:pPr>
+            <a:r>
+              <a:rPr lang="it-IT" sz="1200" b="0" i="0" u="none" strike="noStrike" cap="none">
+                <a:solidFill>
+                  <a:schemeClr val="dk1"/>
+                </a:solidFill>
+                <a:latin typeface="Calibri"/>
+                <a:ea typeface="Calibri"/>
+                <a:cs typeface="Calibri"/>
+                <a:sym typeface="Calibri"/>
+              </a:rPr>
+              <a:t>07/03/17</a:t>
+            </a:r>
+            <a:endParaRPr/>
+          </a:p>
+        </p:txBody>
+      </p:sp>
+      <p:sp>
+        <p:nvSpPr>
+          <p:cNvPr id="103" name="Shape 103"/>
+          <p:cNvSpPr txBox="1">
+            <a:spLocks noGrp="1"/>
+          </p:cNvSpPr>
+          <p:nvPr>
+            <p:ph type="ftr" idx="11"/>
+          </p:nvPr>
+        </p:nvSpPr>
+        <p:spPr>
+          <a:xfrm>
+            <a:off x="0" y="8685213"/>
+            <a:ext cx="2971800" cy="458787"/>
+          </a:xfrm>
+          <a:prstGeom prst="rect">
+            <a:avLst/>
+          </a:prstGeom>
+          <a:noFill/>
+          <a:ln>
+            <a:noFill/>
+          </a:ln>
+        </p:spPr>
+        <p:txBody>
+          <a:bodyPr spcFirstLastPara="1" wrap="square" lIns="91425" tIns="45700" rIns="91425" bIns="45700" anchor="b" anchorCtr="0">
+            <a:noAutofit/>
+          </a:bodyPr>
+          <a:lstStyle/>
+          <a:p>
+            <a:pPr marL="0" marR="0" lvl="0" indent="0" algn="l" rtl="0">
+              <a:spcBef>
+                <a:spcPts val="0"/>
+              </a:spcBef>
+              <a:spcAft>
+                <a:spcPts val="0"/>
+              </a:spcAft>
+              <a:buNone/>
+            </a:pPr>
+            <a:r>
+              <a:rPr lang="it-IT" sz="1200" b="0" i="0" u="none" strike="noStrike" cap="none">
+                <a:solidFill>
+                  <a:schemeClr val="dk1"/>
+                </a:solidFill>
+                <a:latin typeface="Calibri"/>
+                <a:ea typeface="Calibri"/>
+                <a:cs typeface="Calibri"/>
+                <a:sym typeface="Calibri"/>
+              </a:rPr>
+              <a:t>Gabriele Martin</a:t>
+            </a:r>
+            <a:endParaRPr/>
+          </a:p>
+        </p:txBody>
+      </p:sp>
+    </p:spTree>
+    <p:extLst>
+      <p:ext uri="{BB962C8B-B14F-4D97-AF65-F5344CB8AC3E}">
+        <p14:creationId xmlns:p14="http://schemas.microsoft.com/office/powerpoint/2010/main" val="2713239822"/>
+      </p:ext>
+    </p:extLst>
+  </p:cSld>
+  <p:clrMapOvr>
+    <a:masterClrMapping/>
+  </p:clrMapOvr>
+</p:notes>
+</file>
+
+<file path=ppt/notesSlides/notesSlide11.xml><?xml version="1.0" encoding="utf-8"?>
+<p:notes xmlns:a="http://schemas.openxmlformats.org/drawingml/2006/main" xmlns:r="http://schemas.openxmlformats.org/officeDocument/2006/relationships" xmlns:p="http://schemas.openxmlformats.org/presentationml/2006/main" showMasterSp="0" showMasterPhAnim="0">
+  <p:cSld>
+    <p:spTree>
+      <p:nvGrpSpPr>
+        <p:cNvPr id="1" name="Shape 97"/>
+        <p:cNvGrpSpPr/>
+        <p:nvPr/>
+      </p:nvGrpSpPr>
+      <p:grpSpPr>
+        <a:xfrm>
+          <a:off x="0" y="0"/>
+          <a:ext cx="0" cy="0"/>
+          <a:chOff x="0" y="0"/>
+          <a:chExt cx="0" cy="0"/>
+        </a:xfrm>
+      </p:grpSpPr>
+      <p:sp>
+        <p:nvSpPr>
+          <p:cNvPr id="98" name="Shape 98"/>
+          <p:cNvSpPr>
+            <a:spLocks noGrp="1" noRot="1" noChangeAspect="1"/>
+          </p:cNvSpPr>
+          <p:nvPr>
+            <p:ph type="sldImg" idx="2"/>
+          </p:nvPr>
+        </p:nvSpPr>
+        <p:spPr>
+          <a:xfrm>
+            <a:off x="1371600" y="1143000"/>
+            <a:ext cx="4114800" cy="3086100"/>
+          </a:xfrm>
+          <a:custGeom>
+            <a:avLst/>
+            <a:gdLst/>
+            <a:ahLst/>
+            <a:cxnLst/>
+            <a:rect l="0" t="0" r="0" b="0"/>
+            <a:pathLst>
+              <a:path w="120000" h="120000" extrusionOk="0">
+                <a:moveTo>
+                  <a:pt x="0" y="0"/>
+                </a:moveTo>
+                <a:lnTo>
+                  <a:pt x="120000" y="0"/>
+                </a:lnTo>
+                <a:lnTo>
+                  <a:pt x="120000" y="120000"/>
+                </a:lnTo>
+                <a:lnTo>
+                  <a:pt x="0" y="120000"/>
+                </a:lnTo>
+                <a:close/>
+              </a:path>
+            </a:pathLst>
+          </a:custGeom>
+          <a:noFill/>
+          <a:ln w="12700" cap="flat" cmpd="sng">
+            <a:solidFill>
+              <a:srgbClr val="000000"/>
+            </a:solidFill>
+            <a:prstDash val="solid"/>
+            <a:round/>
+            <a:headEnd type="none" w="sm" len="sm"/>
+            <a:tailEnd type="none" w="sm" len="sm"/>
+          </a:ln>
+        </p:spPr>
+      </p:sp>
+      <p:sp>
+        <p:nvSpPr>
+          <p:cNvPr id="99" name="Shape 99"/>
+          <p:cNvSpPr txBox="1">
+            <a:spLocks noGrp="1"/>
+          </p:cNvSpPr>
+          <p:nvPr>
+            <p:ph type="body" idx="1"/>
+          </p:nvPr>
+        </p:nvSpPr>
+        <p:spPr>
+          <a:xfrm>
+            <a:off x="685800" y="4400550"/>
+            <a:ext cx="5486400" cy="3600450"/>
+          </a:xfrm>
+          <a:prstGeom prst="rect">
+            <a:avLst/>
+          </a:prstGeom>
+          <a:noFill/>
+          <a:ln>
+            <a:noFill/>
+          </a:ln>
+        </p:spPr>
+        <p:txBody>
+          <a:bodyPr spcFirstLastPara="1" wrap="square" lIns="91425" tIns="45700" rIns="91425" bIns="45700" anchor="t" anchorCtr="0">
+            <a:noAutofit/>
+          </a:bodyPr>
+          <a:lstStyle/>
+          <a:p>
+            <a:pPr marL="0" marR="0" lvl="0" indent="0" algn="l" rtl="0">
+              <a:spcBef>
+                <a:spcPts val="0"/>
+              </a:spcBef>
+              <a:spcAft>
+                <a:spcPts val="0"/>
+              </a:spcAft>
+              <a:buNone/>
+            </a:pPr>
+            <a:endParaRPr sz="1200" b="0" i="0" u="none" strike="noStrike" cap="none">
+              <a:solidFill>
+                <a:schemeClr val="dk1"/>
+              </a:solidFill>
+              <a:latin typeface="Calibri"/>
+              <a:ea typeface="Calibri"/>
+              <a:cs typeface="Calibri"/>
+              <a:sym typeface="Calibri"/>
+            </a:endParaRPr>
+          </a:p>
+        </p:txBody>
+      </p:sp>
+      <p:sp>
+        <p:nvSpPr>
+          <p:cNvPr id="100" name="Shape 100"/>
+          <p:cNvSpPr txBox="1">
+            <a:spLocks noGrp="1"/>
+          </p:cNvSpPr>
+          <p:nvPr>
+            <p:ph type="sldNum" idx="12"/>
+          </p:nvPr>
+        </p:nvSpPr>
+        <p:spPr>
+          <a:xfrm>
+            <a:off x="3884613" y="8685213"/>
+            <a:ext cx="2971800" cy="458787"/>
+          </a:xfrm>
+          <a:prstGeom prst="rect">
+            <a:avLst/>
+          </a:prstGeom>
+          <a:noFill/>
+          <a:ln>
+            <a:noFill/>
+          </a:ln>
+        </p:spPr>
+        <p:txBody>
+          <a:bodyPr spcFirstLastPara="1" wrap="square" lIns="91425" tIns="45700" rIns="91425" bIns="45700" anchor="b" anchorCtr="0">
+            <a:noAutofit/>
+          </a:bodyPr>
+          <a:lstStyle/>
+          <a:p>
+            <a:pPr marL="0" marR="0" lvl="0" indent="0" algn="r" rtl="0">
+              <a:spcBef>
+                <a:spcPts val="0"/>
+              </a:spcBef>
+              <a:spcAft>
+                <a:spcPts val="0"/>
+              </a:spcAft>
+              <a:buNone/>
+            </a:pPr>
+            <a:fld id="{00000000-1234-1234-1234-123412341234}" type="slidenum">
+              <a:rPr lang="it-IT" sz="1200" b="0" i="0" u="none" strike="noStrike" cap="none">
+                <a:solidFill>
+                  <a:schemeClr val="dk1"/>
+                </a:solidFill>
+                <a:latin typeface="Calibri"/>
+                <a:ea typeface="Calibri"/>
+                <a:cs typeface="Calibri"/>
+                <a:sym typeface="Calibri"/>
+              </a:rPr>
+              <a:t>11</a:t>
+            </a:fld>
+            <a:endParaRPr sz="1200" b="0" i="0" u="none" strike="noStrike" cap="none">
+              <a:solidFill>
+                <a:schemeClr val="dk1"/>
+              </a:solidFill>
+              <a:latin typeface="Calibri"/>
+              <a:ea typeface="Calibri"/>
+              <a:cs typeface="Calibri"/>
+              <a:sym typeface="Calibri"/>
+            </a:endParaRPr>
+          </a:p>
+        </p:txBody>
+      </p:sp>
+      <p:sp>
+        <p:nvSpPr>
+          <p:cNvPr id="101" name="Shape 101"/>
+          <p:cNvSpPr txBox="1">
+            <a:spLocks noGrp="1"/>
+          </p:cNvSpPr>
+          <p:nvPr>
+            <p:ph type="hdr" idx="3"/>
+          </p:nvPr>
+        </p:nvSpPr>
+        <p:spPr>
+          <a:xfrm>
+            <a:off x="0" y="0"/>
+            <a:ext cx="2971800" cy="458788"/>
+          </a:xfrm>
+          <a:prstGeom prst="rect">
+            <a:avLst/>
+          </a:prstGeom>
+          <a:noFill/>
+          <a:ln>
+            <a:noFill/>
+          </a:ln>
+        </p:spPr>
+        <p:txBody>
+          <a:bodyPr spcFirstLastPara="1" wrap="square" lIns="91425" tIns="45700" rIns="91425" bIns="45700" anchor="t" anchorCtr="0">
+            <a:noAutofit/>
+          </a:bodyPr>
+          <a:lstStyle/>
+          <a:p>
+            <a:pPr marL="0" marR="0" lvl="0" indent="0" algn="l" rtl="0">
+              <a:spcBef>
+                <a:spcPts val="0"/>
+              </a:spcBef>
+              <a:spcAft>
+                <a:spcPts val="0"/>
+              </a:spcAft>
+              <a:buNone/>
+            </a:pPr>
+            <a:endParaRPr sz="1200" b="0" i="0" u="none" strike="noStrike" cap="none">
+              <a:solidFill>
+                <a:schemeClr val="dk1"/>
+              </a:solidFill>
+              <a:latin typeface="Calibri"/>
+              <a:ea typeface="Calibri"/>
+              <a:cs typeface="Calibri"/>
+              <a:sym typeface="Calibri"/>
+            </a:endParaRPr>
+          </a:p>
+        </p:txBody>
+      </p:sp>
+      <p:sp>
+        <p:nvSpPr>
+          <p:cNvPr id="102" name="Shape 102"/>
+          <p:cNvSpPr txBox="1">
+            <a:spLocks noGrp="1"/>
+          </p:cNvSpPr>
+          <p:nvPr>
+            <p:ph type="dt" idx="10"/>
+          </p:nvPr>
+        </p:nvSpPr>
+        <p:spPr>
+          <a:xfrm>
+            <a:off x="3884613" y="0"/>
+            <a:ext cx="2971800" cy="458788"/>
+          </a:xfrm>
+          <a:prstGeom prst="rect">
+            <a:avLst/>
+          </a:prstGeom>
+          <a:noFill/>
+          <a:ln>
+            <a:noFill/>
+          </a:ln>
+        </p:spPr>
+        <p:txBody>
+          <a:bodyPr spcFirstLastPara="1" wrap="square" lIns="91425" tIns="45700" rIns="91425" bIns="45700" anchor="t" anchorCtr="0">
+            <a:noAutofit/>
+          </a:bodyPr>
+          <a:lstStyle/>
+          <a:p>
+            <a:pPr marL="0" marR="0" lvl="0" indent="0" algn="r" rtl="0">
+              <a:spcBef>
+                <a:spcPts val="0"/>
+              </a:spcBef>
+              <a:spcAft>
+                <a:spcPts val="0"/>
+              </a:spcAft>
+              <a:buNone/>
+            </a:pPr>
+            <a:r>
+              <a:rPr lang="it-IT" sz="1200" b="0" i="0" u="none" strike="noStrike" cap="none">
+                <a:solidFill>
+                  <a:schemeClr val="dk1"/>
+                </a:solidFill>
+                <a:latin typeface="Calibri"/>
+                <a:ea typeface="Calibri"/>
+                <a:cs typeface="Calibri"/>
+                <a:sym typeface="Calibri"/>
+              </a:rPr>
+              <a:t>07/03/17</a:t>
+            </a:r>
+            <a:endParaRPr/>
+          </a:p>
+        </p:txBody>
+      </p:sp>
+      <p:sp>
+        <p:nvSpPr>
+          <p:cNvPr id="103" name="Shape 103"/>
+          <p:cNvSpPr txBox="1">
+            <a:spLocks noGrp="1"/>
+          </p:cNvSpPr>
+          <p:nvPr>
+            <p:ph type="ftr" idx="11"/>
+          </p:nvPr>
+        </p:nvSpPr>
+        <p:spPr>
+          <a:xfrm>
+            <a:off x="0" y="8685213"/>
+            <a:ext cx="2971800" cy="458787"/>
+          </a:xfrm>
+          <a:prstGeom prst="rect">
+            <a:avLst/>
+          </a:prstGeom>
+          <a:noFill/>
+          <a:ln>
+            <a:noFill/>
+          </a:ln>
+        </p:spPr>
+        <p:txBody>
+          <a:bodyPr spcFirstLastPara="1" wrap="square" lIns="91425" tIns="45700" rIns="91425" bIns="45700" anchor="b" anchorCtr="0">
+            <a:noAutofit/>
+          </a:bodyPr>
+          <a:lstStyle/>
+          <a:p>
+            <a:pPr marL="0" marR="0" lvl="0" indent="0" algn="l" rtl="0">
+              <a:spcBef>
+                <a:spcPts val="0"/>
+              </a:spcBef>
+              <a:spcAft>
+                <a:spcPts val="0"/>
+              </a:spcAft>
+              <a:buNone/>
+            </a:pPr>
+            <a:r>
+              <a:rPr lang="it-IT" sz="1200" b="0" i="0" u="none" strike="noStrike" cap="none">
+                <a:solidFill>
+                  <a:schemeClr val="dk1"/>
+                </a:solidFill>
+                <a:latin typeface="Calibri"/>
+                <a:ea typeface="Calibri"/>
+                <a:cs typeface="Calibri"/>
+                <a:sym typeface="Calibri"/>
+              </a:rPr>
+              <a:t>Gabriele Martin</a:t>
+            </a:r>
+            <a:endParaRPr/>
+          </a:p>
+        </p:txBody>
+      </p:sp>
+    </p:spTree>
+    <p:extLst>
+      <p:ext uri="{BB962C8B-B14F-4D97-AF65-F5344CB8AC3E}">
+        <p14:creationId xmlns:p14="http://schemas.microsoft.com/office/powerpoint/2010/main" val="1528476592"/>
+      </p:ext>
+    </p:extLst>
+  </p:cSld>
+  <p:clrMapOvr>
+    <a:masterClrMapping/>
+  </p:clrMapOvr>
+</p:notes>
+</file>
+
+<file path=ppt/notesSlides/notesSlide12.xml><?xml version="1.0" encoding="utf-8"?>
+<p:notes xmlns:a="http://schemas.openxmlformats.org/drawingml/2006/main" xmlns:r="http://schemas.openxmlformats.org/officeDocument/2006/relationships" xmlns:p="http://schemas.openxmlformats.org/presentationml/2006/main" showMasterSp="0" showMasterPhAnim="0">
+  <p:cSld>
+    <p:spTree>
+      <p:nvGrpSpPr>
+        <p:cNvPr id="1" name="Shape 97"/>
+        <p:cNvGrpSpPr/>
+        <p:nvPr/>
+      </p:nvGrpSpPr>
+      <p:grpSpPr>
+        <a:xfrm>
+          <a:off x="0" y="0"/>
+          <a:ext cx="0" cy="0"/>
+          <a:chOff x="0" y="0"/>
+          <a:chExt cx="0" cy="0"/>
+        </a:xfrm>
+      </p:grpSpPr>
+      <p:sp>
+        <p:nvSpPr>
+          <p:cNvPr id="98" name="Shape 98"/>
+          <p:cNvSpPr>
+            <a:spLocks noGrp="1" noRot="1" noChangeAspect="1"/>
+          </p:cNvSpPr>
+          <p:nvPr>
+            <p:ph type="sldImg" idx="2"/>
+          </p:nvPr>
+        </p:nvSpPr>
+        <p:spPr>
+          <a:xfrm>
+            <a:off x="1371600" y="1143000"/>
+            <a:ext cx="4114800" cy="3086100"/>
+          </a:xfrm>
+          <a:custGeom>
+            <a:avLst/>
+            <a:gdLst/>
+            <a:ahLst/>
+            <a:cxnLst/>
+            <a:rect l="0" t="0" r="0" b="0"/>
+            <a:pathLst>
+              <a:path w="120000" h="120000" extrusionOk="0">
+                <a:moveTo>
+                  <a:pt x="0" y="0"/>
+                </a:moveTo>
+                <a:lnTo>
+                  <a:pt x="120000" y="0"/>
+                </a:lnTo>
+                <a:lnTo>
+                  <a:pt x="120000" y="120000"/>
+                </a:lnTo>
+                <a:lnTo>
+                  <a:pt x="0" y="120000"/>
+                </a:lnTo>
+                <a:close/>
+              </a:path>
+            </a:pathLst>
+          </a:custGeom>
+          <a:noFill/>
+          <a:ln w="12700" cap="flat" cmpd="sng">
+            <a:solidFill>
+              <a:srgbClr val="000000"/>
+            </a:solidFill>
+            <a:prstDash val="solid"/>
+            <a:round/>
+            <a:headEnd type="none" w="sm" len="sm"/>
+            <a:tailEnd type="none" w="sm" len="sm"/>
+          </a:ln>
+        </p:spPr>
+      </p:sp>
+      <p:sp>
+        <p:nvSpPr>
+          <p:cNvPr id="99" name="Shape 99"/>
+          <p:cNvSpPr txBox="1">
+            <a:spLocks noGrp="1"/>
+          </p:cNvSpPr>
+          <p:nvPr>
+            <p:ph type="body" idx="1"/>
+          </p:nvPr>
+        </p:nvSpPr>
+        <p:spPr>
+          <a:xfrm>
+            <a:off x="685800" y="4400550"/>
+            <a:ext cx="5486400" cy="3600450"/>
+          </a:xfrm>
+          <a:prstGeom prst="rect">
+            <a:avLst/>
+          </a:prstGeom>
+          <a:noFill/>
+          <a:ln>
+            <a:noFill/>
+          </a:ln>
+        </p:spPr>
+        <p:txBody>
+          <a:bodyPr spcFirstLastPara="1" wrap="square" lIns="91425" tIns="45700" rIns="91425" bIns="45700" anchor="t" anchorCtr="0">
+            <a:noAutofit/>
+          </a:bodyPr>
+          <a:lstStyle/>
+          <a:p>
+            <a:pPr marL="0" marR="0" lvl="0" indent="0" algn="l" rtl="0">
+              <a:spcBef>
+                <a:spcPts val="0"/>
+              </a:spcBef>
+              <a:spcAft>
+                <a:spcPts val="0"/>
+              </a:spcAft>
+              <a:buNone/>
+            </a:pPr>
+            <a:endParaRPr sz="1200" b="0" i="0" u="none" strike="noStrike" cap="none">
+              <a:solidFill>
+                <a:schemeClr val="dk1"/>
+              </a:solidFill>
+              <a:latin typeface="Calibri"/>
+              <a:ea typeface="Calibri"/>
+              <a:cs typeface="Calibri"/>
+              <a:sym typeface="Calibri"/>
+            </a:endParaRPr>
+          </a:p>
+        </p:txBody>
+      </p:sp>
+      <p:sp>
+        <p:nvSpPr>
+          <p:cNvPr id="100" name="Shape 100"/>
+          <p:cNvSpPr txBox="1">
+            <a:spLocks noGrp="1"/>
+          </p:cNvSpPr>
+          <p:nvPr>
+            <p:ph type="sldNum" idx="12"/>
+          </p:nvPr>
+        </p:nvSpPr>
+        <p:spPr>
+          <a:xfrm>
+            <a:off x="3884613" y="8685213"/>
+            <a:ext cx="2971800" cy="458787"/>
+          </a:xfrm>
+          <a:prstGeom prst="rect">
+            <a:avLst/>
+          </a:prstGeom>
+          <a:noFill/>
+          <a:ln>
+            <a:noFill/>
+          </a:ln>
+        </p:spPr>
+        <p:txBody>
+          <a:bodyPr spcFirstLastPara="1" wrap="square" lIns="91425" tIns="45700" rIns="91425" bIns="45700" anchor="b" anchorCtr="0">
+            <a:noAutofit/>
+          </a:bodyPr>
+          <a:lstStyle/>
+          <a:p>
+            <a:pPr marL="0" marR="0" lvl="0" indent="0" algn="r" rtl="0">
+              <a:spcBef>
+                <a:spcPts val="0"/>
+              </a:spcBef>
+              <a:spcAft>
+                <a:spcPts val="0"/>
+              </a:spcAft>
+              <a:buNone/>
+            </a:pPr>
+            <a:fld id="{00000000-1234-1234-1234-123412341234}" type="slidenum">
+              <a:rPr lang="it-IT" sz="1200" b="0" i="0" u="none" strike="noStrike" cap="none">
+                <a:solidFill>
+                  <a:schemeClr val="dk1"/>
+                </a:solidFill>
+                <a:latin typeface="Calibri"/>
+                <a:ea typeface="Calibri"/>
+                <a:cs typeface="Calibri"/>
+                <a:sym typeface="Calibri"/>
+              </a:rPr>
+              <a:t>12</a:t>
+            </a:fld>
+            <a:endParaRPr sz="1200" b="0" i="0" u="none" strike="noStrike" cap="none">
+              <a:solidFill>
+                <a:schemeClr val="dk1"/>
+              </a:solidFill>
+              <a:latin typeface="Calibri"/>
+              <a:ea typeface="Calibri"/>
+              <a:cs typeface="Calibri"/>
+              <a:sym typeface="Calibri"/>
+            </a:endParaRPr>
+          </a:p>
+        </p:txBody>
+      </p:sp>
+      <p:sp>
+        <p:nvSpPr>
+          <p:cNvPr id="101" name="Shape 101"/>
+          <p:cNvSpPr txBox="1">
+            <a:spLocks noGrp="1"/>
+          </p:cNvSpPr>
+          <p:nvPr>
+            <p:ph type="hdr" idx="3"/>
+          </p:nvPr>
+        </p:nvSpPr>
+        <p:spPr>
+          <a:xfrm>
+            <a:off x="0" y="0"/>
+            <a:ext cx="2971800" cy="458788"/>
+          </a:xfrm>
+          <a:prstGeom prst="rect">
+            <a:avLst/>
+          </a:prstGeom>
+          <a:noFill/>
+          <a:ln>
+            <a:noFill/>
+          </a:ln>
+        </p:spPr>
+        <p:txBody>
+          <a:bodyPr spcFirstLastPara="1" wrap="square" lIns="91425" tIns="45700" rIns="91425" bIns="45700" anchor="t" anchorCtr="0">
+            <a:noAutofit/>
+          </a:bodyPr>
+          <a:lstStyle/>
+          <a:p>
+            <a:pPr marL="0" marR="0" lvl="0" indent="0" algn="l" rtl="0">
+              <a:spcBef>
+                <a:spcPts val="0"/>
+              </a:spcBef>
+              <a:spcAft>
+                <a:spcPts val="0"/>
+              </a:spcAft>
+              <a:buNone/>
+            </a:pPr>
+            <a:endParaRPr sz="1200" b="0" i="0" u="none" strike="noStrike" cap="none">
+              <a:solidFill>
+                <a:schemeClr val="dk1"/>
+              </a:solidFill>
+              <a:latin typeface="Calibri"/>
+              <a:ea typeface="Calibri"/>
+              <a:cs typeface="Calibri"/>
+              <a:sym typeface="Calibri"/>
+            </a:endParaRPr>
+          </a:p>
+        </p:txBody>
+      </p:sp>
+      <p:sp>
+        <p:nvSpPr>
+          <p:cNvPr id="102" name="Shape 102"/>
+          <p:cNvSpPr txBox="1">
+            <a:spLocks noGrp="1"/>
+          </p:cNvSpPr>
+          <p:nvPr>
+            <p:ph type="dt" idx="10"/>
+          </p:nvPr>
+        </p:nvSpPr>
+        <p:spPr>
+          <a:xfrm>
+            <a:off x="3884613" y="0"/>
+            <a:ext cx="2971800" cy="458788"/>
+          </a:xfrm>
+          <a:prstGeom prst="rect">
+            <a:avLst/>
+          </a:prstGeom>
+          <a:noFill/>
+          <a:ln>
+            <a:noFill/>
+          </a:ln>
+        </p:spPr>
+        <p:txBody>
+          <a:bodyPr spcFirstLastPara="1" wrap="square" lIns="91425" tIns="45700" rIns="91425" bIns="45700" anchor="t" anchorCtr="0">
+            <a:noAutofit/>
+          </a:bodyPr>
+          <a:lstStyle/>
+          <a:p>
+            <a:pPr marL="0" marR="0" lvl="0" indent="0" algn="r" rtl="0">
+              <a:spcBef>
+                <a:spcPts val="0"/>
+              </a:spcBef>
+              <a:spcAft>
+                <a:spcPts val="0"/>
+              </a:spcAft>
+              <a:buNone/>
+            </a:pPr>
+            <a:r>
+              <a:rPr lang="it-IT" sz="1200" b="0" i="0" u="none" strike="noStrike" cap="none">
+                <a:solidFill>
+                  <a:schemeClr val="dk1"/>
+                </a:solidFill>
+                <a:latin typeface="Calibri"/>
+                <a:ea typeface="Calibri"/>
+                <a:cs typeface="Calibri"/>
+                <a:sym typeface="Calibri"/>
+              </a:rPr>
+              <a:t>07/03/17</a:t>
+            </a:r>
+            <a:endParaRPr/>
+          </a:p>
+        </p:txBody>
+      </p:sp>
+      <p:sp>
+        <p:nvSpPr>
+          <p:cNvPr id="103" name="Shape 103"/>
+          <p:cNvSpPr txBox="1">
+            <a:spLocks noGrp="1"/>
+          </p:cNvSpPr>
+          <p:nvPr>
+            <p:ph type="ftr" idx="11"/>
+          </p:nvPr>
+        </p:nvSpPr>
+        <p:spPr>
+          <a:xfrm>
+            <a:off x="0" y="8685213"/>
+            <a:ext cx="2971800" cy="458787"/>
+          </a:xfrm>
+          <a:prstGeom prst="rect">
+            <a:avLst/>
+          </a:prstGeom>
+          <a:noFill/>
+          <a:ln>
+            <a:noFill/>
+          </a:ln>
+        </p:spPr>
+        <p:txBody>
+          <a:bodyPr spcFirstLastPara="1" wrap="square" lIns="91425" tIns="45700" rIns="91425" bIns="45700" anchor="b" anchorCtr="0">
+            <a:noAutofit/>
+          </a:bodyPr>
+          <a:lstStyle/>
+          <a:p>
+            <a:pPr marL="0" marR="0" lvl="0" indent="0" algn="l" rtl="0">
+              <a:spcBef>
+                <a:spcPts val="0"/>
+              </a:spcBef>
+              <a:spcAft>
+                <a:spcPts val="0"/>
+              </a:spcAft>
+              <a:buNone/>
+            </a:pPr>
+            <a:r>
+              <a:rPr lang="it-IT" sz="1200" b="0" i="0" u="none" strike="noStrike" cap="none">
+                <a:solidFill>
+                  <a:schemeClr val="dk1"/>
+                </a:solidFill>
+                <a:latin typeface="Calibri"/>
+                <a:ea typeface="Calibri"/>
+                <a:cs typeface="Calibri"/>
+                <a:sym typeface="Calibri"/>
+              </a:rPr>
+              <a:t>Gabriele Martin</a:t>
+            </a:r>
+            <a:endParaRPr/>
+          </a:p>
+        </p:txBody>
+      </p:sp>
+    </p:spTree>
+    <p:extLst>
+      <p:ext uri="{BB962C8B-B14F-4D97-AF65-F5344CB8AC3E}">
+        <p14:creationId xmlns:p14="http://schemas.microsoft.com/office/powerpoint/2010/main" val="996015845"/>
+      </p:ext>
+    </p:extLst>
+  </p:cSld>
+  <p:clrMapOvr>
+    <a:masterClrMapping/>
+  </p:clrMapOvr>
+</p:notes>
+</file>
+
 <file path=ppt/notesSlides/notesSlide2.xml><?xml version="1.0" encoding="utf-8"?>
 <p:notes xmlns:a="http://schemas.openxmlformats.org/drawingml/2006/main" xmlns:r="http://schemas.openxmlformats.org/officeDocument/2006/relationships" xmlns:p="http://schemas.openxmlformats.org/presentationml/2006/main" showMasterSp="0" showMasterPhAnim="0">
   <p:cSld>
@@ -2481,7 +3542,7 @@
     </p:spTree>
     <p:extLst>
       <p:ext uri="{BB962C8B-B14F-4D97-AF65-F5344CB8AC3E}">
-        <p14:creationId xmlns:p14="http://schemas.microsoft.com/office/powerpoint/2010/main" val="1528476592"/>
+        <p14:creationId xmlns:p14="http://schemas.microsoft.com/office/powerpoint/2010/main" val="2282532868"/>
       </p:ext>
     </p:extLst>
   </p:cSld>
@@ -2832,7 +3893,1762 @@
     </p:spTree>
     <p:extLst>
       <p:ext uri="{BB962C8B-B14F-4D97-AF65-F5344CB8AC3E}">
-        <p14:creationId xmlns:p14="http://schemas.microsoft.com/office/powerpoint/2010/main" val="996015845"/>
+        <p14:creationId xmlns:p14="http://schemas.microsoft.com/office/powerpoint/2010/main" val="696275310"/>
+      </p:ext>
+    </p:extLst>
+  </p:cSld>
+  <p:clrMapOvr>
+    <a:masterClrMapping/>
+  </p:clrMapOvr>
+</p:notes>
+</file>
+
+<file path=ppt/notesSlides/notesSlide5.xml><?xml version="1.0" encoding="utf-8"?>
+<p:notes xmlns:a="http://schemas.openxmlformats.org/drawingml/2006/main" xmlns:r="http://schemas.openxmlformats.org/officeDocument/2006/relationships" xmlns:p="http://schemas.openxmlformats.org/presentationml/2006/main" showMasterSp="0" showMasterPhAnim="0">
+  <p:cSld>
+    <p:spTree>
+      <p:nvGrpSpPr>
+        <p:cNvPr id="1" name="Shape 97"/>
+        <p:cNvGrpSpPr/>
+        <p:nvPr/>
+      </p:nvGrpSpPr>
+      <p:grpSpPr>
+        <a:xfrm>
+          <a:off x="0" y="0"/>
+          <a:ext cx="0" cy="0"/>
+          <a:chOff x="0" y="0"/>
+          <a:chExt cx="0" cy="0"/>
+        </a:xfrm>
+      </p:grpSpPr>
+      <p:sp>
+        <p:nvSpPr>
+          <p:cNvPr id="98" name="Shape 98"/>
+          <p:cNvSpPr>
+            <a:spLocks noGrp="1" noRot="1" noChangeAspect="1"/>
+          </p:cNvSpPr>
+          <p:nvPr>
+            <p:ph type="sldImg" idx="2"/>
+          </p:nvPr>
+        </p:nvSpPr>
+        <p:spPr>
+          <a:xfrm>
+            <a:off x="1371600" y="1143000"/>
+            <a:ext cx="4114800" cy="3086100"/>
+          </a:xfrm>
+          <a:custGeom>
+            <a:avLst/>
+            <a:gdLst/>
+            <a:ahLst/>
+            <a:cxnLst/>
+            <a:rect l="0" t="0" r="0" b="0"/>
+            <a:pathLst>
+              <a:path w="120000" h="120000" extrusionOk="0">
+                <a:moveTo>
+                  <a:pt x="0" y="0"/>
+                </a:moveTo>
+                <a:lnTo>
+                  <a:pt x="120000" y="0"/>
+                </a:lnTo>
+                <a:lnTo>
+                  <a:pt x="120000" y="120000"/>
+                </a:lnTo>
+                <a:lnTo>
+                  <a:pt x="0" y="120000"/>
+                </a:lnTo>
+                <a:close/>
+              </a:path>
+            </a:pathLst>
+          </a:custGeom>
+          <a:noFill/>
+          <a:ln w="12700" cap="flat" cmpd="sng">
+            <a:solidFill>
+              <a:srgbClr val="000000"/>
+            </a:solidFill>
+            <a:prstDash val="solid"/>
+            <a:round/>
+            <a:headEnd type="none" w="sm" len="sm"/>
+            <a:tailEnd type="none" w="sm" len="sm"/>
+          </a:ln>
+        </p:spPr>
+      </p:sp>
+      <p:sp>
+        <p:nvSpPr>
+          <p:cNvPr id="99" name="Shape 99"/>
+          <p:cNvSpPr txBox="1">
+            <a:spLocks noGrp="1"/>
+          </p:cNvSpPr>
+          <p:nvPr>
+            <p:ph type="body" idx="1"/>
+          </p:nvPr>
+        </p:nvSpPr>
+        <p:spPr>
+          <a:xfrm>
+            <a:off x="685800" y="4400550"/>
+            <a:ext cx="5486400" cy="3600450"/>
+          </a:xfrm>
+          <a:prstGeom prst="rect">
+            <a:avLst/>
+          </a:prstGeom>
+          <a:noFill/>
+          <a:ln>
+            <a:noFill/>
+          </a:ln>
+        </p:spPr>
+        <p:txBody>
+          <a:bodyPr spcFirstLastPara="1" wrap="square" lIns="91425" tIns="45700" rIns="91425" bIns="45700" anchor="t" anchorCtr="0">
+            <a:noAutofit/>
+          </a:bodyPr>
+          <a:lstStyle/>
+          <a:p>
+            <a:pPr marL="0" marR="0" lvl="0" indent="0" algn="l" rtl="0">
+              <a:spcBef>
+                <a:spcPts val="0"/>
+              </a:spcBef>
+              <a:spcAft>
+                <a:spcPts val="0"/>
+              </a:spcAft>
+              <a:buNone/>
+            </a:pPr>
+            <a:endParaRPr sz="1200" b="0" i="0" u="none" strike="noStrike" cap="none">
+              <a:solidFill>
+                <a:schemeClr val="dk1"/>
+              </a:solidFill>
+              <a:latin typeface="Calibri"/>
+              <a:ea typeface="Calibri"/>
+              <a:cs typeface="Calibri"/>
+              <a:sym typeface="Calibri"/>
+            </a:endParaRPr>
+          </a:p>
+        </p:txBody>
+      </p:sp>
+      <p:sp>
+        <p:nvSpPr>
+          <p:cNvPr id="100" name="Shape 100"/>
+          <p:cNvSpPr txBox="1">
+            <a:spLocks noGrp="1"/>
+          </p:cNvSpPr>
+          <p:nvPr>
+            <p:ph type="sldNum" idx="12"/>
+          </p:nvPr>
+        </p:nvSpPr>
+        <p:spPr>
+          <a:xfrm>
+            <a:off x="3884613" y="8685213"/>
+            <a:ext cx="2971800" cy="458787"/>
+          </a:xfrm>
+          <a:prstGeom prst="rect">
+            <a:avLst/>
+          </a:prstGeom>
+          <a:noFill/>
+          <a:ln>
+            <a:noFill/>
+          </a:ln>
+        </p:spPr>
+        <p:txBody>
+          <a:bodyPr spcFirstLastPara="1" wrap="square" lIns="91425" tIns="45700" rIns="91425" bIns="45700" anchor="b" anchorCtr="0">
+            <a:noAutofit/>
+          </a:bodyPr>
+          <a:lstStyle/>
+          <a:p>
+            <a:pPr marL="0" marR="0" lvl="0" indent="0" algn="r" rtl="0">
+              <a:spcBef>
+                <a:spcPts val="0"/>
+              </a:spcBef>
+              <a:spcAft>
+                <a:spcPts val="0"/>
+              </a:spcAft>
+              <a:buNone/>
+            </a:pPr>
+            <a:fld id="{00000000-1234-1234-1234-123412341234}" type="slidenum">
+              <a:rPr lang="it-IT" sz="1200" b="0" i="0" u="none" strike="noStrike" cap="none">
+                <a:solidFill>
+                  <a:schemeClr val="dk1"/>
+                </a:solidFill>
+                <a:latin typeface="Calibri"/>
+                <a:ea typeface="Calibri"/>
+                <a:cs typeface="Calibri"/>
+                <a:sym typeface="Calibri"/>
+              </a:rPr>
+              <a:t>5</a:t>
+            </a:fld>
+            <a:endParaRPr sz="1200" b="0" i="0" u="none" strike="noStrike" cap="none">
+              <a:solidFill>
+                <a:schemeClr val="dk1"/>
+              </a:solidFill>
+              <a:latin typeface="Calibri"/>
+              <a:ea typeface="Calibri"/>
+              <a:cs typeface="Calibri"/>
+              <a:sym typeface="Calibri"/>
+            </a:endParaRPr>
+          </a:p>
+        </p:txBody>
+      </p:sp>
+      <p:sp>
+        <p:nvSpPr>
+          <p:cNvPr id="101" name="Shape 101"/>
+          <p:cNvSpPr txBox="1">
+            <a:spLocks noGrp="1"/>
+          </p:cNvSpPr>
+          <p:nvPr>
+            <p:ph type="hdr" idx="3"/>
+          </p:nvPr>
+        </p:nvSpPr>
+        <p:spPr>
+          <a:xfrm>
+            <a:off x="0" y="0"/>
+            <a:ext cx="2971800" cy="458788"/>
+          </a:xfrm>
+          <a:prstGeom prst="rect">
+            <a:avLst/>
+          </a:prstGeom>
+          <a:noFill/>
+          <a:ln>
+            <a:noFill/>
+          </a:ln>
+        </p:spPr>
+        <p:txBody>
+          <a:bodyPr spcFirstLastPara="1" wrap="square" lIns="91425" tIns="45700" rIns="91425" bIns="45700" anchor="t" anchorCtr="0">
+            <a:noAutofit/>
+          </a:bodyPr>
+          <a:lstStyle/>
+          <a:p>
+            <a:pPr marL="0" marR="0" lvl="0" indent="0" algn="l" rtl="0">
+              <a:spcBef>
+                <a:spcPts val="0"/>
+              </a:spcBef>
+              <a:spcAft>
+                <a:spcPts val="0"/>
+              </a:spcAft>
+              <a:buNone/>
+            </a:pPr>
+            <a:endParaRPr sz="1200" b="0" i="0" u="none" strike="noStrike" cap="none">
+              <a:solidFill>
+                <a:schemeClr val="dk1"/>
+              </a:solidFill>
+              <a:latin typeface="Calibri"/>
+              <a:ea typeface="Calibri"/>
+              <a:cs typeface="Calibri"/>
+              <a:sym typeface="Calibri"/>
+            </a:endParaRPr>
+          </a:p>
+        </p:txBody>
+      </p:sp>
+      <p:sp>
+        <p:nvSpPr>
+          <p:cNvPr id="102" name="Shape 102"/>
+          <p:cNvSpPr txBox="1">
+            <a:spLocks noGrp="1"/>
+          </p:cNvSpPr>
+          <p:nvPr>
+            <p:ph type="dt" idx="10"/>
+          </p:nvPr>
+        </p:nvSpPr>
+        <p:spPr>
+          <a:xfrm>
+            <a:off x="3884613" y="0"/>
+            <a:ext cx="2971800" cy="458788"/>
+          </a:xfrm>
+          <a:prstGeom prst="rect">
+            <a:avLst/>
+          </a:prstGeom>
+          <a:noFill/>
+          <a:ln>
+            <a:noFill/>
+          </a:ln>
+        </p:spPr>
+        <p:txBody>
+          <a:bodyPr spcFirstLastPara="1" wrap="square" lIns="91425" tIns="45700" rIns="91425" bIns="45700" anchor="t" anchorCtr="0">
+            <a:noAutofit/>
+          </a:bodyPr>
+          <a:lstStyle/>
+          <a:p>
+            <a:pPr marL="0" marR="0" lvl="0" indent="0" algn="r" rtl="0">
+              <a:spcBef>
+                <a:spcPts val="0"/>
+              </a:spcBef>
+              <a:spcAft>
+                <a:spcPts val="0"/>
+              </a:spcAft>
+              <a:buNone/>
+            </a:pPr>
+            <a:r>
+              <a:rPr lang="it-IT" sz="1200" b="0" i="0" u="none" strike="noStrike" cap="none">
+                <a:solidFill>
+                  <a:schemeClr val="dk1"/>
+                </a:solidFill>
+                <a:latin typeface="Calibri"/>
+                <a:ea typeface="Calibri"/>
+                <a:cs typeface="Calibri"/>
+                <a:sym typeface="Calibri"/>
+              </a:rPr>
+              <a:t>07/03/17</a:t>
+            </a:r>
+            <a:endParaRPr/>
+          </a:p>
+        </p:txBody>
+      </p:sp>
+      <p:sp>
+        <p:nvSpPr>
+          <p:cNvPr id="103" name="Shape 103"/>
+          <p:cNvSpPr txBox="1">
+            <a:spLocks noGrp="1"/>
+          </p:cNvSpPr>
+          <p:nvPr>
+            <p:ph type="ftr" idx="11"/>
+          </p:nvPr>
+        </p:nvSpPr>
+        <p:spPr>
+          <a:xfrm>
+            <a:off x="0" y="8685213"/>
+            <a:ext cx="2971800" cy="458787"/>
+          </a:xfrm>
+          <a:prstGeom prst="rect">
+            <a:avLst/>
+          </a:prstGeom>
+          <a:noFill/>
+          <a:ln>
+            <a:noFill/>
+          </a:ln>
+        </p:spPr>
+        <p:txBody>
+          <a:bodyPr spcFirstLastPara="1" wrap="square" lIns="91425" tIns="45700" rIns="91425" bIns="45700" anchor="b" anchorCtr="0">
+            <a:noAutofit/>
+          </a:bodyPr>
+          <a:lstStyle/>
+          <a:p>
+            <a:pPr marL="0" marR="0" lvl="0" indent="0" algn="l" rtl="0">
+              <a:spcBef>
+                <a:spcPts val="0"/>
+              </a:spcBef>
+              <a:spcAft>
+                <a:spcPts val="0"/>
+              </a:spcAft>
+              <a:buNone/>
+            </a:pPr>
+            <a:r>
+              <a:rPr lang="it-IT" sz="1200" b="0" i="0" u="none" strike="noStrike" cap="none">
+                <a:solidFill>
+                  <a:schemeClr val="dk1"/>
+                </a:solidFill>
+                <a:latin typeface="Calibri"/>
+                <a:ea typeface="Calibri"/>
+                <a:cs typeface="Calibri"/>
+                <a:sym typeface="Calibri"/>
+              </a:rPr>
+              <a:t>Gabriele Martin</a:t>
+            </a:r>
+            <a:endParaRPr/>
+          </a:p>
+        </p:txBody>
+      </p:sp>
+    </p:spTree>
+    <p:extLst>
+      <p:ext uri="{BB962C8B-B14F-4D97-AF65-F5344CB8AC3E}">
+        <p14:creationId xmlns:p14="http://schemas.microsoft.com/office/powerpoint/2010/main" val="2542804229"/>
+      </p:ext>
+    </p:extLst>
+  </p:cSld>
+  <p:clrMapOvr>
+    <a:masterClrMapping/>
+  </p:clrMapOvr>
+</p:notes>
+</file>
+
+<file path=ppt/notesSlides/notesSlide6.xml><?xml version="1.0" encoding="utf-8"?>
+<p:notes xmlns:a="http://schemas.openxmlformats.org/drawingml/2006/main" xmlns:r="http://schemas.openxmlformats.org/officeDocument/2006/relationships" xmlns:p="http://schemas.openxmlformats.org/presentationml/2006/main" showMasterSp="0" showMasterPhAnim="0">
+  <p:cSld>
+    <p:spTree>
+      <p:nvGrpSpPr>
+        <p:cNvPr id="1" name="Shape 97"/>
+        <p:cNvGrpSpPr/>
+        <p:nvPr/>
+      </p:nvGrpSpPr>
+      <p:grpSpPr>
+        <a:xfrm>
+          <a:off x="0" y="0"/>
+          <a:ext cx="0" cy="0"/>
+          <a:chOff x="0" y="0"/>
+          <a:chExt cx="0" cy="0"/>
+        </a:xfrm>
+      </p:grpSpPr>
+      <p:sp>
+        <p:nvSpPr>
+          <p:cNvPr id="98" name="Shape 98"/>
+          <p:cNvSpPr>
+            <a:spLocks noGrp="1" noRot="1" noChangeAspect="1"/>
+          </p:cNvSpPr>
+          <p:nvPr>
+            <p:ph type="sldImg" idx="2"/>
+          </p:nvPr>
+        </p:nvSpPr>
+        <p:spPr>
+          <a:xfrm>
+            <a:off x="1371600" y="1143000"/>
+            <a:ext cx="4114800" cy="3086100"/>
+          </a:xfrm>
+          <a:custGeom>
+            <a:avLst/>
+            <a:gdLst/>
+            <a:ahLst/>
+            <a:cxnLst/>
+            <a:rect l="0" t="0" r="0" b="0"/>
+            <a:pathLst>
+              <a:path w="120000" h="120000" extrusionOk="0">
+                <a:moveTo>
+                  <a:pt x="0" y="0"/>
+                </a:moveTo>
+                <a:lnTo>
+                  <a:pt x="120000" y="0"/>
+                </a:lnTo>
+                <a:lnTo>
+                  <a:pt x="120000" y="120000"/>
+                </a:lnTo>
+                <a:lnTo>
+                  <a:pt x="0" y="120000"/>
+                </a:lnTo>
+                <a:close/>
+              </a:path>
+            </a:pathLst>
+          </a:custGeom>
+          <a:noFill/>
+          <a:ln w="12700" cap="flat" cmpd="sng">
+            <a:solidFill>
+              <a:srgbClr val="000000"/>
+            </a:solidFill>
+            <a:prstDash val="solid"/>
+            <a:round/>
+            <a:headEnd type="none" w="sm" len="sm"/>
+            <a:tailEnd type="none" w="sm" len="sm"/>
+          </a:ln>
+        </p:spPr>
+      </p:sp>
+      <p:sp>
+        <p:nvSpPr>
+          <p:cNvPr id="99" name="Shape 99"/>
+          <p:cNvSpPr txBox="1">
+            <a:spLocks noGrp="1"/>
+          </p:cNvSpPr>
+          <p:nvPr>
+            <p:ph type="body" idx="1"/>
+          </p:nvPr>
+        </p:nvSpPr>
+        <p:spPr>
+          <a:xfrm>
+            <a:off x="685800" y="4400550"/>
+            <a:ext cx="5486400" cy="3600450"/>
+          </a:xfrm>
+          <a:prstGeom prst="rect">
+            <a:avLst/>
+          </a:prstGeom>
+          <a:noFill/>
+          <a:ln>
+            <a:noFill/>
+          </a:ln>
+        </p:spPr>
+        <p:txBody>
+          <a:bodyPr spcFirstLastPara="1" wrap="square" lIns="91425" tIns="45700" rIns="91425" bIns="45700" anchor="t" anchorCtr="0">
+            <a:noAutofit/>
+          </a:bodyPr>
+          <a:lstStyle/>
+          <a:p>
+            <a:pPr marL="0" marR="0" lvl="0" indent="0" algn="l" rtl="0">
+              <a:spcBef>
+                <a:spcPts val="0"/>
+              </a:spcBef>
+              <a:spcAft>
+                <a:spcPts val="0"/>
+              </a:spcAft>
+              <a:buNone/>
+            </a:pPr>
+            <a:endParaRPr sz="1200" b="0" i="0" u="none" strike="noStrike" cap="none">
+              <a:solidFill>
+                <a:schemeClr val="dk1"/>
+              </a:solidFill>
+              <a:latin typeface="Calibri"/>
+              <a:ea typeface="Calibri"/>
+              <a:cs typeface="Calibri"/>
+              <a:sym typeface="Calibri"/>
+            </a:endParaRPr>
+          </a:p>
+        </p:txBody>
+      </p:sp>
+      <p:sp>
+        <p:nvSpPr>
+          <p:cNvPr id="100" name="Shape 100"/>
+          <p:cNvSpPr txBox="1">
+            <a:spLocks noGrp="1"/>
+          </p:cNvSpPr>
+          <p:nvPr>
+            <p:ph type="sldNum" idx="12"/>
+          </p:nvPr>
+        </p:nvSpPr>
+        <p:spPr>
+          <a:xfrm>
+            <a:off x="3884613" y="8685213"/>
+            <a:ext cx="2971800" cy="458787"/>
+          </a:xfrm>
+          <a:prstGeom prst="rect">
+            <a:avLst/>
+          </a:prstGeom>
+          <a:noFill/>
+          <a:ln>
+            <a:noFill/>
+          </a:ln>
+        </p:spPr>
+        <p:txBody>
+          <a:bodyPr spcFirstLastPara="1" wrap="square" lIns="91425" tIns="45700" rIns="91425" bIns="45700" anchor="b" anchorCtr="0">
+            <a:noAutofit/>
+          </a:bodyPr>
+          <a:lstStyle/>
+          <a:p>
+            <a:pPr marL="0" marR="0" lvl="0" indent="0" algn="r" rtl="0">
+              <a:spcBef>
+                <a:spcPts val="0"/>
+              </a:spcBef>
+              <a:spcAft>
+                <a:spcPts val="0"/>
+              </a:spcAft>
+              <a:buNone/>
+            </a:pPr>
+            <a:fld id="{00000000-1234-1234-1234-123412341234}" type="slidenum">
+              <a:rPr lang="it-IT" sz="1200" b="0" i="0" u="none" strike="noStrike" cap="none">
+                <a:solidFill>
+                  <a:schemeClr val="dk1"/>
+                </a:solidFill>
+                <a:latin typeface="Calibri"/>
+                <a:ea typeface="Calibri"/>
+                <a:cs typeface="Calibri"/>
+                <a:sym typeface="Calibri"/>
+              </a:rPr>
+              <a:t>6</a:t>
+            </a:fld>
+            <a:endParaRPr sz="1200" b="0" i="0" u="none" strike="noStrike" cap="none">
+              <a:solidFill>
+                <a:schemeClr val="dk1"/>
+              </a:solidFill>
+              <a:latin typeface="Calibri"/>
+              <a:ea typeface="Calibri"/>
+              <a:cs typeface="Calibri"/>
+              <a:sym typeface="Calibri"/>
+            </a:endParaRPr>
+          </a:p>
+        </p:txBody>
+      </p:sp>
+      <p:sp>
+        <p:nvSpPr>
+          <p:cNvPr id="101" name="Shape 101"/>
+          <p:cNvSpPr txBox="1">
+            <a:spLocks noGrp="1"/>
+          </p:cNvSpPr>
+          <p:nvPr>
+            <p:ph type="hdr" idx="3"/>
+          </p:nvPr>
+        </p:nvSpPr>
+        <p:spPr>
+          <a:xfrm>
+            <a:off x="0" y="0"/>
+            <a:ext cx="2971800" cy="458788"/>
+          </a:xfrm>
+          <a:prstGeom prst="rect">
+            <a:avLst/>
+          </a:prstGeom>
+          <a:noFill/>
+          <a:ln>
+            <a:noFill/>
+          </a:ln>
+        </p:spPr>
+        <p:txBody>
+          <a:bodyPr spcFirstLastPara="1" wrap="square" lIns="91425" tIns="45700" rIns="91425" bIns="45700" anchor="t" anchorCtr="0">
+            <a:noAutofit/>
+          </a:bodyPr>
+          <a:lstStyle/>
+          <a:p>
+            <a:pPr marL="0" marR="0" lvl="0" indent="0" algn="l" rtl="0">
+              <a:spcBef>
+                <a:spcPts val="0"/>
+              </a:spcBef>
+              <a:spcAft>
+                <a:spcPts val="0"/>
+              </a:spcAft>
+              <a:buNone/>
+            </a:pPr>
+            <a:endParaRPr sz="1200" b="0" i="0" u="none" strike="noStrike" cap="none">
+              <a:solidFill>
+                <a:schemeClr val="dk1"/>
+              </a:solidFill>
+              <a:latin typeface="Calibri"/>
+              <a:ea typeface="Calibri"/>
+              <a:cs typeface="Calibri"/>
+              <a:sym typeface="Calibri"/>
+            </a:endParaRPr>
+          </a:p>
+        </p:txBody>
+      </p:sp>
+      <p:sp>
+        <p:nvSpPr>
+          <p:cNvPr id="102" name="Shape 102"/>
+          <p:cNvSpPr txBox="1">
+            <a:spLocks noGrp="1"/>
+          </p:cNvSpPr>
+          <p:nvPr>
+            <p:ph type="dt" idx="10"/>
+          </p:nvPr>
+        </p:nvSpPr>
+        <p:spPr>
+          <a:xfrm>
+            <a:off x="3884613" y="0"/>
+            <a:ext cx="2971800" cy="458788"/>
+          </a:xfrm>
+          <a:prstGeom prst="rect">
+            <a:avLst/>
+          </a:prstGeom>
+          <a:noFill/>
+          <a:ln>
+            <a:noFill/>
+          </a:ln>
+        </p:spPr>
+        <p:txBody>
+          <a:bodyPr spcFirstLastPara="1" wrap="square" lIns="91425" tIns="45700" rIns="91425" bIns="45700" anchor="t" anchorCtr="0">
+            <a:noAutofit/>
+          </a:bodyPr>
+          <a:lstStyle/>
+          <a:p>
+            <a:pPr marL="0" marR="0" lvl="0" indent="0" algn="r" rtl="0">
+              <a:spcBef>
+                <a:spcPts val="0"/>
+              </a:spcBef>
+              <a:spcAft>
+                <a:spcPts val="0"/>
+              </a:spcAft>
+              <a:buNone/>
+            </a:pPr>
+            <a:r>
+              <a:rPr lang="it-IT" sz="1200" b="0" i="0" u="none" strike="noStrike" cap="none">
+                <a:solidFill>
+                  <a:schemeClr val="dk1"/>
+                </a:solidFill>
+                <a:latin typeface="Calibri"/>
+                <a:ea typeface="Calibri"/>
+                <a:cs typeface="Calibri"/>
+                <a:sym typeface="Calibri"/>
+              </a:rPr>
+              <a:t>07/03/17</a:t>
+            </a:r>
+            <a:endParaRPr/>
+          </a:p>
+        </p:txBody>
+      </p:sp>
+      <p:sp>
+        <p:nvSpPr>
+          <p:cNvPr id="103" name="Shape 103"/>
+          <p:cNvSpPr txBox="1">
+            <a:spLocks noGrp="1"/>
+          </p:cNvSpPr>
+          <p:nvPr>
+            <p:ph type="ftr" idx="11"/>
+          </p:nvPr>
+        </p:nvSpPr>
+        <p:spPr>
+          <a:xfrm>
+            <a:off x="0" y="8685213"/>
+            <a:ext cx="2971800" cy="458787"/>
+          </a:xfrm>
+          <a:prstGeom prst="rect">
+            <a:avLst/>
+          </a:prstGeom>
+          <a:noFill/>
+          <a:ln>
+            <a:noFill/>
+          </a:ln>
+        </p:spPr>
+        <p:txBody>
+          <a:bodyPr spcFirstLastPara="1" wrap="square" lIns="91425" tIns="45700" rIns="91425" bIns="45700" anchor="b" anchorCtr="0">
+            <a:noAutofit/>
+          </a:bodyPr>
+          <a:lstStyle/>
+          <a:p>
+            <a:pPr marL="0" marR="0" lvl="0" indent="0" algn="l" rtl="0">
+              <a:spcBef>
+                <a:spcPts val="0"/>
+              </a:spcBef>
+              <a:spcAft>
+                <a:spcPts val="0"/>
+              </a:spcAft>
+              <a:buNone/>
+            </a:pPr>
+            <a:r>
+              <a:rPr lang="it-IT" sz="1200" b="0" i="0" u="none" strike="noStrike" cap="none">
+                <a:solidFill>
+                  <a:schemeClr val="dk1"/>
+                </a:solidFill>
+                <a:latin typeface="Calibri"/>
+                <a:ea typeface="Calibri"/>
+                <a:cs typeface="Calibri"/>
+                <a:sym typeface="Calibri"/>
+              </a:rPr>
+              <a:t>Gabriele Martin</a:t>
+            </a:r>
+            <a:endParaRPr/>
+          </a:p>
+        </p:txBody>
+      </p:sp>
+    </p:spTree>
+    <p:extLst>
+      <p:ext uri="{BB962C8B-B14F-4D97-AF65-F5344CB8AC3E}">
+        <p14:creationId xmlns:p14="http://schemas.microsoft.com/office/powerpoint/2010/main" val="1344792293"/>
+      </p:ext>
+    </p:extLst>
+  </p:cSld>
+  <p:clrMapOvr>
+    <a:masterClrMapping/>
+  </p:clrMapOvr>
+</p:notes>
+</file>
+
+<file path=ppt/notesSlides/notesSlide7.xml><?xml version="1.0" encoding="utf-8"?>
+<p:notes xmlns:a="http://schemas.openxmlformats.org/drawingml/2006/main" xmlns:r="http://schemas.openxmlformats.org/officeDocument/2006/relationships" xmlns:p="http://schemas.openxmlformats.org/presentationml/2006/main" showMasterSp="0" showMasterPhAnim="0">
+  <p:cSld>
+    <p:spTree>
+      <p:nvGrpSpPr>
+        <p:cNvPr id="1" name="Shape 97"/>
+        <p:cNvGrpSpPr/>
+        <p:nvPr/>
+      </p:nvGrpSpPr>
+      <p:grpSpPr>
+        <a:xfrm>
+          <a:off x="0" y="0"/>
+          <a:ext cx="0" cy="0"/>
+          <a:chOff x="0" y="0"/>
+          <a:chExt cx="0" cy="0"/>
+        </a:xfrm>
+      </p:grpSpPr>
+      <p:sp>
+        <p:nvSpPr>
+          <p:cNvPr id="98" name="Shape 98"/>
+          <p:cNvSpPr>
+            <a:spLocks noGrp="1" noRot="1" noChangeAspect="1"/>
+          </p:cNvSpPr>
+          <p:nvPr>
+            <p:ph type="sldImg" idx="2"/>
+          </p:nvPr>
+        </p:nvSpPr>
+        <p:spPr>
+          <a:xfrm>
+            <a:off x="1371600" y="1143000"/>
+            <a:ext cx="4114800" cy="3086100"/>
+          </a:xfrm>
+          <a:custGeom>
+            <a:avLst/>
+            <a:gdLst/>
+            <a:ahLst/>
+            <a:cxnLst/>
+            <a:rect l="0" t="0" r="0" b="0"/>
+            <a:pathLst>
+              <a:path w="120000" h="120000" extrusionOk="0">
+                <a:moveTo>
+                  <a:pt x="0" y="0"/>
+                </a:moveTo>
+                <a:lnTo>
+                  <a:pt x="120000" y="0"/>
+                </a:lnTo>
+                <a:lnTo>
+                  <a:pt x="120000" y="120000"/>
+                </a:lnTo>
+                <a:lnTo>
+                  <a:pt x="0" y="120000"/>
+                </a:lnTo>
+                <a:close/>
+              </a:path>
+            </a:pathLst>
+          </a:custGeom>
+          <a:noFill/>
+          <a:ln w="12700" cap="flat" cmpd="sng">
+            <a:solidFill>
+              <a:srgbClr val="000000"/>
+            </a:solidFill>
+            <a:prstDash val="solid"/>
+            <a:round/>
+            <a:headEnd type="none" w="sm" len="sm"/>
+            <a:tailEnd type="none" w="sm" len="sm"/>
+          </a:ln>
+        </p:spPr>
+      </p:sp>
+      <p:sp>
+        <p:nvSpPr>
+          <p:cNvPr id="99" name="Shape 99"/>
+          <p:cNvSpPr txBox="1">
+            <a:spLocks noGrp="1"/>
+          </p:cNvSpPr>
+          <p:nvPr>
+            <p:ph type="body" idx="1"/>
+          </p:nvPr>
+        </p:nvSpPr>
+        <p:spPr>
+          <a:xfrm>
+            <a:off x="685800" y="4400550"/>
+            <a:ext cx="5486400" cy="3600450"/>
+          </a:xfrm>
+          <a:prstGeom prst="rect">
+            <a:avLst/>
+          </a:prstGeom>
+          <a:noFill/>
+          <a:ln>
+            <a:noFill/>
+          </a:ln>
+        </p:spPr>
+        <p:txBody>
+          <a:bodyPr spcFirstLastPara="1" wrap="square" lIns="91425" tIns="45700" rIns="91425" bIns="45700" anchor="t" anchorCtr="0">
+            <a:noAutofit/>
+          </a:bodyPr>
+          <a:lstStyle/>
+          <a:p>
+            <a:pPr marL="0" marR="0" lvl="0" indent="0" algn="l" rtl="0">
+              <a:spcBef>
+                <a:spcPts val="0"/>
+              </a:spcBef>
+              <a:spcAft>
+                <a:spcPts val="0"/>
+              </a:spcAft>
+              <a:buNone/>
+            </a:pPr>
+            <a:endParaRPr sz="1200" b="0" i="0" u="none" strike="noStrike" cap="none">
+              <a:solidFill>
+                <a:schemeClr val="dk1"/>
+              </a:solidFill>
+              <a:latin typeface="Calibri"/>
+              <a:ea typeface="Calibri"/>
+              <a:cs typeface="Calibri"/>
+              <a:sym typeface="Calibri"/>
+            </a:endParaRPr>
+          </a:p>
+        </p:txBody>
+      </p:sp>
+      <p:sp>
+        <p:nvSpPr>
+          <p:cNvPr id="100" name="Shape 100"/>
+          <p:cNvSpPr txBox="1">
+            <a:spLocks noGrp="1"/>
+          </p:cNvSpPr>
+          <p:nvPr>
+            <p:ph type="sldNum" idx="12"/>
+          </p:nvPr>
+        </p:nvSpPr>
+        <p:spPr>
+          <a:xfrm>
+            <a:off x="3884613" y="8685213"/>
+            <a:ext cx="2971800" cy="458787"/>
+          </a:xfrm>
+          <a:prstGeom prst="rect">
+            <a:avLst/>
+          </a:prstGeom>
+          <a:noFill/>
+          <a:ln>
+            <a:noFill/>
+          </a:ln>
+        </p:spPr>
+        <p:txBody>
+          <a:bodyPr spcFirstLastPara="1" wrap="square" lIns="91425" tIns="45700" rIns="91425" bIns="45700" anchor="b" anchorCtr="0">
+            <a:noAutofit/>
+          </a:bodyPr>
+          <a:lstStyle/>
+          <a:p>
+            <a:pPr marL="0" marR="0" lvl="0" indent="0" algn="r" rtl="0">
+              <a:spcBef>
+                <a:spcPts val="0"/>
+              </a:spcBef>
+              <a:spcAft>
+                <a:spcPts val="0"/>
+              </a:spcAft>
+              <a:buNone/>
+            </a:pPr>
+            <a:fld id="{00000000-1234-1234-1234-123412341234}" type="slidenum">
+              <a:rPr lang="it-IT" sz="1200" b="0" i="0" u="none" strike="noStrike" cap="none">
+                <a:solidFill>
+                  <a:schemeClr val="dk1"/>
+                </a:solidFill>
+                <a:latin typeface="Calibri"/>
+                <a:ea typeface="Calibri"/>
+                <a:cs typeface="Calibri"/>
+                <a:sym typeface="Calibri"/>
+              </a:rPr>
+              <a:t>7</a:t>
+            </a:fld>
+            <a:endParaRPr sz="1200" b="0" i="0" u="none" strike="noStrike" cap="none">
+              <a:solidFill>
+                <a:schemeClr val="dk1"/>
+              </a:solidFill>
+              <a:latin typeface="Calibri"/>
+              <a:ea typeface="Calibri"/>
+              <a:cs typeface="Calibri"/>
+              <a:sym typeface="Calibri"/>
+            </a:endParaRPr>
+          </a:p>
+        </p:txBody>
+      </p:sp>
+      <p:sp>
+        <p:nvSpPr>
+          <p:cNvPr id="101" name="Shape 101"/>
+          <p:cNvSpPr txBox="1">
+            <a:spLocks noGrp="1"/>
+          </p:cNvSpPr>
+          <p:nvPr>
+            <p:ph type="hdr" idx="3"/>
+          </p:nvPr>
+        </p:nvSpPr>
+        <p:spPr>
+          <a:xfrm>
+            <a:off x="0" y="0"/>
+            <a:ext cx="2971800" cy="458788"/>
+          </a:xfrm>
+          <a:prstGeom prst="rect">
+            <a:avLst/>
+          </a:prstGeom>
+          <a:noFill/>
+          <a:ln>
+            <a:noFill/>
+          </a:ln>
+        </p:spPr>
+        <p:txBody>
+          <a:bodyPr spcFirstLastPara="1" wrap="square" lIns="91425" tIns="45700" rIns="91425" bIns="45700" anchor="t" anchorCtr="0">
+            <a:noAutofit/>
+          </a:bodyPr>
+          <a:lstStyle/>
+          <a:p>
+            <a:pPr marL="0" marR="0" lvl="0" indent="0" algn="l" rtl="0">
+              <a:spcBef>
+                <a:spcPts val="0"/>
+              </a:spcBef>
+              <a:spcAft>
+                <a:spcPts val="0"/>
+              </a:spcAft>
+              <a:buNone/>
+            </a:pPr>
+            <a:endParaRPr sz="1200" b="0" i="0" u="none" strike="noStrike" cap="none">
+              <a:solidFill>
+                <a:schemeClr val="dk1"/>
+              </a:solidFill>
+              <a:latin typeface="Calibri"/>
+              <a:ea typeface="Calibri"/>
+              <a:cs typeface="Calibri"/>
+              <a:sym typeface="Calibri"/>
+            </a:endParaRPr>
+          </a:p>
+        </p:txBody>
+      </p:sp>
+      <p:sp>
+        <p:nvSpPr>
+          <p:cNvPr id="102" name="Shape 102"/>
+          <p:cNvSpPr txBox="1">
+            <a:spLocks noGrp="1"/>
+          </p:cNvSpPr>
+          <p:nvPr>
+            <p:ph type="dt" idx="10"/>
+          </p:nvPr>
+        </p:nvSpPr>
+        <p:spPr>
+          <a:xfrm>
+            <a:off x="3884613" y="0"/>
+            <a:ext cx="2971800" cy="458788"/>
+          </a:xfrm>
+          <a:prstGeom prst="rect">
+            <a:avLst/>
+          </a:prstGeom>
+          <a:noFill/>
+          <a:ln>
+            <a:noFill/>
+          </a:ln>
+        </p:spPr>
+        <p:txBody>
+          <a:bodyPr spcFirstLastPara="1" wrap="square" lIns="91425" tIns="45700" rIns="91425" bIns="45700" anchor="t" anchorCtr="0">
+            <a:noAutofit/>
+          </a:bodyPr>
+          <a:lstStyle/>
+          <a:p>
+            <a:pPr marL="0" marR="0" lvl="0" indent="0" algn="r" rtl="0">
+              <a:spcBef>
+                <a:spcPts val="0"/>
+              </a:spcBef>
+              <a:spcAft>
+                <a:spcPts val="0"/>
+              </a:spcAft>
+              <a:buNone/>
+            </a:pPr>
+            <a:r>
+              <a:rPr lang="it-IT" sz="1200" b="0" i="0" u="none" strike="noStrike" cap="none">
+                <a:solidFill>
+                  <a:schemeClr val="dk1"/>
+                </a:solidFill>
+                <a:latin typeface="Calibri"/>
+                <a:ea typeface="Calibri"/>
+                <a:cs typeface="Calibri"/>
+                <a:sym typeface="Calibri"/>
+              </a:rPr>
+              <a:t>07/03/17</a:t>
+            </a:r>
+            <a:endParaRPr/>
+          </a:p>
+        </p:txBody>
+      </p:sp>
+      <p:sp>
+        <p:nvSpPr>
+          <p:cNvPr id="103" name="Shape 103"/>
+          <p:cNvSpPr txBox="1">
+            <a:spLocks noGrp="1"/>
+          </p:cNvSpPr>
+          <p:nvPr>
+            <p:ph type="ftr" idx="11"/>
+          </p:nvPr>
+        </p:nvSpPr>
+        <p:spPr>
+          <a:xfrm>
+            <a:off x="0" y="8685213"/>
+            <a:ext cx="2971800" cy="458787"/>
+          </a:xfrm>
+          <a:prstGeom prst="rect">
+            <a:avLst/>
+          </a:prstGeom>
+          <a:noFill/>
+          <a:ln>
+            <a:noFill/>
+          </a:ln>
+        </p:spPr>
+        <p:txBody>
+          <a:bodyPr spcFirstLastPara="1" wrap="square" lIns="91425" tIns="45700" rIns="91425" bIns="45700" anchor="b" anchorCtr="0">
+            <a:noAutofit/>
+          </a:bodyPr>
+          <a:lstStyle/>
+          <a:p>
+            <a:pPr marL="0" marR="0" lvl="0" indent="0" algn="l" rtl="0">
+              <a:spcBef>
+                <a:spcPts val="0"/>
+              </a:spcBef>
+              <a:spcAft>
+                <a:spcPts val="0"/>
+              </a:spcAft>
+              <a:buNone/>
+            </a:pPr>
+            <a:r>
+              <a:rPr lang="it-IT" sz="1200" b="0" i="0" u="none" strike="noStrike" cap="none">
+                <a:solidFill>
+                  <a:schemeClr val="dk1"/>
+                </a:solidFill>
+                <a:latin typeface="Calibri"/>
+                <a:ea typeface="Calibri"/>
+                <a:cs typeface="Calibri"/>
+                <a:sym typeface="Calibri"/>
+              </a:rPr>
+              <a:t>Gabriele Martin</a:t>
+            </a:r>
+            <a:endParaRPr/>
+          </a:p>
+        </p:txBody>
+      </p:sp>
+    </p:spTree>
+    <p:extLst>
+      <p:ext uri="{BB962C8B-B14F-4D97-AF65-F5344CB8AC3E}">
+        <p14:creationId xmlns:p14="http://schemas.microsoft.com/office/powerpoint/2010/main" val="3391524073"/>
+      </p:ext>
+    </p:extLst>
+  </p:cSld>
+  <p:clrMapOvr>
+    <a:masterClrMapping/>
+  </p:clrMapOvr>
+</p:notes>
+</file>
+
+<file path=ppt/notesSlides/notesSlide8.xml><?xml version="1.0" encoding="utf-8"?>
+<p:notes xmlns:a="http://schemas.openxmlformats.org/drawingml/2006/main" xmlns:r="http://schemas.openxmlformats.org/officeDocument/2006/relationships" xmlns:p="http://schemas.openxmlformats.org/presentationml/2006/main" showMasterSp="0" showMasterPhAnim="0">
+  <p:cSld>
+    <p:spTree>
+      <p:nvGrpSpPr>
+        <p:cNvPr id="1" name="Shape 97"/>
+        <p:cNvGrpSpPr/>
+        <p:nvPr/>
+      </p:nvGrpSpPr>
+      <p:grpSpPr>
+        <a:xfrm>
+          <a:off x="0" y="0"/>
+          <a:ext cx="0" cy="0"/>
+          <a:chOff x="0" y="0"/>
+          <a:chExt cx="0" cy="0"/>
+        </a:xfrm>
+      </p:grpSpPr>
+      <p:sp>
+        <p:nvSpPr>
+          <p:cNvPr id="98" name="Shape 98"/>
+          <p:cNvSpPr>
+            <a:spLocks noGrp="1" noRot="1" noChangeAspect="1"/>
+          </p:cNvSpPr>
+          <p:nvPr>
+            <p:ph type="sldImg" idx="2"/>
+          </p:nvPr>
+        </p:nvSpPr>
+        <p:spPr>
+          <a:xfrm>
+            <a:off x="1371600" y="1143000"/>
+            <a:ext cx="4114800" cy="3086100"/>
+          </a:xfrm>
+          <a:custGeom>
+            <a:avLst/>
+            <a:gdLst/>
+            <a:ahLst/>
+            <a:cxnLst/>
+            <a:rect l="0" t="0" r="0" b="0"/>
+            <a:pathLst>
+              <a:path w="120000" h="120000" extrusionOk="0">
+                <a:moveTo>
+                  <a:pt x="0" y="0"/>
+                </a:moveTo>
+                <a:lnTo>
+                  <a:pt x="120000" y="0"/>
+                </a:lnTo>
+                <a:lnTo>
+                  <a:pt x="120000" y="120000"/>
+                </a:lnTo>
+                <a:lnTo>
+                  <a:pt x="0" y="120000"/>
+                </a:lnTo>
+                <a:close/>
+              </a:path>
+            </a:pathLst>
+          </a:custGeom>
+          <a:noFill/>
+          <a:ln w="12700" cap="flat" cmpd="sng">
+            <a:solidFill>
+              <a:srgbClr val="000000"/>
+            </a:solidFill>
+            <a:prstDash val="solid"/>
+            <a:round/>
+            <a:headEnd type="none" w="sm" len="sm"/>
+            <a:tailEnd type="none" w="sm" len="sm"/>
+          </a:ln>
+        </p:spPr>
+      </p:sp>
+      <p:sp>
+        <p:nvSpPr>
+          <p:cNvPr id="99" name="Shape 99"/>
+          <p:cNvSpPr txBox="1">
+            <a:spLocks noGrp="1"/>
+          </p:cNvSpPr>
+          <p:nvPr>
+            <p:ph type="body" idx="1"/>
+          </p:nvPr>
+        </p:nvSpPr>
+        <p:spPr>
+          <a:xfrm>
+            <a:off x="685800" y="4400550"/>
+            <a:ext cx="5486400" cy="3600450"/>
+          </a:xfrm>
+          <a:prstGeom prst="rect">
+            <a:avLst/>
+          </a:prstGeom>
+          <a:noFill/>
+          <a:ln>
+            <a:noFill/>
+          </a:ln>
+        </p:spPr>
+        <p:txBody>
+          <a:bodyPr spcFirstLastPara="1" wrap="square" lIns="91425" tIns="45700" rIns="91425" bIns="45700" anchor="t" anchorCtr="0">
+            <a:noAutofit/>
+          </a:bodyPr>
+          <a:lstStyle/>
+          <a:p>
+            <a:pPr marL="0" marR="0" lvl="0" indent="0" algn="l" rtl="0">
+              <a:spcBef>
+                <a:spcPts val="0"/>
+              </a:spcBef>
+              <a:spcAft>
+                <a:spcPts val="0"/>
+              </a:spcAft>
+              <a:buNone/>
+            </a:pPr>
+            <a:endParaRPr sz="1200" b="0" i="0" u="none" strike="noStrike" cap="none">
+              <a:solidFill>
+                <a:schemeClr val="dk1"/>
+              </a:solidFill>
+              <a:latin typeface="Calibri"/>
+              <a:ea typeface="Calibri"/>
+              <a:cs typeface="Calibri"/>
+              <a:sym typeface="Calibri"/>
+            </a:endParaRPr>
+          </a:p>
+        </p:txBody>
+      </p:sp>
+      <p:sp>
+        <p:nvSpPr>
+          <p:cNvPr id="100" name="Shape 100"/>
+          <p:cNvSpPr txBox="1">
+            <a:spLocks noGrp="1"/>
+          </p:cNvSpPr>
+          <p:nvPr>
+            <p:ph type="sldNum" idx="12"/>
+          </p:nvPr>
+        </p:nvSpPr>
+        <p:spPr>
+          <a:xfrm>
+            <a:off x="3884613" y="8685213"/>
+            <a:ext cx="2971800" cy="458787"/>
+          </a:xfrm>
+          <a:prstGeom prst="rect">
+            <a:avLst/>
+          </a:prstGeom>
+          <a:noFill/>
+          <a:ln>
+            <a:noFill/>
+          </a:ln>
+        </p:spPr>
+        <p:txBody>
+          <a:bodyPr spcFirstLastPara="1" wrap="square" lIns="91425" tIns="45700" rIns="91425" bIns="45700" anchor="b" anchorCtr="0">
+            <a:noAutofit/>
+          </a:bodyPr>
+          <a:lstStyle/>
+          <a:p>
+            <a:pPr marL="0" marR="0" lvl="0" indent="0" algn="r" rtl="0">
+              <a:spcBef>
+                <a:spcPts val="0"/>
+              </a:spcBef>
+              <a:spcAft>
+                <a:spcPts val="0"/>
+              </a:spcAft>
+              <a:buNone/>
+            </a:pPr>
+            <a:fld id="{00000000-1234-1234-1234-123412341234}" type="slidenum">
+              <a:rPr lang="it-IT" sz="1200" b="0" i="0" u="none" strike="noStrike" cap="none">
+                <a:solidFill>
+                  <a:schemeClr val="dk1"/>
+                </a:solidFill>
+                <a:latin typeface="Calibri"/>
+                <a:ea typeface="Calibri"/>
+                <a:cs typeface="Calibri"/>
+                <a:sym typeface="Calibri"/>
+              </a:rPr>
+              <a:t>8</a:t>
+            </a:fld>
+            <a:endParaRPr sz="1200" b="0" i="0" u="none" strike="noStrike" cap="none">
+              <a:solidFill>
+                <a:schemeClr val="dk1"/>
+              </a:solidFill>
+              <a:latin typeface="Calibri"/>
+              <a:ea typeface="Calibri"/>
+              <a:cs typeface="Calibri"/>
+              <a:sym typeface="Calibri"/>
+            </a:endParaRPr>
+          </a:p>
+        </p:txBody>
+      </p:sp>
+      <p:sp>
+        <p:nvSpPr>
+          <p:cNvPr id="101" name="Shape 101"/>
+          <p:cNvSpPr txBox="1">
+            <a:spLocks noGrp="1"/>
+          </p:cNvSpPr>
+          <p:nvPr>
+            <p:ph type="hdr" idx="3"/>
+          </p:nvPr>
+        </p:nvSpPr>
+        <p:spPr>
+          <a:xfrm>
+            <a:off x="0" y="0"/>
+            <a:ext cx="2971800" cy="458788"/>
+          </a:xfrm>
+          <a:prstGeom prst="rect">
+            <a:avLst/>
+          </a:prstGeom>
+          <a:noFill/>
+          <a:ln>
+            <a:noFill/>
+          </a:ln>
+        </p:spPr>
+        <p:txBody>
+          <a:bodyPr spcFirstLastPara="1" wrap="square" lIns="91425" tIns="45700" rIns="91425" bIns="45700" anchor="t" anchorCtr="0">
+            <a:noAutofit/>
+          </a:bodyPr>
+          <a:lstStyle/>
+          <a:p>
+            <a:pPr marL="0" marR="0" lvl="0" indent="0" algn="l" rtl="0">
+              <a:spcBef>
+                <a:spcPts val="0"/>
+              </a:spcBef>
+              <a:spcAft>
+                <a:spcPts val="0"/>
+              </a:spcAft>
+              <a:buNone/>
+            </a:pPr>
+            <a:endParaRPr sz="1200" b="0" i="0" u="none" strike="noStrike" cap="none">
+              <a:solidFill>
+                <a:schemeClr val="dk1"/>
+              </a:solidFill>
+              <a:latin typeface="Calibri"/>
+              <a:ea typeface="Calibri"/>
+              <a:cs typeface="Calibri"/>
+              <a:sym typeface="Calibri"/>
+            </a:endParaRPr>
+          </a:p>
+        </p:txBody>
+      </p:sp>
+      <p:sp>
+        <p:nvSpPr>
+          <p:cNvPr id="102" name="Shape 102"/>
+          <p:cNvSpPr txBox="1">
+            <a:spLocks noGrp="1"/>
+          </p:cNvSpPr>
+          <p:nvPr>
+            <p:ph type="dt" idx="10"/>
+          </p:nvPr>
+        </p:nvSpPr>
+        <p:spPr>
+          <a:xfrm>
+            <a:off x="3884613" y="0"/>
+            <a:ext cx="2971800" cy="458788"/>
+          </a:xfrm>
+          <a:prstGeom prst="rect">
+            <a:avLst/>
+          </a:prstGeom>
+          <a:noFill/>
+          <a:ln>
+            <a:noFill/>
+          </a:ln>
+        </p:spPr>
+        <p:txBody>
+          <a:bodyPr spcFirstLastPara="1" wrap="square" lIns="91425" tIns="45700" rIns="91425" bIns="45700" anchor="t" anchorCtr="0">
+            <a:noAutofit/>
+          </a:bodyPr>
+          <a:lstStyle/>
+          <a:p>
+            <a:pPr marL="0" marR="0" lvl="0" indent="0" algn="r" rtl="0">
+              <a:spcBef>
+                <a:spcPts val="0"/>
+              </a:spcBef>
+              <a:spcAft>
+                <a:spcPts val="0"/>
+              </a:spcAft>
+              <a:buNone/>
+            </a:pPr>
+            <a:r>
+              <a:rPr lang="it-IT" sz="1200" b="0" i="0" u="none" strike="noStrike" cap="none">
+                <a:solidFill>
+                  <a:schemeClr val="dk1"/>
+                </a:solidFill>
+                <a:latin typeface="Calibri"/>
+                <a:ea typeface="Calibri"/>
+                <a:cs typeface="Calibri"/>
+                <a:sym typeface="Calibri"/>
+              </a:rPr>
+              <a:t>07/03/17</a:t>
+            </a:r>
+            <a:endParaRPr/>
+          </a:p>
+        </p:txBody>
+      </p:sp>
+      <p:sp>
+        <p:nvSpPr>
+          <p:cNvPr id="103" name="Shape 103"/>
+          <p:cNvSpPr txBox="1">
+            <a:spLocks noGrp="1"/>
+          </p:cNvSpPr>
+          <p:nvPr>
+            <p:ph type="ftr" idx="11"/>
+          </p:nvPr>
+        </p:nvSpPr>
+        <p:spPr>
+          <a:xfrm>
+            <a:off x="0" y="8685213"/>
+            <a:ext cx="2971800" cy="458787"/>
+          </a:xfrm>
+          <a:prstGeom prst="rect">
+            <a:avLst/>
+          </a:prstGeom>
+          <a:noFill/>
+          <a:ln>
+            <a:noFill/>
+          </a:ln>
+        </p:spPr>
+        <p:txBody>
+          <a:bodyPr spcFirstLastPara="1" wrap="square" lIns="91425" tIns="45700" rIns="91425" bIns="45700" anchor="b" anchorCtr="0">
+            <a:noAutofit/>
+          </a:bodyPr>
+          <a:lstStyle/>
+          <a:p>
+            <a:pPr marL="0" marR="0" lvl="0" indent="0" algn="l" rtl="0">
+              <a:spcBef>
+                <a:spcPts val="0"/>
+              </a:spcBef>
+              <a:spcAft>
+                <a:spcPts val="0"/>
+              </a:spcAft>
+              <a:buNone/>
+            </a:pPr>
+            <a:r>
+              <a:rPr lang="it-IT" sz="1200" b="0" i="0" u="none" strike="noStrike" cap="none">
+                <a:solidFill>
+                  <a:schemeClr val="dk1"/>
+                </a:solidFill>
+                <a:latin typeface="Calibri"/>
+                <a:ea typeface="Calibri"/>
+                <a:cs typeface="Calibri"/>
+                <a:sym typeface="Calibri"/>
+              </a:rPr>
+              <a:t>Gabriele Martin</a:t>
+            </a:r>
+            <a:endParaRPr/>
+          </a:p>
+        </p:txBody>
+      </p:sp>
+    </p:spTree>
+    <p:extLst>
+      <p:ext uri="{BB962C8B-B14F-4D97-AF65-F5344CB8AC3E}">
+        <p14:creationId xmlns:p14="http://schemas.microsoft.com/office/powerpoint/2010/main" val="2913849377"/>
+      </p:ext>
+    </p:extLst>
+  </p:cSld>
+  <p:clrMapOvr>
+    <a:masterClrMapping/>
+  </p:clrMapOvr>
+</p:notes>
+</file>
+
+<file path=ppt/notesSlides/notesSlide9.xml><?xml version="1.0" encoding="utf-8"?>
+<p:notes xmlns:a="http://schemas.openxmlformats.org/drawingml/2006/main" xmlns:r="http://schemas.openxmlformats.org/officeDocument/2006/relationships" xmlns:p="http://schemas.openxmlformats.org/presentationml/2006/main" showMasterSp="0" showMasterPhAnim="0">
+  <p:cSld>
+    <p:spTree>
+      <p:nvGrpSpPr>
+        <p:cNvPr id="1" name="Shape 97"/>
+        <p:cNvGrpSpPr/>
+        <p:nvPr/>
+      </p:nvGrpSpPr>
+      <p:grpSpPr>
+        <a:xfrm>
+          <a:off x="0" y="0"/>
+          <a:ext cx="0" cy="0"/>
+          <a:chOff x="0" y="0"/>
+          <a:chExt cx="0" cy="0"/>
+        </a:xfrm>
+      </p:grpSpPr>
+      <p:sp>
+        <p:nvSpPr>
+          <p:cNvPr id="98" name="Shape 98"/>
+          <p:cNvSpPr>
+            <a:spLocks noGrp="1" noRot="1" noChangeAspect="1"/>
+          </p:cNvSpPr>
+          <p:nvPr>
+            <p:ph type="sldImg" idx="2"/>
+          </p:nvPr>
+        </p:nvSpPr>
+        <p:spPr>
+          <a:xfrm>
+            <a:off x="1371600" y="1143000"/>
+            <a:ext cx="4114800" cy="3086100"/>
+          </a:xfrm>
+          <a:custGeom>
+            <a:avLst/>
+            <a:gdLst/>
+            <a:ahLst/>
+            <a:cxnLst/>
+            <a:rect l="0" t="0" r="0" b="0"/>
+            <a:pathLst>
+              <a:path w="120000" h="120000" extrusionOk="0">
+                <a:moveTo>
+                  <a:pt x="0" y="0"/>
+                </a:moveTo>
+                <a:lnTo>
+                  <a:pt x="120000" y="0"/>
+                </a:lnTo>
+                <a:lnTo>
+                  <a:pt x="120000" y="120000"/>
+                </a:lnTo>
+                <a:lnTo>
+                  <a:pt x="0" y="120000"/>
+                </a:lnTo>
+                <a:close/>
+              </a:path>
+            </a:pathLst>
+          </a:custGeom>
+          <a:noFill/>
+          <a:ln w="12700" cap="flat" cmpd="sng">
+            <a:solidFill>
+              <a:srgbClr val="000000"/>
+            </a:solidFill>
+            <a:prstDash val="solid"/>
+            <a:round/>
+            <a:headEnd type="none" w="sm" len="sm"/>
+            <a:tailEnd type="none" w="sm" len="sm"/>
+          </a:ln>
+        </p:spPr>
+      </p:sp>
+      <p:sp>
+        <p:nvSpPr>
+          <p:cNvPr id="99" name="Shape 99"/>
+          <p:cNvSpPr txBox="1">
+            <a:spLocks noGrp="1"/>
+          </p:cNvSpPr>
+          <p:nvPr>
+            <p:ph type="body" idx="1"/>
+          </p:nvPr>
+        </p:nvSpPr>
+        <p:spPr>
+          <a:xfrm>
+            <a:off x="685800" y="4400550"/>
+            <a:ext cx="5486400" cy="3600450"/>
+          </a:xfrm>
+          <a:prstGeom prst="rect">
+            <a:avLst/>
+          </a:prstGeom>
+          <a:noFill/>
+          <a:ln>
+            <a:noFill/>
+          </a:ln>
+        </p:spPr>
+        <p:txBody>
+          <a:bodyPr spcFirstLastPara="1" wrap="square" lIns="91425" tIns="45700" rIns="91425" bIns="45700" anchor="t" anchorCtr="0">
+            <a:noAutofit/>
+          </a:bodyPr>
+          <a:lstStyle/>
+          <a:p>
+            <a:pPr marL="0" marR="0" lvl="0" indent="0" algn="l" rtl="0">
+              <a:spcBef>
+                <a:spcPts val="0"/>
+              </a:spcBef>
+              <a:spcAft>
+                <a:spcPts val="0"/>
+              </a:spcAft>
+              <a:buNone/>
+            </a:pPr>
+            <a:endParaRPr sz="1200" b="0" i="0" u="none" strike="noStrike" cap="none">
+              <a:solidFill>
+                <a:schemeClr val="dk1"/>
+              </a:solidFill>
+              <a:latin typeface="Calibri"/>
+              <a:ea typeface="Calibri"/>
+              <a:cs typeface="Calibri"/>
+              <a:sym typeface="Calibri"/>
+            </a:endParaRPr>
+          </a:p>
+        </p:txBody>
+      </p:sp>
+      <p:sp>
+        <p:nvSpPr>
+          <p:cNvPr id="100" name="Shape 100"/>
+          <p:cNvSpPr txBox="1">
+            <a:spLocks noGrp="1"/>
+          </p:cNvSpPr>
+          <p:nvPr>
+            <p:ph type="sldNum" idx="12"/>
+          </p:nvPr>
+        </p:nvSpPr>
+        <p:spPr>
+          <a:xfrm>
+            <a:off x="3884613" y="8685213"/>
+            <a:ext cx="2971800" cy="458787"/>
+          </a:xfrm>
+          <a:prstGeom prst="rect">
+            <a:avLst/>
+          </a:prstGeom>
+          <a:noFill/>
+          <a:ln>
+            <a:noFill/>
+          </a:ln>
+        </p:spPr>
+        <p:txBody>
+          <a:bodyPr spcFirstLastPara="1" wrap="square" lIns="91425" tIns="45700" rIns="91425" bIns="45700" anchor="b" anchorCtr="0">
+            <a:noAutofit/>
+          </a:bodyPr>
+          <a:lstStyle/>
+          <a:p>
+            <a:pPr marL="0" marR="0" lvl="0" indent="0" algn="r" rtl="0">
+              <a:spcBef>
+                <a:spcPts val="0"/>
+              </a:spcBef>
+              <a:spcAft>
+                <a:spcPts val="0"/>
+              </a:spcAft>
+              <a:buNone/>
+            </a:pPr>
+            <a:fld id="{00000000-1234-1234-1234-123412341234}" type="slidenum">
+              <a:rPr lang="it-IT" sz="1200" b="0" i="0" u="none" strike="noStrike" cap="none">
+                <a:solidFill>
+                  <a:schemeClr val="dk1"/>
+                </a:solidFill>
+                <a:latin typeface="Calibri"/>
+                <a:ea typeface="Calibri"/>
+                <a:cs typeface="Calibri"/>
+                <a:sym typeface="Calibri"/>
+              </a:rPr>
+              <a:t>9</a:t>
+            </a:fld>
+            <a:endParaRPr sz="1200" b="0" i="0" u="none" strike="noStrike" cap="none">
+              <a:solidFill>
+                <a:schemeClr val="dk1"/>
+              </a:solidFill>
+              <a:latin typeface="Calibri"/>
+              <a:ea typeface="Calibri"/>
+              <a:cs typeface="Calibri"/>
+              <a:sym typeface="Calibri"/>
+            </a:endParaRPr>
+          </a:p>
+        </p:txBody>
+      </p:sp>
+      <p:sp>
+        <p:nvSpPr>
+          <p:cNvPr id="101" name="Shape 101"/>
+          <p:cNvSpPr txBox="1">
+            <a:spLocks noGrp="1"/>
+          </p:cNvSpPr>
+          <p:nvPr>
+            <p:ph type="hdr" idx="3"/>
+          </p:nvPr>
+        </p:nvSpPr>
+        <p:spPr>
+          <a:xfrm>
+            <a:off x="0" y="0"/>
+            <a:ext cx="2971800" cy="458788"/>
+          </a:xfrm>
+          <a:prstGeom prst="rect">
+            <a:avLst/>
+          </a:prstGeom>
+          <a:noFill/>
+          <a:ln>
+            <a:noFill/>
+          </a:ln>
+        </p:spPr>
+        <p:txBody>
+          <a:bodyPr spcFirstLastPara="1" wrap="square" lIns="91425" tIns="45700" rIns="91425" bIns="45700" anchor="t" anchorCtr="0">
+            <a:noAutofit/>
+          </a:bodyPr>
+          <a:lstStyle/>
+          <a:p>
+            <a:pPr marL="0" marR="0" lvl="0" indent="0" algn="l" rtl="0">
+              <a:spcBef>
+                <a:spcPts val="0"/>
+              </a:spcBef>
+              <a:spcAft>
+                <a:spcPts val="0"/>
+              </a:spcAft>
+              <a:buNone/>
+            </a:pPr>
+            <a:endParaRPr sz="1200" b="0" i="0" u="none" strike="noStrike" cap="none">
+              <a:solidFill>
+                <a:schemeClr val="dk1"/>
+              </a:solidFill>
+              <a:latin typeface="Calibri"/>
+              <a:ea typeface="Calibri"/>
+              <a:cs typeface="Calibri"/>
+              <a:sym typeface="Calibri"/>
+            </a:endParaRPr>
+          </a:p>
+        </p:txBody>
+      </p:sp>
+      <p:sp>
+        <p:nvSpPr>
+          <p:cNvPr id="102" name="Shape 102"/>
+          <p:cNvSpPr txBox="1">
+            <a:spLocks noGrp="1"/>
+          </p:cNvSpPr>
+          <p:nvPr>
+            <p:ph type="dt" idx="10"/>
+          </p:nvPr>
+        </p:nvSpPr>
+        <p:spPr>
+          <a:xfrm>
+            <a:off x="3884613" y="0"/>
+            <a:ext cx="2971800" cy="458788"/>
+          </a:xfrm>
+          <a:prstGeom prst="rect">
+            <a:avLst/>
+          </a:prstGeom>
+          <a:noFill/>
+          <a:ln>
+            <a:noFill/>
+          </a:ln>
+        </p:spPr>
+        <p:txBody>
+          <a:bodyPr spcFirstLastPara="1" wrap="square" lIns="91425" tIns="45700" rIns="91425" bIns="45700" anchor="t" anchorCtr="0">
+            <a:noAutofit/>
+          </a:bodyPr>
+          <a:lstStyle/>
+          <a:p>
+            <a:pPr marL="0" marR="0" lvl="0" indent="0" algn="r" rtl="0">
+              <a:spcBef>
+                <a:spcPts val="0"/>
+              </a:spcBef>
+              <a:spcAft>
+                <a:spcPts val="0"/>
+              </a:spcAft>
+              <a:buNone/>
+            </a:pPr>
+            <a:r>
+              <a:rPr lang="it-IT" sz="1200" b="0" i="0" u="none" strike="noStrike" cap="none">
+                <a:solidFill>
+                  <a:schemeClr val="dk1"/>
+                </a:solidFill>
+                <a:latin typeface="Calibri"/>
+                <a:ea typeface="Calibri"/>
+                <a:cs typeface="Calibri"/>
+                <a:sym typeface="Calibri"/>
+              </a:rPr>
+              <a:t>07/03/17</a:t>
+            </a:r>
+            <a:endParaRPr/>
+          </a:p>
+        </p:txBody>
+      </p:sp>
+      <p:sp>
+        <p:nvSpPr>
+          <p:cNvPr id="103" name="Shape 103"/>
+          <p:cNvSpPr txBox="1">
+            <a:spLocks noGrp="1"/>
+          </p:cNvSpPr>
+          <p:nvPr>
+            <p:ph type="ftr" idx="11"/>
+          </p:nvPr>
+        </p:nvSpPr>
+        <p:spPr>
+          <a:xfrm>
+            <a:off x="0" y="8685213"/>
+            <a:ext cx="2971800" cy="458787"/>
+          </a:xfrm>
+          <a:prstGeom prst="rect">
+            <a:avLst/>
+          </a:prstGeom>
+          <a:noFill/>
+          <a:ln>
+            <a:noFill/>
+          </a:ln>
+        </p:spPr>
+        <p:txBody>
+          <a:bodyPr spcFirstLastPara="1" wrap="square" lIns="91425" tIns="45700" rIns="91425" bIns="45700" anchor="b" anchorCtr="0">
+            <a:noAutofit/>
+          </a:bodyPr>
+          <a:lstStyle/>
+          <a:p>
+            <a:pPr marL="0" marR="0" lvl="0" indent="0" algn="l" rtl="0">
+              <a:spcBef>
+                <a:spcPts val="0"/>
+              </a:spcBef>
+              <a:spcAft>
+                <a:spcPts val="0"/>
+              </a:spcAft>
+              <a:buNone/>
+            </a:pPr>
+            <a:r>
+              <a:rPr lang="it-IT" sz="1200" b="0" i="0" u="none" strike="noStrike" cap="none">
+                <a:solidFill>
+                  <a:schemeClr val="dk1"/>
+                </a:solidFill>
+                <a:latin typeface="Calibri"/>
+                <a:ea typeface="Calibri"/>
+                <a:cs typeface="Calibri"/>
+                <a:sym typeface="Calibri"/>
+              </a:rPr>
+              <a:t>Gabriele Martin</a:t>
+            </a:r>
+            <a:endParaRPr/>
+          </a:p>
+        </p:txBody>
+      </p:sp>
+    </p:spTree>
+    <p:extLst>
+      <p:ext uri="{BB962C8B-B14F-4D97-AF65-F5344CB8AC3E}">
+        <p14:creationId xmlns:p14="http://schemas.microsoft.com/office/powerpoint/2010/main" val="2504150495"/>
       </p:ext>
     </p:extLst>
   </p:cSld>
@@ -17216,6 +20032,1656 @@
 </p:sld>
 </file>
 
+<file path=ppt/slides/slide10.xml><?xml version="1.0" encoding="utf-8"?>
+<p:sld xmlns:a="http://schemas.openxmlformats.org/drawingml/2006/main" xmlns:r="http://schemas.openxmlformats.org/officeDocument/2006/relationships" xmlns:p="http://schemas.openxmlformats.org/presentationml/2006/main">
+  <p:cSld>
+    <p:spTree>
+      <p:nvGrpSpPr>
+        <p:cNvPr id="1" name="Shape 104"/>
+        <p:cNvGrpSpPr/>
+        <p:nvPr/>
+      </p:nvGrpSpPr>
+      <p:grpSpPr>
+        <a:xfrm>
+          <a:off x="0" y="0"/>
+          <a:ext cx="0" cy="0"/>
+          <a:chOff x="0" y="0"/>
+          <a:chExt cx="0" cy="0"/>
+        </a:xfrm>
+      </p:grpSpPr>
+      <p:sp>
+        <p:nvSpPr>
+          <p:cNvPr id="105" name="Shape 105"/>
+          <p:cNvSpPr txBox="1">
+            <a:spLocks noGrp="1"/>
+          </p:cNvSpPr>
+          <p:nvPr>
+            <p:ph type="title"/>
+          </p:nvPr>
+        </p:nvSpPr>
+        <p:spPr>
+          <a:xfrm>
+            <a:off x="0" y="1937"/>
+            <a:ext cx="9144000" cy="1164711"/>
+          </a:xfrm>
+          <a:prstGeom prst="rect">
+            <a:avLst/>
+          </a:prstGeom>
+          <a:solidFill>
+            <a:srgbClr val="9B0014">
+              <a:alpha val="77254"/>
+            </a:srgbClr>
+          </a:solidFill>
+          <a:ln>
+            <a:noFill/>
+          </a:ln>
+        </p:spPr>
+        <p:txBody>
+          <a:bodyPr spcFirstLastPara="1" wrap="square" lIns="91425" tIns="45700" rIns="91425" bIns="45700" anchor="ctr" anchorCtr="0">
+            <a:noAutofit/>
+          </a:bodyPr>
+          <a:lstStyle/>
+          <a:p>
+            <a:pPr marL="0" marR="0" lvl="0" indent="0" algn="ctr" rtl="0">
+              <a:lnSpc>
+                <a:spcPct val="90000"/>
+              </a:lnSpc>
+              <a:spcBef>
+                <a:spcPts val="0"/>
+              </a:spcBef>
+              <a:spcAft>
+                <a:spcPts val="0"/>
+              </a:spcAft>
+              <a:buClr>
+                <a:schemeClr val="lt1"/>
+              </a:buClr>
+              <a:buSzPts val="4400"/>
+              <a:buFont typeface="Calibri"/>
+              <a:buNone/>
+            </a:pPr>
+            <a:r>
+              <a:rPr lang="it-IT" b="1" dirty="0">
+                <a:solidFill>
+                  <a:schemeClr val="lt1"/>
+                </a:solidFill>
+              </a:rPr>
+              <a:t>FSM</a:t>
+            </a:r>
+            <a:endParaRPr sz="4400" b="1" i="0" u="none" strike="noStrike" cap="none" dirty="0">
+              <a:solidFill>
+                <a:schemeClr val="lt1"/>
+              </a:solidFill>
+              <a:latin typeface="Calibri"/>
+              <a:ea typeface="Calibri"/>
+              <a:cs typeface="Calibri"/>
+              <a:sym typeface="Calibri"/>
+            </a:endParaRPr>
+          </a:p>
+        </p:txBody>
+      </p:sp>
+      <p:pic>
+        <p:nvPicPr>
+          <p:cNvPr id="106" name="Shape 106"/>
+          <p:cNvPicPr preferRelativeResize="0">
+            <a:picLocks noGrp="1"/>
+          </p:cNvPicPr>
+          <p:nvPr>
+            <p:ph type="body" idx="1"/>
+          </p:nvPr>
+        </p:nvPicPr>
+        <p:blipFill rotWithShape="1">
+          <a:blip r:embed="rId3">
+            <a:alphaModFix/>
+          </a:blip>
+          <a:srcRect/>
+          <a:stretch/>
+        </p:blipFill>
+        <p:spPr>
+          <a:xfrm>
+            <a:off x="169314" y="131158"/>
+            <a:ext cx="958788" cy="909366"/>
+          </a:xfrm>
+          <a:prstGeom prst="rect">
+            <a:avLst/>
+          </a:prstGeom>
+          <a:noFill/>
+          <a:ln>
+            <a:noFill/>
+          </a:ln>
+        </p:spPr>
+      </p:pic>
+      <p:sp>
+        <p:nvSpPr>
+          <p:cNvPr id="107" name="Shape 107"/>
+          <p:cNvSpPr txBox="1">
+            <a:spLocks noGrp="1"/>
+          </p:cNvSpPr>
+          <p:nvPr>
+            <p:ph type="dt" idx="10"/>
+          </p:nvPr>
+        </p:nvSpPr>
+        <p:spPr>
+          <a:xfrm>
+            <a:off x="628650" y="6356351"/>
+            <a:ext cx="2057400" cy="365125"/>
+          </a:xfrm>
+          <a:prstGeom prst="rect">
+            <a:avLst/>
+          </a:prstGeom>
+          <a:noFill/>
+          <a:ln>
+            <a:noFill/>
+          </a:ln>
+        </p:spPr>
+        <p:txBody>
+          <a:bodyPr spcFirstLastPara="1" wrap="square" lIns="91425" tIns="45700" rIns="91425" bIns="45700" anchor="ctr" anchorCtr="0">
+            <a:noAutofit/>
+          </a:bodyPr>
+          <a:lstStyle/>
+          <a:p>
+            <a:pPr marL="0" marR="0" lvl="0" indent="0" algn="l" rtl="0">
+              <a:spcBef>
+                <a:spcPts val="0"/>
+              </a:spcBef>
+              <a:spcAft>
+                <a:spcPts val="0"/>
+              </a:spcAft>
+              <a:buNone/>
+            </a:pPr>
+            <a:r>
+              <a:rPr lang="it-IT" dirty="0"/>
+              <a:t>22</a:t>
+            </a:r>
+            <a:r>
+              <a:rPr lang="it-IT" sz="1200" b="0" i="0" u="none" strike="noStrike" cap="none" dirty="0">
+                <a:solidFill>
+                  <a:srgbClr val="888888"/>
+                </a:solidFill>
+                <a:latin typeface="Calibri"/>
+                <a:ea typeface="Calibri"/>
+                <a:cs typeface="Calibri"/>
+                <a:sym typeface="Calibri"/>
+              </a:rPr>
+              <a:t>-02-2019</a:t>
+            </a:r>
+          </a:p>
+        </p:txBody>
+      </p:sp>
+      <p:sp>
+        <p:nvSpPr>
+          <p:cNvPr id="108" name="Shape 108"/>
+          <p:cNvSpPr txBox="1">
+            <a:spLocks noGrp="1"/>
+          </p:cNvSpPr>
+          <p:nvPr>
+            <p:ph type="ftr" idx="11"/>
+          </p:nvPr>
+        </p:nvSpPr>
+        <p:spPr>
+          <a:xfrm>
+            <a:off x="2965588" y="6356351"/>
+            <a:ext cx="3212824" cy="365125"/>
+          </a:xfrm>
+          <a:prstGeom prst="rect">
+            <a:avLst/>
+          </a:prstGeom>
+          <a:noFill/>
+          <a:ln>
+            <a:noFill/>
+          </a:ln>
+        </p:spPr>
+        <p:txBody>
+          <a:bodyPr spcFirstLastPara="1" wrap="square" lIns="91425" tIns="45700" rIns="91425" bIns="45700" anchor="ctr" anchorCtr="0">
+            <a:noAutofit/>
+          </a:bodyPr>
+          <a:lstStyle/>
+          <a:p>
+            <a:pPr marL="0" marR="0" lvl="0" indent="0" algn="ctr" rtl="0">
+              <a:spcBef>
+                <a:spcPts val="0"/>
+              </a:spcBef>
+              <a:spcAft>
+                <a:spcPts val="0"/>
+              </a:spcAft>
+              <a:buNone/>
+            </a:pPr>
+            <a:r>
+              <a:rPr lang="it-IT" sz="1200" b="0" i="0" u="none" strike="noStrike" cap="none" dirty="0">
+                <a:solidFill>
+                  <a:srgbClr val="888888"/>
+                </a:solidFill>
+                <a:latin typeface="Calibri"/>
+                <a:ea typeface="Calibri"/>
+                <a:cs typeface="Calibri"/>
+                <a:sym typeface="Calibri"/>
+              </a:rPr>
+              <a:t>Challenge 4.0 – Gruppo 1</a:t>
+            </a:r>
+            <a:endParaRPr sz="1200" b="0" i="0" u="sng" strike="noStrike" cap="none" dirty="0">
+              <a:solidFill>
+                <a:srgbClr val="888888"/>
+              </a:solidFill>
+              <a:latin typeface="Calibri"/>
+              <a:ea typeface="Calibri"/>
+              <a:cs typeface="Calibri"/>
+              <a:sym typeface="Calibri"/>
+            </a:endParaRPr>
+          </a:p>
+        </p:txBody>
+      </p:sp>
+      <p:sp>
+        <p:nvSpPr>
+          <p:cNvPr id="109" name="Shape 109"/>
+          <p:cNvSpPr txBox="1">
+            <a:spLocks noGrp="1"/>
+          </p:cNvSpPr>
+          <p:nvPr>
+            <p:ph type="sldNum" idx="12"/>
+          </p:nvPr>
+        </p:nvSpPr>
+        <p:spPr>
+          <a:xfrm>
+            <a:off x="6457950" y="6356351"/>
+            <a:ext cx="2057400" cy="365125"/>
+          </a:xfrm>
+          <a:prstGeom prst="rect">
+            <a:avLst/>
+          </a:prstGeom>
+          <a:noFill/>
+          <a:ln>
+            <a:noFill/>
+          </a:ln>
+        </p:spPr>
+        <p:txBody>
+          <a:bodyPr spcFirstLastPara="1" wrap="square" lIns="91425" tIns="45700" rIns="91425" bIns="45700" anchor="ctr" anchorCtr="0">
+            <a:noAutofit/>
+          </a:bodyPr>
+          <a:lstStyle/>
+          <a:p>
+            <a:pPr marL="0" marR="0" lvl="0" indent="0" algn="r" rtl="0">
+              <a:spcBef>
+                <a:spcPts val="0"/>
+              </a:spcBef>
+              <a:spcAft>
+                <a:spcPts val="0"/>
+              </a:spcAft>
+              <a:buNone/>
+            </a:pPr>
+            <a:fld id="{00000000-1234-1234-1234-123412341234}" type="slidenum">
+              <a:rPr lang="it-IT" sz="1200" b="0" i="0" u="none" strike="noStrike" cap="none">
+                <a:solidFill>
+                  <a:srgbClr val="888888"/>
+                </a:solidFill>
+                <a:latin typeface="Calibri"/>
+                <a:ea typeface="Calibri"/>
+                <a:cs typeface="Calibri"/>
+                <a:sym typeface="Calibri"/>
+              </a:rPr>
+              <a:t>10</a:t>
+            </a:fld>
+            <a:endParaRPr sz="1200" b="0" i="0" u="none" strike="noStrike" cap="none" dirty="0">
+              <a:solidFill>
+                <a:srgbClr val="888888"/>
+              </a:solidFill>
+              <a:latin typeface="Calibri"/>
+              <a:ea typeface="Calibri"/>
+              <a:cs typeface="Calibri"/>
+              <a:sym typeface="Calibri"/>
+            </a:endParaRPr>
+          </a:p>
+        </p:txBody>
+      </p:sp>
+      <p:sp>
+        <p:nvSpPr>
+          <p:cNvPr id="110" name="Shape 110"/>
+          <p:cNvSpPr txBox="1"/>
+          <p:nvPr/>
+        </p:nvSpPr>
+        <p:spPr>
+          <a:xfrm>
+            <a:off x="7203234" y="323174"/>
+            <a:ext cx="1689910" cy="523220"/>
+          </a:xfrm>
+          <a:prstGeom prst="rect">
+            <a:avLst/>
+          </a:prstGeom>
+          <a:noFill/>
+          <a:ln>
+            <a:noFill/>
+          </a:ln>
+        </p:spPr>
+        <p:txBody>
+          <a:bodyPr spcFirstLastPara="1" wrap="square" lIns="91425" tIns="45700" rIns="91425" bIns="45700" anchor="t" anchorCtr="0">
+            <a:noAutofit/>
+          </a:bodyPr>
+          <a:lstStyle/>
+          <a:p>
+            <a:pPr marL="0" marR="0" lvl="0" indent="0" algn="ctr" rtl="0">
+              <a:spcBef>
+                <a:spcPts val="0"/>
+              </a:spcBef>
+              <a:spcAft>
+                <a:spcPts val="0"/>
+              </a:spcAft>
+              <a:buNone/>
+            </a:pPr>
+            <a:r>
+              <a:rPr lang="it-IT" sz="1400" b="1" i="0" u="none" strike="noStrike" cap="none" dirty="0">
+                <a:solidFill>
+                  <a:schemeClr val="lt1"/>
+                </a:solidFill>
+                <a:latin typeface="Calibri"/>
+                <a:ea typeface="Calibri"/>
+                <a:cs typeface="Calibri"/>
+                <a:sym typeface="Calibri"/>
+              </a:rPr>
+              <a:t>Robotica autonoma</a:t>
+            </a:r>
+            <a:endParaRPr sz="1400" b="1" i="0" u="none" strike="noStrike" cap="none" dirty="0">
+              <a:solidFill>
+                <a:schemeClr val="lt1"/>
+              </a:solidFill>
+              <a:latin typeface="Calibri"/>
+              <a:ea typeface="Calibri"/>
+              <a:cs typeface="Calibri"/>
+              <a:sym typeface="Calibri"/>
+            </a:endParaRPr>
+          </a:p>
+          <a:p>
+            <a:pPr marL="0" marR="0" lvl="0" indent="0" algn="ctr" rtl="0">
+              <a:spcBef>
+                <a:spcPts val="0"/>
+              </a:spcBef>
+              <a:spcAft>
+                <a:spcPts val="0"/>
+              </a:spcAft>
+              <a:buNone/>
+            </a:pPr>
+            <a:r>
+              <a:rPr lang="it-IT" sz="1400" b="1" i="0" u="none" strike="noStrike" cap="none" dirty="0">
+                <a:solidFill>
+                  <a:schemeClr val="lt1"/>
+                </a:solidFill>
+                <a:latin typeface="Calibri"/>
+                <a:ea typeface="Calibri"/>
+                <a:cs typeface="Calibri"/>
+                <a:sym typeface="Calibri"/>
+              </a:rPr>
+              <a:t>A.A. 2018-2019</a:t>
+            </a:r>
+            <a:endParaRPr dirty="0"/>
+          </a:p>
+        </p:txBody>
+      </p:sp>
+      <p:sp>
+        <p:nvSpPr>
+          <p:cNvPr id="111" name="Shape 111"/>
+          <p:cNvSpPr txBox="1"/>
+          <p:nvPr/>
+        </p:nvSpPr>
+        <p:spPr>
+          <a:xfrm>
+            <a:off x="1110344" y="2392136"/>
+            <a:ext cx="6629315" cy="3000821"/>
+          </a:xfrm>
+          <a:prstGeom prst="rect">
+            <a:avLst/>
+          </a:prstGeom>
+          <a:noFill/>
+          <a:ln>
+            <a:noFill/>
+          </a:ln>
+        </p:spPr>
+        <p:txBody>
+          <a:bodyPr spcFirstLastPara="1" wrap="square" lIns="91425" tIns="45700" rIns="91425" bIns="45700" anchor="t" anchorCtr="0">
+            <a:noAutofit/>
+          </a:bodyPr>
+          <a:lstStyle/>
+          <a:p>
+            <a:pPr marL="244475" marR="0" lvl="0" indent="-244475" algn="l" rtl="0">
+              <a:spcBef>
+                <a:spcPts val="0"/>
+              </a:spcBef>
+              <a:spcAft>
+                <a:spcPts val="0"/>
+              </a:spcAft>
+              <a:buClr>
+                <a:srgbClr val="9B0014"/>
+              </a:buClr>
+              <a:buSzPts val="2600"/>
+              <a:buFont typeface="Noto Sans Symbols"/>
+              <a:buChar char="▪"/>
+            </a:pPr>
+            <a:r>
+              <a:rPr lang="it-IT" sz="2600" dirty="0">
+                <a:solidFill>
+                  <a:schemeClr val="dk1"/>
+                </a:solidFill>
+                <a:latin typeface="Calibri"/>
+                <a:ea typeface="Calibri"/>
+                <a:cs typeface="Calibri"/>
+                <a:sym typeface="Calibri"/>
+              </a:rPr>
+              <a:t>Matrice di occupazione per la scatola:</a:t>
+            </a:r>
+            <a:br>
+              <a:rPr lang="it-IT" sz="2600" dirty="0">
+                <a:solidFill>
+                  <a:schemeClr val="dk1"/>
+                </a:solidFill>
+                <a:latin typeface="Calibri"/>
+                <a:ea typeface="Calibri"/>
+                <a:cs typeface="Calibri"/>
+                <a:sym typeface="Calibri"/>
+              </a:rPr>
+            </a:br>
+            <a:r>
+              <a:rPr lang="it-IT" sz="2600" dirty="0">
+                <a:solidFill>
+                  <a:schemeClr val="dk1"/>
+                </a:solidFill>
+                <a:latin typeface="Calibri"/>
+                <a:ea typeface="Calibri"/>
+                <a:cs typeface="Calibri"/>
+                <a:sym typeface="Calibri"/>
+              </a:rPr>
+              <a:t>trasformazione pose </a:t>
+            </a:r>
+            <a:r>
+              <a:rPr lang="it-IT" sz="2600" dirty="0" err="1">
+                <a:solidFill>
+                  <a:schemeClr val="dk1"/>
+                </a:solidFill>
+                <a:latin typeface="Calibri"/>
+                <a:ea typeface="Calibri"/>
+                <a:cs typeface="Calibri"/>
+                <a:sym typeface="Calibri"/>
+              </a:rPr>
+              <a:t>marrtino</a:t>
+            </a:r>
+            <a:r>
+              <a:rPr lang="it-IT" sz="2600" dirty="0">
+                <a:solidFill>
+                  <a:schemeClr val="dk1"/>
+                </a:solidFill>
+                <a:latin typeface="Calibri"/>
+                <a:ea typeface="Calibri"/>
+                <a:cs typeface="Calibri"/>
+                <a:sym typeface="Calibri"/>
+              </a:rPr>
+              <a:t> </a:t>
+            </a:r>
+            <a:r>
+              <a:rPr lang="it-IT" sz="2600" dirty="0">
+                <a:solidFill>
+                  <a:schemeClr val="dk1"/>
+                </a:solidFill>
+                <a:latin typeface="Calibri"/>
+                <a:ea typeface="Calibri"/>
+                <a:cs typeface="Calibri"/>
+                <a:sym typeface="Wingdings" panose="05000000000000000000" pitchFamily="2" charset="2"/>
+              </a:rPr>
+              <a:t> pose oggetti</a:t>
+            </a:r>
+          </a:p>
+          <a:p>
+            <a:pPr marL="244475" marR="0" lvl="0" indent="-244475" algn="l" rtl="0">
+              <a:spcBef>
+                <a:spcPts val="0"/>
+              </a:spcBef>
+              <a:spcAft>
+                <a:spcPts val="0"/>
+              </a:spcAft>
+              <a:buClr>
+                <a:srgbClr val="9B0014"/>
+              </a:buClr>
+              <a:buSzPts val="2600"/>
+              <a:buFont typeface="Noto Sans Symbols"/>
+              <a:buChar char="▪"/>
+            </a:pPr>
+            <a:r>
+              <a:rPr lang="it-IT" sz="2600" dirty="0" err="1">
+                <a:solidFill>
+                  <a:schemeClr val="dk1"/>
+                </a:solidFill>
+                <a:latin typeface="Calibri"/>
+                <a:ea typeface="Calibri"/>
+                <a:cs typeface="Calibri"/>
+                <a:sym typeface="Wingdings" panose="05000000000000000000" pitchFamily="2" charset="2"/>
+              </a:rPr>
+              <a:t>Topic</a:t>
+            </a:r>
+            <a:r>
+              <a:rPr lang="it-IT" sz="2600" dirty="0">
+                <a:solidFill>
+                  <a:schemeClr val="dk1"/>
+                </a:solidFill>
+                <a:latin typeface="Calibri"/>
+                <a:ea typeface="Calibri"/>
+                <a:cs typeface="Calibri"/>
+                <a:sym typeface="Wingdings" panose="05000000000000000000" pitchFamily="2" charset="2"/>
+              </a:rPr>
+              <a:t> per pubblicazione /aggiornamento stato tra manipolatore e </a:t>
+            </a:r>
+            <a:r>
+              <a:rPr lang="it-IT" sz="2600" dirty="0" err="1">
+                <a:solidFill>
+                  <a:schemeClr val="dk1"/>
+                </a:solidFill>
+                <a:latin typeface="Calibri"/>
+                <a:ea typeface="Calibri"/>
+                <a:cs typeface="Calibri"/>
+                <a:sym typeface="Wingdings" panose="05000000000000000000" pitchFamily="2" charset="2"/>
+              </a:rPr>
+              <a:t>marrtino</a:t>
+            </a:r>
+            <a:endParaRPr lang="it-IT" sz="2600" dirty="0">
+              <a:solidFill>
+                <a:schemeClr val="dk1"/>
+              </a:solidFill>
+              <a:latin typeface="Calibri"/>
+              <a:ea typeface="Calibri"/>
+              <a:cs typeface="Calibri"/>
+              <a:sym typeface="Wingdings" panose="05000000000000000000" pitchFamily="2" charset="2"/>
+            </a:endParaRPr>
+          </a:p>
+          <a:p>
+            <a:pPr marL="244475" marR="0" lvl="0" indent="-244475" algn="l" rtl="0">
+              <a:spcBef>
+                <a:spcPts val="0"/>
+              </a:spcBef>
+              <a:spcAft>
+                <a:spcPts val="0"/>
+              </a:spcAft>
+              <a:buClr>
+                <a:srgbClr val="9B0014"/>
+              </a:buClr>
+              <a:buSzPts val="2600"/>
+              <a:buFont typeface="Noto Sans Symbols"/>
+              <a:buChar char="▪"/>
+            </a:pPr>
+            <a:r>
+              <a:rPr lang="it-IT" sz="2600" dirty="0" err="1">
+                <a:solidFill>
+                  <a:schemeClr val="dk1"/>
+                </a:solidFill>
+                <a:latin typeface="Calibri"/>
+                <a:ea typeface="Calibri"/>
+                <a:cs typeface="Calibri"/>
+                <a:sym typeface="Wingdings" panose="05000000000000000000" pitchFamily="2" charset="2"/>
+              </a:rPr>
+              <a:t>Topic</a:t>
+            </a:r>
+            <a:r>
+              <a:rPr lang="it-IT" sz="2600" dirty="0">
+                <a:solidFill>
+                  <a:schemeClr val="dk1"/>
+                </a:solidFill>
+                <a:latin typeface="Calibri"/>
+                <a:ea typeface="Calibri"/>
+                <a:cs typeface="Calibri"/>
+                <a:sym typeface="Wingdings" panose="05000000000000000000" pitchFamily="2" charset="2"/>
+              </a:rPr>
+              <a:t> per ripartire per secondo giro</a:t>
+            </a:r>
+            <a:endParaRPr lang="it-IT" sz="2600" dirty="0">
+              <a:solidFill>
+                <a:schemeClr val="dk1"/>
+              </a:solidFill>
+              <a:latin typeface="Calibri"/>
+              <a:ea typeface="Calibri"/>
+              <a:cs typeface="Calibri"/>
+              <a:sym typeface="Calibri"/>
+            </a:endParaRPr>
+          </a:p>
+        </p:txBody>
+      </p:sp>
+    </p:spTree>
+    <p:extLst>
+      <p:ext uri="{BB962C8B-B14F-4D97-AF65-F5344CB8AC3E}">
+        <p14:creationId xmlns:p14="http://schemas.microsoft.com/office/powerpoint/2010/main" val="1534528994"/>
+      </p:ext>
+    </p:extLst>
+  </p:cSld>
+  <p:clrMapOvr>
+    <a:masterClrMapping/>
+  </p:clrMapOvr>
+</p:sld>
+</file>
+
+<file path=ppt/slides/slide11.xml><?xml version="1.0" encoding="utf-8"?>
+<p:sld xmlns:a="http://schemas.openxmlformats.org/drawingml/2006/main" xmlns:r="http://schemas.openxmlformats.org/officeDocument/2006/relationships" xmlns:p="http://schemas.openxmlformats.org/presentationml/2006/main">
+  <p:cSld>
+    <p:spTree>
+      <p:nvGrpSpPr>
+        <p:cNvPr id="1" name="Shape 104"/>
+        <p:cNvGrpSpPr/>
+        <p:nvPr/>
+      </p:nvGrpSpPr>
+      <p:grpSpPr>
+        <a:xfrm>
+          <a:off x="0" y="0"/>
+          <a:ext cx="0" cy="0"/>
+          <a:chOff x="0" y="0"/>
+          <a:chExt cx="0" cy="0"/>
+        </a:xfrm>
+      </p:grpSpPr>
+      <p:sp>
+        <p:nvSpPr>
+          <p:cNvPr id="105" name="Shape 105"/>
+          <p:cNvSpPr txBox="1">
+            <a:spLocks noGrp="1"/>
+          </p:cNvSpPr>
+          <p:nvPr>
+            <p:ph type="title"/>
+          </p:nvPr>
+        </p:nvSpPr>
+        <p:spPr>
+          <a:xfrm>
+            <a:off x="0" y="1937"/>
+            <a:ext cx="9144000" cy="1164711"/>
+          </a:xfrm>
+          <a:prstGeom prst="rect">
+            <a:avLst/>
+          </a:prstGeom>
+          <a:solidFill>
+            <a:srgbClr val="9B0014">
+              <a:alpha val="77254"/>
+            </a:srgbClr>
+          </a:solidFill>
+          <a:ln>
+            <a:noFill/>
+          </a:ln>
+        </p:spPr>
+        <p:txBody>
+          <a:bodyPr spcFirstLastPara="1" wrap="square" lIns="91425" tIns="45700" rIns="91425" bIns="45700" anchor="ctr" anchorCtr="0">
+            <a:noAutofit/>
+          </a:bodyPr>
+          <a:lstStyle/>
+          <a:p>
+            <a:pPr marL="0" marR="0" lvl="0" indent="0" algn="ctr" rtl="0">
+              <a:lnSpc>
+                <a:spcPct val="90000"/>
+              </a:lnSpc>
+              <a:spcBef>
+                <a:spcPts val="0"/>
+              </a:spcBef>
+              <a:spcAft>
+                <a:spcPts val="0"/>
+              </a:spcAft>
+              <a:buClr>
+                <a:schemeClr val="lt1"/>
+              </a:buClr>
+              <a:buSzPts val="4400"/>
+              <a:buFont typeface="Calibri"/>
+              <a:buNone/>
+            </a:pPr>
+            <a:endParaRPr sz="4400" b="1" i="0" u="none" strike="noStrike" cap="none" dirty="0">
+              <a:solidFill>
+                <a:schemeClr val="lt1"/>
+              </a:solidFill>
+              <a:latin typeface="Calibri"/>
+              <a:ea typeface="Calibri"/>
+              <a:cs typeface="Calibri"/>
+              <a:sym typeface="Calibri"/>
+            </a:endParaRPr>
+          </a:p>
+        </p:txBody>
+      </p:sp>
+      <p:pic>
+        <p:nvPicPr>
+          <p:cNvPr id="106" name="Shape 106"/>
+          <p:cNvPicPr preferRelativeResize="0">
+            <a:picLocks noGrp="1"/>
+          </p:cNvPicPr>
+          <p:nvPr>
+            <p:ph type="body" idx="1"/>
+          </p:nvPr>
+        </p:nvPicPr>
+        <p:blipFill rotWithShape="1">
+          <a:blip r:embed="rId3">
+            <a:alphaModFix/>
+          </a:blip>
+          <a:srcRect/>
+          <a:stretch/>
+        </p:blipFill>
+        <p:spPr>
+          <a:xfrm>
+            <a:off x="169314" y="131158"/>
+            <a:ext cx="958788" cy="909366"/>
+          </a:xfrm>
+          <a:prstGeom prst="rect">
+            <a:avLst/>
+          </a:prstGeom>
+          <a:noFill/>
+          <a:ln>
+            <a:noFill/>
+          </a:ln>
+        </p:spPr>
+      </p:pic>
+      <p:sp>
+        <p:nvSpPr>
+          <p:cNvPr id="107" name="Shape 107"/>
+          <p:cNvSpPr txBox="1">
+            <a:spLocks noGrp="1"/>
+          </p:cNvSpPr>
+          <p:nvPr>
+            <p:ph type="dt" idx="10"/>
+          </p:nvPr>
+        </p:nvSpPr>
+        <p:spPr>
+          <a:xfrm>
+            <a:off x="628650" y="6356351"/>
+            <a:ext cx="2057400" cy="365125"/>
+          </a:xfrm>
+          <a:prstGeom prst="rect">
+            <a:avLst/>
+          </a:prstGeom>
+          <a:noFill/>
+          <a:ln>
+            <a:noFill/>
+          </a:ln>
+        </p:spPr>
+        <p:txBody>
+          <a:bodyPr spcFirstLastPara="1" wrap="square" lIns="91425" tIns="45700" rIns="91425" bIns="45700" anchor="ctr" anchorCtr="0">
+            <a:noAutofit/>
+          </a:bodyPr>
+          <a:lstStyle/>
+          <a:p>
+            <a:pPr marL="0" marR="0" lvl="0" indent="0" algn="l" rtl="0">
+              <a:spcBef>
+                <a:spcPts val="0"/>
+              </a:spcBef>
+              <a:spcAft>
+                <a:spcPts val="0"/>
+              </a:spcAft>
+              <a:buNone/>
+            </a:pPr>
+            <a:r>
+              <a:rPr lang="it-IT" dirty="0"/>
+              <a:t>22</a:t>
+            </a:r>
+            <a:r>
+              <a:rPr lang="it-IT" sz="1200" b="0" i="0" u="none" strike="noStrike" cap="none" dirty="0">
+                <a:solidFill>
+                  <a:srgbClr val="888888"/>
+                </a:solidFill>
+                <a:latin typeface="Calibri"/>
+                <a:ea typeface="Calibri"/>
+                <a:cs typeface="Calibri"/>
+                <a:sym typeface="Calibri"/>
+              </a:rPr>
+              <a:t>-02-2019</a:t>
+            </a:r>
+          </a:p>
+        </p:txBody>
+      </p:sp>
+      <p:sp>
+        <p:nvSpPr>
+          <p:cNvPr id="108" name="Shape 108"/>
+          <p:cNvSpPr txBox="1">
+            <a:spLocks noGrp="1"/>
+          </p:cNvSpPr>
+          <p:nvPr>
+            <p:ph type="ftr" idx="11"/>
+          </p:nvPr>
+        </p:nvSpPr>
+        <p:spPr>
+          <a:xfrm>
+            <a:off x="2965588" y="6356351"/>
+            <a:ext cx="3212824" cy="365125"/>
+          </a:xfrm>
+          <a:prstGeom prst="rect">
+            <a:avLst/>
+          </a:prstGeom>
+          <a:noFill/>
+          <a:ln>
+            <a:noFill/>
+          </a:ln>
+        </p:spPr>
+        <p:txBody>
+          <a:bodyPr spcFirstLastPara="1" wrap="square" lIns="91425" tIns="45700" rIns="91425" bIns="45700" anchor="ctr" anchorCtr="0">
+            <a:noAutofit/>
+          </a:bodyPr>
+          <a:lstStyle/>
+          <a:p>
+            <a:pPr marL="0" marR="0" lvl="0" indent="0" algn="ctr" rtl="0">
+              <a:spcBef>
+                <a:spcPts val="0"/>
+              </a:spcBef>
+              <a:spcAft>
+                <a:spcPts val="0"/>
+              </a:spcAft>
+              <a:buNone/>
+            </a:pPr>
+            <a:r>
+              <a:rPr lang="it-IT" sz="1200" b="0" i="0" u="none" strike="noStrike" cap="none" dirty="0">
+                <a:solidFill>
+                  <a:srgbClr val="888888"/>
+                </a:solidFill>
+                <a:latin typeface="Calibri"/>
+                <a:ea typeface="Calibri"/>
+                <a:cs typeface="Calibri"/>
+                <a:sym typeface="Calibri"/>
+              </a:rPr>
+              <a:t>Challenge 4.0 – Gruppo 1</a:t>
+            </a:r>
+            <a:endParaRPr sz="1200" b="0" i="0" u="sng" strike="noStrike" cap="none" dirty="0">
+              <a:solidFill>
+                <a:srgbClr val="888888"/>
+              </a:solidFill>
+              <a:latin typeface="Calibri"/>
+              <a:ea typeface="Calibri"/>
+              <a:cs typeface="Calibri"/>
+              <a:sym typeface="Calibri"/>
+            </a:endParaRPr>
+          </a:p>
+        </p:txBody>
+      </p:sp>
+      <p:sp>
+        <p:nvSpPr>
+          <p:cNvPr id="109" name="Shape 109"/>
+          <p:cNvSpPr txBox="1">
+            <a:spLocks noGrp="1"/>
+          </p:cNvSpPr>
+          <p:nvPr>
+            <p:ph type="sldNum" idx="12"/>
+          </p:nvPr>
+        </p:nvSpPr>
+        <p:spPr>
+          <a:xfrm>
+            <a:off x="6457950" y="6356351"/>
+            <a:ext cx="2057400" cy="365125"/>
+          </a:xfrm>
+          <a:prstGeom prst="rect">
+            <a:avLst/>
+          </a:prstGeom>
+          <a:noFill/>
+          <a:ln>
+            <a:noFill/>
+          </a:ln>
+        </p:spPr>
+        <p:txBody>
+          <a:bodyPr spcFirstLastPara="1" wrap="square" lIns="91425" tIns="45700" rIns="91425" bIns="45700" anchor="ctr" anchorCtr="0">
+            <a:noAutofit/>
+          </a:bodyPr>
+          <a:lstStyle/>
+          <a:p>
+            <a:pPr marL="0" marR="0" lvl="0" indent="0" algn="r" rtl="0">
+              <a:spcBef>
+                <a:spcPts val="0"/>
+              </a:spcBef>
+              <a:spcAft>
+                <a:spcPts val="0"/>
+              </a:spcAft>
+              <a:buNone/>
+            </a:pPr>
+            <a:fld id="{00000000-1234-1234-1234-123412341234}" type="slidenum">
+              <a:rPr lang="it-IT" sz="1200" b="0" i="0" u="none" strike="noStrike" cap="none">
+                <a:solidFill>
+                  <a:srgbClr val="888888"/>
+                </a:solidFill>
+                <a:latin typeface="Calibri"/>
+                <a:ea typeface="Calibri"/>
+                <a:cs typeface="Calibri"/>
+                <a:sym typeface="Calibri"/>
+              </a:rPr>
+              <a:t>11</a:t>
+            </a:fld>
+            <a:endParaRPr sz="1200" b="0" i="0" u="none" strike="noStrike" cap="none" dirty="0">
+              <a:solidFill>
+                <a:srgbClr val="888888"/>
+              </a:solidFill>
+              <a:latin typeface="Calibri"/>
+              <a:ea typeface="Calibri"/>
+              <a:cs typeface="Calibri"/>
+              <a:sym typeface="Calibri"/>
+            </a:endParaRPr>
+          </a:p>
+        </p:txBody>
+      </p:sp>
+      <p:sp>
+        <p:nvSpPr>
+          <p:cNvPr id="110" name="Shape 110"/>
+          <p:cNvSpPr txBox="1"/>
+          <p:nvPr/>
+        </p:nvSpPr>
+        <p:spPr>
+          <a:xfrm>
+            <a:off x="7203234" y="323174"/>
+            <a:ext cx="1689910" cy="523220"/>
+          </a:xfrm>
+          <a:prstGeom prst="rect">
+            <a:avLst/>
+          </a:prstGeom>
+          <a:noFill/>
+          <a:ln>
+            <a:noFill/>
+          </a:ln>
+        </p:spPr>
+        <p:txBody>
+          <a:bodyPr spcFirstLastPara="1" wrap="square" lIns="91425" tIns="45700" rIns="91425" bIns="45700" anchor="t" anchorCtr="0">
+            <a:noAutofit/>
+          </a:bodyPr>
+          <a:lstStyle/>
+          <a:p>
+            <a:pPr marL="0" marR="0" lvl="0" indent="0" algn="ctr" rtl="0">
+              <a:spcBef>
+                <a:spcPts val="0"/>
+              </a:spcBef>
+              <a:spcAft>
+                <a:spcPts val="0"/>
+              </a:spcAft>
+              <a:buNone/>
+            </a:pPr>
+            <a:r>
+              <a:rPr lang="it-IT" sz="1400" b="1" i="0" u="none" strike="noStrike" cap="none" dirty="0">
+                <a:solidFill>
+                  <a:schemeClr val="lt1"/>
+                </a:solidFill>
+                <a:latin typeface="Calibri"/>
+                <a:ea typeface="Calibri"/>
+                <a:cs typeface="Calibri"/>
+                <a:sym typeface="Calibri"/>
+              </a:rPr>
+              <a:t>Robotica autonoma</a:t>
+            </a:r>
+            <a:endParaRPr sz="1400" b="1" i="0" u="none" strike="noStrike" cap="none" dirty="0">
+              <a:solidFill>
+                <a:schemeClr val="lt1"/>
+              </a:solidFill>
+              <a:latin typeface="Calibri"/>
+              <a:ea typeface="Calibri"/>
+              <a:cs typeface="Calibri"/>
+              <a:sym typeface="Calibri"/>
+            </a:endParaRPr>
+          </a:p>
+          <a:p>
+            <a:pPr marL="0" marR="0" lvl="0" indent="0" algn="ctr" rtl="0">
+              <a:spcBef>
+                <a:spcPts val="0"/>
+              </a:spcBef>
+              <a:spcAft>
+                <a:spcPts val="0"/>
+              </a:spcAft>
+              <a:buNone/>
+            </a:pPr>
+            <a:r>
+              <a:rPr lang="it-IT" sz="1400" b="1" i="0" u="none" strike="noStrike" cap="none" dirty="0">
+                <a:solidFill>
+                  <a:schemeClr val="lt1"/>
+                </a:solidFill>
+                <a:latin typeface="Calibri"/>
+                <a:ea typeface="Calibri"/>
+                <a:cs typeface="Calibri"/>
+                <a:sym typeface="Calibri"/>
+              </a:rPr>
+              <a:t>A.A. 2018-2019</a:t>
+            </a:r>
+            <a:endParaRPr dirty="0"/>
+          </a:p>
+        </p:txBody>
+      </p:sp>
+      <p:sp>
+        <p:nvSpPr>
+          <p:cNvPr id="9" name="Shape 258">
+            <a:extLst>
+              <a:ext uri="{FF2B5EF4-FFF2-40B4-BE49-F238E27FC236}">
+                <a16:creationId xmlns:a16="http://schemas.microsoft.com/office/drawing/2014/main" id="{A54C0287-0E6E-40BD-91D9-E0D49E440971}"/>
+              </a:ext>
+            </a:extLst>
+          </p:cNvPr>
+          <p:cNvSpPr txBox="1"/>
+          <p:nvPr/>
+        </p:nvSpPr>
+        <p:spPr>
+          <a:xfrm>
+            <a:off x="5631325" y="5886550"/>
+            <a:ext cx="1645800" cy="307800"/>
+          </a:xfrm>
+          <a:prstGeom prst="rect">
+            <a:avLst/>
+          </a:prstGeom>
+          <a:noFill/>
+          <a:ln>
+            <a:noFill/>
+          </a:ln>
+        </p:spPr>
+        <p:txBody>
+          <a:bodyPr spcFirstLastPara="1" wrap="square" lIns="91425" tIns="45700" rIns="91425" bIns="45700" anchor="t" anchorCtr="0">
+            <a:noAutofit/>
+          </a:bodyPr>
+          <a:lstStyle/>
+          <a:p>
+            <a:pPr marL="0" marR="0" lvl="0" indent="0" algn="l" rtl="0">
+              <a:spcBef>
+                <a:spcPts val="0"/>
+              </a:spcBef>
+              <a:spcAft>
+                <a:spcPts val="0"/>
+              </a:spcAft>
+              <a:buNone/>
+            </a:pPr>
+            <a:r>
+              <a:rPr lang="it-IT" sz="1400" b="0" i="0" u="none" strike="noStrike" cap="none">
+                <a:solidFill>
+                  <a:schemeClr val="dk1"/>
+                </a:solidFill>
+                <a:latin typeface="Calibri"/>
+                <a:ea typeface="Calibri"/>
+                <a:cs typeface="Calibri"/>
+                <a:sym typeface="Calibri"/>
+              </a:rPr>
+              <a:t>Credit: </a:t>
+            </a:r>
+            <a:r>
+              <a:rPr lang="it-IT" u="sng">
+                <a:solidFill>
+                  <a:schemeClr val="hlink"/>
+                </a:solidFill>
+                <a:latin typeface="Calibri"/>
+                <a:ea typeface="Calibri"/>
+                <a:cs typeface="Calibri"/>
+                <a:sym typeface="Calibri"/>
+                <a:hlinkClick r:id="rId4"/>
+              </a:rPr>
+              <a:t>scottbcovert</a:t>
+            </a:r>
+            <a:endParaRPr sz="1400">
+              <a:solidFill>
+                <a:schemeClr val="dk1"/>
+              </a:solidFill>
+              <a:latin typeface="Calibri"/>
+              <a:ea typeface="Calibri"/>
+              <a:cs typeface="Calibri"/>
+              <a:sym typeface="Calibri"/>
+            </a:endParaRPr>
+          </a:p>
+        </p:txBody>
+      </p:sp>
+      <p:pic>
+        <p:nvPicPr>
+          <p:cNvPr id="10" name="Shape 259">
+            <a:extLst>
+              <a:ext uri="{FF2B5EF4-FFF2-40B4-BE49-F238E27FC236}">
+                <a16:creationId xmlns:a16="http://schemas.microsoft.com/office/drawing/2014/main" id="{D9909FDF-9481-4C8B-B030-0C3A13D86125}"/>
+              </a:ext>
+            </a:extLst>
+          </p:cNvPr>
+          <p:cNvPicPr preferRelativeResize="0"/>
+          <p:nvPr/>
+        </p:nvPicPr>
+        <p:blipFill>
+          <a:blip r:embed="rId5">
+            <a:alphaModFix/>
+          </a:blip>
+          <a:stretch>
+            <a:fillRect/>
+          </a:stretch>
+        </p:blipFill>
+        <p:spPr>
+          <a:xfrm>
+            <a:off x="1866888" y="1382750"/>
+            <a:ext cx="5410225" cy="4503800"/>
+          </a:xfrm>
+          <a:prstGeom prst="rect">
+            <a:avLst/>
+          </a:prstGeom>
+          <a:noFill/>
+          <a:ln>
+            <a:noFill/>
+          </a:ln>
+        </p:spPr>
+      </p:pic>
+    </p:spTree>
+    <p:extLst>
+      <p:ext uri="{BB962C8B-B14F-4D97-AF65-F5344CB8AC3E}">
+        <p14:creationId xmlns:p14="http://schemas.microsoft.com/office/powerpoint/2010/main" val="1926790023"/>
+      </p:ext>
+    </p:extLst>
+  </p:cSld>
+  <p:clrMapOvr>
+    <a:masterClrMapping/>
+  </p:clrMapOvr>
+</p:sld>
+</file>
+
+<file path=ppt/slides/slide12.xml><?xml version="1.0" encoding="utf-8"?>
+<p:sld xmlns:a="http://schemas.openxmlformats.org/drawingml/2006/main" xmlns:r="http://schemas.openxmlformats.org/officeDocument/2006/relationships" xmlns:p="http://schemas.openxmlformats.org/presentationml/2006/main">
+  <p:cSld>
+    <p:spTree>
+      <p:nvGrpSpPr>
+        <p:cNvPr id="1" name="Shape 104"/>
+        <p:cNvGrpSpPr/>
+        <p:nvPr/>
+      </p:nvGrpSpPr>
+      <p:grpSpPr>
+        <a:xfrm>
+          <a:off x="0" y="0"/>
+          <a:ext cx="0" cy="0"/>
+          <a:chOff x="0" y="0"/>
+          <a:chExt cx="0" cy="0"/>
+        </a:xfrm>
+      </p:grpSpPr>
+      <p:sp>
+        <p:nvSpPr>
+          <p:cNvPr id="105" name="Shape 105"/>
+          <p:cNvSpPr txBox="1">
+            <a:spLocks noGrp="1"/>
+          </p:cNvSpPr>
+          <p:nvPr>
+            <p:ph type="title"/>
+          </p:nvPr>
+        </p:nvSpPr>
+        <p:spPr>
+          <a:xfrm>
+            <a:off x="0" y="1937"/>
+            <a:ext cx="9144000" cy="1164711"/>
+          </a:xfrm>
+          <a:prstGeom prst="rect">
+            <a:avLst/>
+          </a:prstGeom>
+          <a:solidFill>
+            <a:srgbClr val="9B0014">
+              <a:alpha val="77254"/>
+            </a:srgbClr>
+          </a:solidFill>
+          <a:ln>
+            <a:noFill/>
+          </a:ln>
+        </p:spPr>
+        <p:txBody>
+          <a:bodyPr spcFirstLastPara="1" wrap="square" lIns="91425" tIns="45700" rIns="91425" bIns="45700" anchor="ctr" anchorCtr="0">
+            <a:noAutofit/>
+          </a:bodyPr>
+          <a:lstStyle/>
+          <a:p>
+            <a:pPr marL="0" marR="0" lvl="0" indent="0" algn="ctr" rtl="0">
+              <a:lnSpc>
+                <a:spcPct val="90000"/>
+              </a:lnSpc>
+              <a:spcBef>
+                <a:spcPts val="0"/>
+              </a:spcBef>
+              <a:spcAft>
+                <a:spcPts val="0"/>
+              </a:spcAft>
+              <a:buClr>
+                <a:schemeClr val="lt1"/>
+              </a:buClr>
+              <a:buSzPts val="4400"/>
+              <a:buFont typeface="Calibri"/>
+              <a:buNone/>
+            </a:pPr>
+            <a:r>
+              <a:rPr lang="it-IT" b="1" dirty="0">
+                <a:solidFill>
+                  <a:schemeClr val="lt1"/>
+                </a:solidFill>
+              </a:rPr>
+              <a:t>Thank </a:t>
+            </a:r>
+            <a:r>
+              <a:rPr lang="it-IT" b="1" dirty="0" err="1">
+                <a:solidFill>
+                  <a:schemeClr val="lt1"/>
+                </a:solidFill>
+              </a:rPr>
+              <a:t>you</a:t>
+            </a:r>
+            <a:r>
+              <a:rPr lang="it-IT" b="1" dirty="0">
+                <a:solidFill>
+                  <a:schemeClr val="lt1"/>
+                </a:solidFill>
+              </a:rPr>
+              <a:t> </a:t>
+            </a:r>
+            <a:r>
+              <a:rPr lang="it-IT" b="1" dirty="0" err="1">
+                <a:solidFill>
+                  <a:schemeClr val="lt1"/>
+                </a:solidFill>
+              </a:rPr>
+              <a:t>all</a:t>
+            </a:r>
+            <a:r>
+              <a:rPr lang="it-IT" b="1" dirty="0">
+                <a:solidFill>
+                  <a:schemeClr val="lt1"/>
+                </a:solidFill>
+              </a:rPr>
+              <a:t>!</a:t>
+            </a:r>
+            <a:endParaRPr sz="4400" b="1" i="0" u="none" strike="noStrike" cap="none" dirty="0">
+              <a:solidFill>
+                <a:schemeClr val="lt1"/>
+              </a:solidFill>
+              <a:latin typeface="Calibri"/>
+              <a:ea typeface="Calibri"/>
+              <a:cs typeface="Calibri"/>
+              <a:sym typeface="Calibri"/>
+            </a:endParaRPr>
+          </a:p>
+        </p:txBody>
+      </p:sp>
+      <p:pic>
+        <p:nvPicPr>
+          <p:cNvPr id="106" name="Shape 106"/>
+          <p:cNvPicPr preferRelativeResize="0">
+            <a:picLocks noGrp="1"/>
+          </p:cNvPicPr>
+          <p:nvPr>
+            <p:ph type="body" idx="1"/>
+          </p:nvPr>
+        </p:nvPicPr>
+        <p:blipFill rotWithShape="1">
+          <a:blip r:embed="rId3">
+            <a:alphaModFix/>
+          </a:blip>
+          <a:srcRect/>
+          <a:stretch/>
+        </p:blipFill>
+        <p:spPr>
+          <a:xfrm>
+            <a:off x="169314" y="131158"/>
+            <a:ext cx="958788" cy="909366"/>
+          </a:xfrm>
+          <a:prstGeom prst="rect">
+            <a:avLst/>
+          </a:prstGeom>
+          <a:noFill/>
+          <a:ln>
+            <a:noFill/>
+          </a:ln>
+        </p:spPr>
+      </p:pic>
+      <p:sp>
+        <p:nvSpPr>
+          <p:cNvPr id="107" name="Shape 107"/>
+          <p:cNvSpPr txBox="1">
+            <a:spLocks noGrp="1"/>
+          </p:cNvSpPr>
+          <p:nvPr>
+            <p:ph type="dt" idx="10"/>
+          </p:nvPr>
+        </p:nvSpPr>
+        <p:spPr>
+          <a:xfrm>
+            <a:off x="628650" y="6356351"/>
+            <a:ext cx="2057400" cy="365125"/>
+          </a:xfrm>
+          <a:prstGeom prst="rect">
+            <a:avLst/>
+          </a:prstGeom>
+          <a:noFill/>
+          <a:ln>
+            <a:noFill/>
+          </a:ln>
+        </p:spPr>
+        <p:txBody>
+          <a:bodyPr spcFirstLastPara="1" wrap="square" lIns="91425" tIns="45700" rIns="91425" bIns="45700" anchor="ctr" anchorCtr="0">
+            <a:noAutofit/>
+          </a:bodyPr>
+          <a:lstStyle/>
+          <a:p>
+            <a:pPr marL="0" marR="0" lvl="0" indent="0" algn="l" rtl="0">
+              <a:spcBef>
+                <a:spcPts val="0"/>
+              </a:spcBef>
+              <a:spcAft>
+                <a:spcPts val="0"/>
+              </a:spcAft>
+              <a:buNone/>
+            </a:pPr>
+            <a:r>
+              <a:rPr lang="it-IT" dirty="0"/>
+              <a:t>22</a:t>
+            </a:r>
+            <a:r>
+              <a:rPr lang="it-IT" sz="1200" b="0" i="0" u="none" strike="noStrike" cap="none" dirty="0">
+                <a:solidFill>
+                  <a:srgbClr val="888888"/>
+                </a:solidFill>
+                <a:latin typeface="Calibri"/>
+                <a:ea typeface="Calibri"/>
+                <a:cs typeface="Calibri"/>
+                <a:sym typeface="Calibri"/>
+              </a:rPr>
+              <a:t>-02-2019</a:t>
+            </a:r>
+          </a:p>
+        </p:txBody>
+      </p:sp>
+      <p:sp>
+        <p:nvSpPr>
+          <p:cNvPr id="108" name="Shape 108"/>
+          <p:cNvSpPr txBox="1">
+            <a:spLocks noGrp="1"/>
+          </p:cNvSpPr>
+          <p:nvPr>
+            <p:ph type="ftr" idx="11"/>
+          </p:nvPr>
+        </p:nvSpPr>
+        <p:spPr>
+          <a:xfrm>
+            <a:off x="2965588" y="6356351"/>
+            <a:ext cx="3212824" cy="365125"/>
+          </a:xfrm>
+          <a:prstGeom prst="rect">
+            <a:avLst/>
+          </a:prstGeom>
+          <a:noFill/>
+          <a:ln>
+            <a:noFill/>
+          </a:ln>
+        </p:spPr>
+        <p:txBody>
+          <a:bodyPr spcFirstLastPara="1" wrap="square" lIns="91425" tIns="45700" rIns="91425" bIns="45700" anchor="ctr" anchorCtr="0">
+            <a:noAutofit/>
+          </a:bodyPr>
+          <a:lstStyle/>
+          <a:p>
+            <a:pPr marL="0" marR="0" lvl="0" indent="0" algn="ctr" rtl="0">
+              <a:spcBef>
+                <a:spcPts val="0"/>
+              </a:spcBef>
+              <a:spcAft>
+                <a:spcPts val="0"/>
+              </a:spcAft>
+              <a:buNone/>
+            </a:pPr>
+            <a:r>
+              <a:rPr lang="it-IT" sz="1200" b="0" i="0" u="none" strike="noStrike" cap="none" dirty="0">
+                <a:solidFill>
+                  <a:srgbClr val="888888"/>
+                </a:solidFill>
+                <a:latin typeface="Calibri"/>
+                <a:ea typeface="Calibri"/>
+                <a:cs typeface="Calibri"/>
+                <a:sym typeface="Calibri"/>
+              </a:rPr>
+              <a:t>Challenge 4.0 – Gruppo 1</a:t>
+            </a:r>
+            <a:endParaRPr sz="1200" b="0" i="0" u="sng" strike="noStrike" cap="none" dirty="0">
+              <a:solidFill>
+                <a:srgbClr val="888888"/>
+              </a:solidFill>
+              <a:latin typeface="Calibri"/>
+              <a:ea typeface="Calibri"/>
+              <a:cs typeface="Calibri"/>
+              <a:sym typeface="Calibri"/>
+            </a:endParaRPr>
+          </a:p>
+        </p:txBody>
+      </p:sp>
+      <p:sp>
+        <p:nvSpPr>
+          <p:cNvPr id="109" name="Shape 109"/>
+          <p:cNvSpPr txBox="1">
+            <a:spLocks noGrp="1"/>
+          </p:cNvSpPr>
+          <p:nvPr>
+            <p:ph type="sldNum" idx="12"/>
+          </p:nvPr>
+        </p:nvSpPr>
+        <p:spPr>
+          <a:xfrm>
+            <a:off x="6457950" y="6356351"/>
+            <a:ext cx="2057400" cy="365125"/>
+          </a:xfrm>
+          <a:prstGeom prst="rect">
+            <a:avLst/>
+          </a:prstGeom>
+          <a:noFill/>
+          <a:ln>
+            <a:noFill/>
+          </a:ln>
+        </p:spPr>
+        <p:txBody>
+          <a:bodyPr spcFirstLastPara="1" wrap="square" lIns="91425" tIns="45700" rIns="91425" bIns="45700" anchor="ctr" anchorCtr="0">
+            <a:noAutofit/>
+          </a:bodyPr>
+          <a:lstStyle/>
+          <a:p>
+            <a:pPr marL="0" marR="0" lvl="0" indent="0" algn="r" rtl="0">
+              <a:spcBef>
+                <a:spcPts val="0"/>
+              </a:spcBef>
+              <a:spcAft>
+                <a:spcPts val="0"/>
+              </a:spcAft>
+              <a:buNone/>
+            </a:pPr>
+            <a:fld id="{00000000-1234-1234-1234-123412341234}" type="slidenum">
+              <a:rPr lang="it-IT" sz="1200" b="0" i="0" u="none" strike="noStrike" cap="none">
+                <a:solidFill>
+                  <a:srgbClr val="888888"/>
+                </a:solidFill>
+                <a:latin typeface="Calibri"/>
+                <a:ea typeface="Calibri"/>
+                <a:cs typeface="Calibri"/>
+                <a:sym typeface="Calibri"/>
+              </a:rPr>
+              <a:t>12</a:t>
+            </a:fld>
+            <a:endParaRPr sz="1200" b="0" i="0" u="none" strike="noStrike" cap="none" dirty="0">
+              <a:solidFill>
+                <a:srgbClr val="888888"/>
+              </a:solidFill>
+              <a:latin typeface="Calibri"/>
+              <a:ea typeface="Calibri"/>
+              <a:cs typeface="Calibri"/>
+              <a:sym typeface="Calibri"/>
+            </a:endParaRPr>
+          </a:p>
+        </p:txBody>
+      </p:sp>
+      <p:sp>
+        <p:nvSpPr>
+          <p:cNvPr id="110" name="Shape 110"/>
+          <p:cNvSpPr txBox="1"/>
+          <p:nvPr/>
+        </p:nvSpPr>
+        <p:spPr>
+          <a:xfrm>
+            <a:off x="7203234" y="323174"/>
+            <a:ext cx="1689910" cy="523220"/>
+          </a:xfrm>
+          <a:prstGeom prst="rect">
+            <a:avLst/>
+          </a:prstGeom>
+          <a:noFill/>
+          <a:ln>
+            <a:noFill/>
+          </a:ln>
+        </p:spPr>
+        <p:txBody>
+          <a:bodyPr spcFirstLastPara="1" wrap="square" lIns="91425" tIns="45700" rIns="91425" bIns="45700" anchor="t" anchorCtr="0">
+            <a:noAutofit/>
+          </a:bodyPr>
+          <a:lstStyle/>
+          <a:p>
+            <a:pPr marL="0" marR="0" lvl="0" indent="0" algn="ctr" rtl="0">
+              <a:spcBef>
+                <a:spcPts val="0"/>
+              </a:spcBef>
+              <a:spcAft>
+                <a:spcPts val="0"/>
+              </a:spcAft>
+              <a:buNone/>
+            </a:pPr>
+            <a:r>
+              <a:rPr lang="it-IT" sz="1400" b="1" i="0" u="none" strike="noStrike" cap="none" dirty="0">
+                <a:solidFill>
+                  <a:schemeClr val="lt1"/>
+                </a:solidFill>
+                <a:latin typeface="Calibri"/>
+                <a:ea typeface="Calibri"/>
+                <a:cs typeface="Calibri"/>
+                <a:sym typeface="Calibri"/>
+              </a:rPr>
+              <a:t>Robotica autonoma</a:t>
+            </a:r>
+            <a:endParaRPr sz="1400" b="1" i="0" u="none" strike="noStrike" cap="none" dirty="0">
+              <a:solidFill>
+                <a:schemeClr val="lt1"/>
+              </a:solidFill>
+              <a:latin typeface="Calibri"/>
+              <a:ea typeface="Calibri"/>
+              <a:cs typeface="Calibri"/>
+              <a:sym typeface="Calibri"/>
+            </a:endParaRPr>
+          </a:p>
+          <a:p>
+            <a:pPr marL="0" marR="0" lvl="0" indent="0" algn="ctr" rtl="0">
+              <a:spcBef>
+                <a:spcPts val="0"/>
+              </a:spcBef>
+              <a:spcAft>
+                <a:spcPts val="0"/>
+              </a:spcAft>
+              <a:buNone/>
+            </a:pPr>
+            <a:r>
+              <a:rPr lang="it-IT" sz="1400" b="1" i="0" u="none" strike="noStrike" cap="none" dirty="0">
+                <a:solidFill>
+                  <a:schemeClr val="lt1"/>
+                </a:solidFill>
+                <a:latin typeface="Calibri"/>
+                <a:ea typeface="Calibri"/>
+                <a:cs typeface="Calibri"/>
+                <a:sym typeface="Calibri"/>
+              </a:rPr>
+              <a:t>A.A. 2018-2019</a:t>
+            </a:r>
+            <a:endParaRPr dirty="0"/>
+          </a:p>
+        </p:txBody>
+      </p:sp>
+      <p:pic>
+        <p:nvPicPr>
+          <p:cNvPr id="11" name="Shape 274">
+            <a:extLst>
+              <a:ext uri="{FF2B5EF4-FFF2-40B4-BE49-F238E27FC236}">
+                <a16:creationId xmlns:a16="http://schemas.microsoft.com/office/drawing/2014/main" id="{D056F478-8016-436A-B5D0-2CE7B2AC5E32}"/>
+              </a:ext>
+            </a:extLst>
+          </p:cNvPr>
+          <p:cNvPicPr preferRelativeResize="0"/>
+          <p:nvPr/>
+        </p:nvPicPr>
+        <p:blipFill rotWithShape="1">
+          <a:blip r:embed="rId4">
+            <a:alphaModFix/>
+          </a:blip>
+          <a:srcRect/>
+          <a:stretch/>
+        </p:blipFill>
+        <p:spPr>
+          <a:xfrm>
+            <a:off x="1228725" y="1527887"/>
+            <a:ext cx="6686550" cy="4467225"/>
+          </a:xfrm>
+          <a:prstGeom prst="rect">
+            <a:avLst/>
+          </a:prstGeom>
+          <a:noFill/>
+          <a:ln>
+            <a:noFill/>
+          </a:ln>
+        </p:spPr>
+      </p:pic>
+      <p:sp>
+        <p:nvSpPr>
+          <p:cNvPr id="12" name="Shape 275">
+            <a:extLst>
+              <a:ext uri="{FF2B5EF4-FFF2-40B4-BE49-F238E27FC236}">
+                <a16:creationId xmlns:a16="http://schemas.microsoft.com/office/drawing/2014/main" id="{76446E34-1416-4F7A-9EE6-DEB376C32B32}"/>
+              </a:ext>
+            </a:extLst>
+          </p:cNvPr>
+          <p:cNvSpPr txBox="1"/>
+          <p:nvPr/>
+        </p:nvSpPr>
+        <p:spPr>
+          <a:xfrm>
+            <a:off x="6433651" y="5991794"/>
+            <a:ext cx="1481624" cy="307777"/>
+          </a:xfrm>
+          <a:prstGeom prst="rect">
+            <a:avLst/>
+          </a:prstGeom>
+          <a:noFill/>
+          <a:ln>
+            <a:noFill/>
+          </a:ln>
+        </p:spPr>
+        <p:txBody>
+          <a:bodyPr spcFirstLastPara="1" wrap="square" lIns="91425" tIns="45700" rIns="91425" bIns="45700" anchor="t" anchorCtr="0">
+            <a:noAutofit/>
+          </a:bodyPr>
+          <a:lstStyle/>
+          <a:p>
+            <a:pPr marL="0" marR="0" lvl="0" indent="0" algn="l" rtl="0">
+              <a:spcBef>
+                <a:spcPts val="0"/>
+              </a:spcBef>
+              <a:spcAft>
+                <a:spcPts val="0"/>
+              </a:spcAft>
+              <a:buNone/>
+            </a:pPr>
+            <a:r>
+              <a:rPr lang="it-IT" sz="1400">
+                <a:solidFill>
+                  <a:schemeClr val="dk1"/>
+                </a:solidFill>
+                <a:latin typeface="Calibri"/>
+                <a:ea typeface="Calibri"/>
+                <a:cs typeface="Calibri"/>
+                <a:sym typeface="Calibri"/>
+              </a:rPr>
+              <a:t>Credit: </a:t>
+            </a:r>
+            <a:r>
+              <a:rPr lang="it-IT" sz="1400" u="sng">
+                <a:solidFill>
+                  <a:schemeClr val="hlink"/>
+                </a:solidFill>
+                <a:latin typeface="Calibri"/>
+                <a:ea typeface="Calibri"/>
+                <a:cs typeface="Calibri"/>
+                <a:sym typeface="Calibri"/>
+                <a:hlinkClick r:id="rId5"/>
+              </a:rPr>
+              <a:t>Geekulcha</a:t>
+            </a:r>
+            <a:endParaRPr sz="1400">
+              <a:solidFill>
+                <a:schemeClr val="dk1"/>
+              </a:solidFill>
+              <a:latin typeface="Calibri"/>
+              <a:ea typeface="Calibri"/>
+              <a:cs typeface="Calibri"/>
+              <a:sym typeface="Calibri"/>
+            </a:endParaRPr>
+          </a:p>
+        </p:txBody>
+      </p:sp>
+    </p:spTree>
+    <p:extLst>
+      <p:ext uri="{BB962C8B-B14F-4D97-AF65-F5344CB8AC3E}">
+        <p14:creationId xmlns:p14="http://schemas.microsoft.com/office/powerpoint/2010/main" val="3998286050"/>
+      </p:ext>
+    </p:extLst>
+  </p:cSld>
+  <p:clrMapOvr>
+    <a:masterClrMapping/>
+  </p:clrMapOvr>
+</p:sld>
+</file>
+
 <file path=ppt/slides/slide2.xml><?xml version="1.0" encoding="utf-8"?>
 <p:sld xmlns:a="http://schemas.openxmlformats.org/drawingml/2006/main" xmlns:r="http://schemas.openxmlformats.org/officeDocument/2006/relationships" xmlns:p="http://schemas.openxmlformats.org/presentationml/2006/main">
   <p:cSld>
@@ -17641,7 +22107,7 @@
               <a:buChar char="▪"/>
             </a:pPr>
             <a:r>
-              <a:rPr lang="it-IT" sz="2600" dirty="0">
+              <a:rPr lang="it-IT" sz="3000" dirty="0">
                 <a:solidFill>
                   <a:schemeClr val="dk1"/>
                 </a:solidFill>
@@ -17650,7 +22116,7 @@
                 <a:cs typeface="Calibri"/>
                 <a:sym typeface="Calibri"/>
               </a:rPr>
-              <a:t>1</a:t>
+              <a:t>Percezione</a:t>
             </a:r>
           </a:p>
           <a:p>
@@ -17669,7 +22135,7 @@
               <a:buChar char="▪"/>
             </a:pPr>
             <a:r>
-              <a:rPr lang="it-IT" sz="2600" dirty="0">
+              <a:rPr lang="it-IT" sz="3000" dirty="0">
                 <a:solidFill>
                   <a:schemeClr val="dk1"/>
                 </a:solidFill>
@@ -17678,26 +22144,10 @@
                 <a:cs typeface="Calibri"/>
                 <a:sym typeface="Calibri"/>
               </a:rPr>
-              <a:t>2</a:t>
+              <a:t>Manipolatore - </a:t>
             </a:r>
-          </a:p>
-          <a:p>
-            <a:pPr marL="214307" marR="0" lvl="0" indent="-246057" algn="l" rtl="0">
-              <a:spcBef>
-                <a:spcPts val="0"/>
-              </a:spcBef>
-              <a:spcAft>
-                <a:spcPts val="0"/>
-              </a:spcAft>
-              <a:buClr>
-                <a:srgbClr val="9B0014"/>
-              </a:buClr>
-              <a:buSzPts val="2600"/>
-              <a:buFont typeface="Noto Sans Symbols"/>
-              <a:buChar char="▪"/>
-            </a:pPr>
             <a:r>
-              <a:rPr lang="it-IT" sz="2600" dirty="0">
+              <a:rPr lang="it-IT" sz="3000" dirty="0" err="1">
                 <a:solidFill>
                   <a:schemeClr val="dk1"/>
                 </a:solidFill>
@@ -17706,9 +22156,9 @@
                 <a:cs typeface="Calibri"/>
                 <a:sym typeface="Calibri"/>
               </a:rPr>
-              <a:t>3</a:t>
+              <a:t>Gripper</a:t>
             </a:r>
-            <a:endParaRPr sz="2600" dirty="0">
+            <a:endParaRPr lang="it-IT" sz="3000" dirty="0">
               <a:solidFill>
                 <a:schemeClr val="dk1"/>
               </a:solidFill>
@@ -17734,7 +22184,7 @@
               <a:buChar char="▪"/>
             </a:pPr>
             <a:r>
-              <a:rPr lang="it-IT" sz="2600" dirty="0">
+              <a:rPr lang="it-IT" sz="3000" dirty="0" err="1">
                 <a:solidFill>
                   <a:schemeClr val="dk1"/>
                 </a:solidFill>
@@ -17743,21 +22193,9 @@
                 <a:cs typeface="Calibri"/>
                 <a:sym typeface="Calibri"/>
               </a:rPr>
-              <a:t>Live d</a:t>
+              <a:t>Marrtino</a:t>
             </a:r>
-            <a:r>
-              <a:rPr lang="it-IT" sz="2600" b="0" i="0" u="none" strike="noStrike" cap="none" dirty="0">
-                <a:solidFill>
-                  <a:schemeClr val="dk1"/>
-                </a:solidFill>
-                <a:latin typeface="Calibri"/>
-                <a:ea typeface="Calibri"/>
-                <a:cs typeface="Calibri"/>
-                <a:sym typeface="Calibri"/>
-              </a:rPr>
-              <a:t>emo</a:t>
-            </a:r>
-            <a:endParaRPr sz="2600" b="0" i="0" u="none" strike="noStrike" cap="none" dirty="0">
+            <a:endParaRPr lang="it-IT" sz="3000" dirty="0">
               <a:solidFill>
                 <a:schemeClr val="dk1"/>
               </a:solidFill>
@@ -17766,6 +22204,74 @@
               <a:cs typeface="Calibri"/>
               <a:sym typeface="Calibri"/>
             </a:endParaRPr>
+          </a:p>
+          <a:p>
+            <a:pPr marL="214307" marR="0" lvl="0" indent="-246057" algn="l" rtl="0">
+              <a:spcBef>
+                <a:spcPts val="0"/>
+              </a:spcBef>
+              <a:spcAft>
+                <a:spcPts val="0"/>
+              </a:spcAft>
+              <a:buClr>
+                <a:srgbClr val="9B0014"/>
+              </a:buClr>
+              <a:buSzPts val="2600"/>
+              <a:buFont typeface="Noto Sans Symbols"/>
+              <a:buChar char="▪"/>
+            </a:pPr>
+            <a:r>
+              <a:rPr lang="it-IT" sz="3000" dirty="0">
+                <a:solidFill>
+                  <a:schemeClr val="dk1"/>
+                </a:solidFill>
+                <a:latin typeface="Calibri"/>
+                <a:ea typeface="Calibri"/>
+                <a:cs typeface="Calibri"/>
+                <a:sym typeface="Calibri"/>
+              </a:rPr>
+              <a:t>FSM</a:t>
+            </a:r>
+          </a:p>
+          <a:p>
+            <a:pPr marL="214307" marR="0" lvl="0" indent="-246057" algn="l" rtl="0">
+              <a:spcBef>
+                <a:spcPts val="0"/>
+              </a:spcBef>
+              <a:spcAft>
+                <a:spcPts val="0"/>
+              </a:spcAft>
+              <a:buClr>
+                <a:srgbClr val="9B0014"/>
+              </a:buClr>
+              <a:buSzPts val="2600"/>
+              <a:buFont typeface="Noto Sans Symbols"/>
+              <a:buChar char="▪"/>
+            </a:pPr>
+            <a:r>
+              <a:rPr lang="it-IT" sz="3000" dirty="0">
+                <a:solidFill>
+                  <a:schemeClr val="dk1"/>
+                </a:solidFill>
+                <a:latin typeface="Calibri"/>
+                <a:ea typeface="Calibri"/>
+                <a:cs typeface="Calibri"/>
+                <a:sym typeface="Calibri"/>
+              </a:rPr>
+              <a:t>Live d</a:t>
+            </a:r>
+            <a:r>
+              <a:rPr lang="it-IT" sz="3000" b="0" i="0" u="none" strike="noStrike" cap="none" dirty="0">
+                <a:solidFill>
+                  <a:schemeClr val="dk1"/>
+                </a:solidFill>
+                <a:latin typeface="Calibri"/>
+                <a:ea typeface="Calibri"/>
+                <a:cs typeface="Calibri"/>
+                <a:sym typeface="Calibri"/>
+              </a:rPr>
+              <a:t>emo</a:t>
+            </a:r>
           </a:p>
         </p:txBody>
       </p:sp>
@@ -17844,542 +22350,17 @@
               <a:buFont typeface="Calibri"/>
               <a:buNone/>
             </a:pPr>
-            <a:endParaRPr sz="4400" b="1" i="0" u="none" strike="noStrike" cap="none" dirty="0">
-              <a:solidFill>
-                <a:schemeClr val="lt1"/>
-              </a:solidFill>
-              <a:latin typeface="Calibri"/>
-              <a:ea typeface="Calibri"/>
-              <a:cs typeface="Calibri"/>
-              <a:sym typeface="Calibri"/>
-            </a:endParaRPr>
-          </a:p>
-        </p:txBody>
-      </p:sp>
-      <p:pic>
-        <p:nvPicPr>
-          <p:cNvPr id="106" name="Shape 106"/>
-          <p:cNvPicPr preferRelativeResize="0">
-            <a:picLocks noGrp="1"/>
-          </p:cNvPicPr>
-          <p:nvPr>
-            <p:ph type="body" idx="1"/>
-          </p:nvPr>
-        </p:nvPicPr>
-        <p:blipFill rotWithShape="1">
-          <a:blip r:embed="rId3">
-            <a:alphaModFix/>
-          </a:blip>
-          <a:srcRect/>
-          <a:stretch/>
-        </p:blipFill>
-        <p:spPr>
-          <a:xfrm>
-            <a:off x="169314" y="131158"/>
-            <a:ext cx="958788" cy="909366"/>
-          </a:xfrm>
-          <a:prstGeom prst="rect">
-            <a:avLst/>
-          </a:prstGeom>
-          <a:noFill/>
-          <a:ln>
-            <a:noFill/>
-          </a:ln>
-        </p:spPr>
-      </p:pic>
-      <p:sp>
-        <p:nvSpPr>
-          <p:cNvPr id="107" name="Shape 107"/>
-          <p:cNvSpPr txBox="1">
-            <a:spLocks noGrp="1"/>
-          </p:cNvSpPr>
-          <p:nvPr>
-            <p:ph type="dt" idx="10"/>
-          </p:nvPr>
-        </p:nvSpPr>
-        <p:spPr>
-          <a:xfrm>
-            <a:off x="628650" y="6356351"/>
-            <a:ext cx="2057400" cy="365125"/>
-          </a:xfrm>
-          <a:prstGeom prst="rect">
-            <a:avLst/>
-          </a:prstGeom>
-          <a:noFill/>
-          <a:ln>
-            <a:noFill/>
-          </a:ln>
-        </p:spPr>
-        <p:txBody>
-          <a:bodyPr spcFirstLastPara="1" wrap="square" lIns="91425" tIns="45700" rIns="91425" bIns="45700" anchor="ctr" anchorCtr="0">
-            <a:noAutofit/>
-          </a:bodyPr>
-          <a:lstStyle/>
-          <a:p>
-            <a:pPr marL="0" marR="0" lvl="0" indent="0" algn="l" rtl="0">
-              <a:spcBef>
-                <a:spcPts val="0"/>
-              </a:spcBef>
-              <a:spcAft>
-                <a:spcPts val="0"/>
-              </a:spcAft>
-              <a:buNone/>
-            </a:pPr>
             <a:r>
-              <a:rPr lang="it-IT" dirty="0"/>
-              <a:t>22</a:t>
-            </a:r>
-            <a:r>
-              <a:rPr lang="it-IT" sz="1200" b="0" i="0" u="none" strike="noStrike" cap="none" dirty="0">
-                <a:solidFill>
-                  <a:srgbClr val="888888"/>
+              <a:rPr lang="it-IT" sz="4400" b="1" i="0" u="none" strike="noStrike" cap="none" dirty="0">
+                <a:solidFill>
+                  <a:schemeClr val="lt1"/>
                 </a:solidFill>
                 <a:latin typeface="Calibri"/>
                 <a:ea typeface="Calibri"/>
                 <a:cs typeface="Calibri"/>
                 <a:sym typeface="Calibri"/>
               </a:rPr>
-              <a:t>-02-2019</a:t>
-            </a:r>
-          </a:p>
-        </p:txBody>
-      </p:sp>
-      <p:sp>
-        <p:nvSpPr>
-          <p:cNvPr id="108" name="Shape 108"/>
-          <p:cNvSpPr txBox="1">
-            <a:spLocks noGrp="1"/>
-          </p:cNvSpPr>
-          <p:nvPr>
-            <p:ph type="ftr" idx="11"/>
-          </p:nvPr>
-        </p:nvSpPr>
-        <p:spPr>
-          <a:xfrm>
-            <a:off x="2965588" y="6356351"/>
-            <a:ext cx="3212824" cy="365125"/>
-          </a:xfrm>
-          <a:prstGeom prst="rect">
-            <a:avLst/>
-          </a:prstGeom>
-          <a:noFill/>
-          <a:ln>
-            <a:noFill/>
-          </a:ln>
-        </p:spPr>
-        <p:txBody>
-          <a:bodyPr spcFirstLastPara="1" wrap="square" lIns="91425" tIns="45700" rIns="91425" bIns="45700" anchor="ctr" anchorCtr="0">
-            <a:noAutofit/>
-          </a:bodyPr>
-          <a:lstStyle/>
-          <a:p>
-            <a:pPr marL="0" marR="0" lvl="0" indent="0" algn="ctr" rtl="0">
-              <a:spcBef>
-                <a:spcPts val="0"/>
-              </a:spcBef>
-              <a:spcAft>
-                <a:spcPts val="0"/>
-              </a:spcAft>
-              <a:buNone/>
-            </a:pPr>
-            <a:r>
-              <a:rPr lang="it-IT" sz="1200" b="0" i="0" u="none" strike="noStrike" cap="none" dirty="0">
-                <a:solidFill>
-                  <a:srgbClr val="888888"/>
-                </a:solidFill>
-                <a:latin typeface="Calibri"/>
-                <a:ea typeface="Calibri"/>
-                <a:cs typeface="Calibri"/>
-                <a:sym typeface="Calibri"/>
-              </a:rPr>
-              <a:t>Challenge 4.0 – Gruppo 1</a:t>
-            </a:r>
-            <a:endParaRPr sz="1200" b="0" i="0" u="sng" strike="noStrike" cap="none" dirty="0">
-              <a:solidFill>
-                <a:srgbClr val="888888"/>
-              </a:solidFill>
-              <a:latin typeface="Calibri"/>
-              <a:ea typeface="Calibri"/>
-              <a:cs typeface="Calibri"/>
-              <a:sym typeface="Calibri"/>
-            </a:endParaRPr>
-          </a:p>
-        </p:txBody>
-      </p:sp>
-      <p:sp>
-        <p:nvSpPr>
-          <p:cNvPr id="109" name="Shape 109"/>
-          <p:cNvSpPr txBox="1">
-            <a:spLocks noGrp="1"/>
-          </p:cNvSpPr>
-          <p:nvPr>
-            <p:ph type="sldNum" idx="12"/>
-          </p:nvPr>
-        </p:nvSpPr>
-        <p:spPr>
-          <a:xfrm>
-            <a:off x="6457950" y="6356351"/>
-            <a:ext cx="2057400" cy="365125"/>
-          </a:xfrm>
-          <a:prstGeom prst="rect">
-            <a:avLst/>
-          </a:prstGeom>
-          <a:noFill/>
-          <a:ln>
-            <a:noFill/>
-          </a:ln>
-        </p:spPr>
-        <p:txBody>
-          <a:bodyPr spcFirstLastPara="1" wrap="square" lIns="91425" tIns="45700" rIns="91425" bIns="45700" anchor="ctr" anchorCtr="0">
-            <a:noAutofit/>
-          </a:bodyPr>
-          <a:lstStyle/>
-          <a:p>
-            <a:pPr marL="0" marR="0" lvl="0" indent="0" algn="r" rtl="0">
-              <a:spcBef>
-                <a:spcPts val="0"/>
-              </a:spcBef>
-              <a:spcAft>
-                <a:spcPts val="0"/>
-              </a:spcAft>
-              <a:buNone/>
-            </a:pPr>
-            <a:fld id="{00000000-1234-1234-1234-123412341234}" type="slidenum">
-              <a:rPr lang="it-IT" sz="1200" b="0" i="0" u="none" strike="noStrike" cap="none">
-                <a:solidFill>
-                  <a:srgbClr val="888888"/>
-                </a:solidFill>
-                <a:latin typeface="Calibri"/>
-                <a:ea typeface="Calibri"/>
-                <a:cs typeface="Calibri"/>
-                <a:sym typeface="Calibri"/>
-              </a:rPr>
-              <a:t>3</a:t>
-            </a:fld>
-            <a:endParaRPr sz="1200" b="0" i="0" u="none" strike="noStrike" cap="none" dirty="0">
-              <a:solidFill>
-                <a:srgbClr val="888888"/>
-              </a:solidFill>
-              <a:latin typeface="Calibri"/>
-              <a:ea typeface="Calibri"/>
-              <a:cs typeface="Calibri"/>
-              <a:sym typeface="Calibri"/>
-            </a:endParaRPr>
-          </a:p>
-        </p:txBody>
-      </p:sp>
-      <p:sp>
-        <p:nvSpPr>
-          <p:cNvPr id="110" name="Shape 110"/>
-          <p:cNvSpPr txBox="1"/>
-          <p:nvPr/>
-        </p:nvSpPr>
-        <p:spPr>
-          <a:xfrm>
-            <a:off x="7203234" y="323174"/>
-            <a:ext cx="1689910" cy="523220"/>
-          </a:xfrm>
-          <a:prstGeom prst="rect">
-            <a:avLst/>
-          </a:prstGeom>
-          <a:noFill/>
-          <a:ln>
-            <a:noFill/>
-          </a:ln>
-        </p:spPr>
-        <p:txBody>
-          <a:bodyPr spcFirstLastPara="1" wrap="square" lIns="91425" tIns="45700" rIns="91425" bIns="45700" anchor="t" anchorCtr="0">
-            <a:noAutofit/>
-          </a:bodyPr>
-          <a:lstStyle/>
-          <a:p>
-            <a:pPr marL="0" marR="0" lvl="0" indent="0" algn="ctr" rtl="0">
-              <a:spcBef>
-                <a:spcPts val="0"/>
-              </a:spcBef>
-              <a:spcAft>
-                <a:spcPts val="0"/>
-              </a:spcAft>
-              <a:buNone/>
-            </a:pPr>
-            <a:r>
-              <a:rPr lang="it-IT" sz="1400" b="1" i="0" u="none" strike="noStrike" cap="none" dirty="0">
-                <a:solidFill>
-                  <a:schemeClr val="lt1"/>
-                </a:solidFill>
-                <a:latin typeface="Calibri"/>
-                <a:ea typeface="Calibri"/>
-                <a:cs typeface="Calibri"/>
-                <a:sym typeface="Calibri"/>
-              </a:rPr>
-              <a:t>Robotica autonoma</a:t>
-            </a:r>
-            <a:endParaRPr sz="1400" b="1" i="0" u="none" strike="noStrike" cap="none" dirty="0">
-              <a:solidFill>
-                <a:schemeClr val="lt1"/>
-              </a:solidFill>
-              <a:latin typeface="Calibri"/>
-              <a:ea typeface="Calibri"/>
-              <a:cs typeface="Calibri"/>
-              <a:sym typeface="Calibri"/>
-            </a:endParaRPr>
-          </a:p>
-          <a:p>
-            <a:pPr marL="0" marR="0" lvl="0" indent="0" algn="ctr" rtl="0">
-              <a:spcBef>
-                <a:spcPts val="0"/>
-              </a:spcBef>
-              <a:spcAft>
-                <a:spcPts val="0"/>
-              </a:spcAft>
-              <a:buNone/>
-            </a:pPr>
-            <a:r>
-              <a:rPr lang="it-IT" sz="1400" b="1" i="0" u="none" strike="noStrike" cap="none" dirty="0">
-                <a:solidFill>
-                  <a:schemeClr val="lt1"/>
-                </a:solidFill>
-                <a:latin typeface="Calibri"/>
-                <a:ea typeface="Calibri"/>
-                <a:cs typeface="Calibri"/>
-                <a:sym typeface="Calibri"/>
-              </a:rPr>
-              <a:t>A.A. 2018-2019</a:t>
-            </a:r>
-            <a:endParaRPr dirty="0"/>
-          </a:p>
-        </p:txBody>
-      </p:sp>
-      <p:sp>
-        <p:nvSpPr>
-          <p:cNvPr id="9" name="Shape 258">
-            <a:extLst>
-              <a:ext uri="{FF2B5EF4-FFF2-40B4-BE49-F238E27FC236}">
-                <a16:creationId xmlns:a16="http://schemas.microsoft.com/office/drawing/2014/main" id="{A54C0287-0E6E-40BD-91D9-E0D49E440971}"/>
-              </a:ext>
-            </a:extLst>
-          </p:cNvPr>
-          <p:cNvSpPr txBox="1"/>
-          <p:nvPr/>
-        </p:nvSpPr>
-        <p:spPr>
-          <a:xfrm>
-            <a:off x="5631325" y="5886550"/>
-            <a:ext cx="1645800" cy="307800"/>
-          </a:xfrm>
-          <a:prstGeom prst="rect">
-            <a:avLst/>
-          </a:prstGeom>
-          <a:noFill/>
-          <a:ln>
-            <a:noFill/>
-          </a:ln>
-        </p:spPr>
-        <p:txBody>
-          <a:bodyPr spcFirstLastPara="1" wrap="square" lIns="91425" tIns="45700" rIns="91425" bIns="45700" anchor="t" anchorCtr="0">
-            <a:noAutofit/>
-          </a:bodyPr>
-          <a:lstStyle/>
-          <a:p>
-            <a:pPr marL="0" marR="0" lvl="0" indent="0" algn="l" rtl="0">
-              <a:spcBef>
-                <a:spcPts val="0"/>
-              </a:spcBef>
-              <a:spcAft>
-                <a:spcPts val="0"/>
-              </a:spcAft>
-              <a:buNone/>
-            </a:pPr>
-            <a:r>
-              <a:rPr lang="it-IT" sz="1400" b="0" i="0" u="none" strike="noStrike" cap="none">
-                <a:solidFill>
-                  <a:schemeClr val="dk1"/>
-                </a:solidFill>
-                <a:latin typeface="Calibri"/>
-                <a:ea typeface="Calibri"/>
-                <a:cs typeface="Calibri"/>
-                <a:sym typeface="Calibri"/>
-              </a:rPr>
-              <a:t>Credit: </a:t>
-            </a:r>
-            <a:r>
-              <a:rPr lang="it-IT" u="sng">
-                <a:solidFill>
-                  <a:schemeClr val="hlink"/>
-                </a:solidFill>
-                <a:latin typeface="Calibri"/>
-                <a:ea typeface="Calibri"/>
-                <a:cs typeface="Calibri"/>
-                <a:sym typeface="Calibri"/>
-                <a:hlinkClick r:id="rId4"/>
-              </a:rPr>
-              <a:t>scottbcovert</a:t>
-            </a:r>
-            <a:endParaRPr sz="1400">
-              <a:solidFill>
-                <a:schemeClr val="dk1"/>
-              </a:solidFill>
-              <a:latin typeface="Calibri"/>
-              <a:ea typeface="Calibri"/>
-              <a:cs typeface="Calibri"/>
-              <a:sym typeface="Calibri"/>
-            </a:endParaRPr>
-          </a:p>
-        </p:txBody>
-      </p:sp>
-      <p:pic>
-        <p:nvPicPr>
-          <p:cNvPr id="10" name="Shape 259">
-            <a:extLst>
-              <a:ext uri="{FF2B5EF4-FFF2-40B4-BE49-F238E27FC236}">
-                <a16:creationId xmlns:a16="http://schemas.microsoft.com/office/drawing/2014/main" id="{D9909FDF-9481-4C8B-B030-0C3A13D86125}"/>
-              </a:ext>
-            </a:extLst>
-          </p:cNvPr>
-          <p:cNvPicPr preferRelativeResize="0"/>
-          <p:nvPr/>
-        </p:nvPicPr>
-        <p:blipFill>
-          <a:blip r:embed="rId5">
-            <a:alphaModFix/>
-          </a:blip>
-          <a:stretch>
-            <a:fillRect/>
-          </a:stretch>
-        </p:blipFill>
-        <p:spPr>
-          <a:xfrm>
-            <a:off x="1866888" y="1382750"/>
-            <a:ext cx="5410225" cy="4503800"/>
-          </a:xfrm>
-          <a:prstGeom prst="rect">
-            <a:avLst/>
-          </a:prstGeom>
-          <a:noFill/>
-          <a:ln>
-            <a:noFill/>
-          </a:ln>
-        </p:spPr>
-      </p:pic>
-    </p:spTree>
-    <p:extLst>
-      <p:ext uri="{BB962C8B-B14F-4D97-AF65-F5344CB8AC3E}">
-        <p14:creationId xmlns:p14="http://schemas.microsoft.com/office/powerpoint/2010/main" val="1926790023"/>
-      </p:ext>
-    </p:extLst>
-  </p:cSld>
-  <p:clrMapOvr>
-    <a:masterClrMapping/>
-  </p:clrMapOvr>
-</p:sld>
-</file>
-
-<file path=ppt/slides/slide4.xml><?xml version="1.0" encoding="utf-8"?>
-<p:sld xmlns:a="http://schemas.openxmlformats.org/drawingml/2006/main" xmlns:r="http://schemas.openxmlformats.org/officeDocument/2006/relationships" xmlns:p="http://schemas.openxmlformats.org/presentationml/2006/main">
-  <p:cSld>
-    <p:spTree>
-      <p:nvGrpSpPr>
-        <p:cNvPr id="1" name="Shape 104"/>
-        <p:cNvGrpSpPr/>
-        <p:nvPr/>
-      </p:nvGrpSpPr>
-      <p:grpSpPr>
-        <a:xfrm>
-          <a:off x="0" y="0"/>
-          <a:ext cx="0" cy="0"/>
-          <a:chOff x="0" y="0"/>
-          <a:chExt cx="0" cy="0"/>
-        </a:xfrm>
-      </p:grpSpPr>
-      <p:sp>
-        <p:nvSpPr>
-          <p:cNvPr id="105" name="Shape 105"/>
-          <p:cNvSpPr txBox="1">
-            <a:spLocks noGrp="1"/>
-          </p:cNvSpPr>
-          <p:nvPr>
-            <p:ph type="title"/>
-          </p:nvPr>
-        </p:nvSpPr>
-        <p:spPr>
-          <a:xfrm>
-            <a:off x="0" y="1937"/>
-            <a:ext cx="9144000" cy="1164711"/>
-          </a:xfrm>
-          <a:prstGeom prst="rect">
-            <a:avLst/>
-          </a:prstGeom>
-          <a:solidFill>
-            <a:srgbClr val="9B0014">
-              <a:alpha val="77254"/>
-            </a:srgbClr>
-          </a:solidFill>
-          <a:ln>
-            <a:noFill/>
-          </a:ln>
-        </p:spPr>
-        <p:txBody>
-          <a:bodyPr spcFirstLastPara="1" wrap="square" lIns="91425" tIns="45700" rIns="91425" bIns="45700" anchor="ctr" anchorCtr="0">
-            <a:noAutofit/>
-          </a:bodyPr>
-          <a:lstStyle/>
-          <a:p>
-            <a:pPr marL="0" marR="0" lvl="0" indent="0" algn="ctr" rtl="0">
-              <a:lnSpc>
-                <a:spcPct val="90000"/>
-              </a:lnSpc>
-              <a:spcBef>
-                <a:spcPts val="0"/>
-              </a:spcBef>
-              <a:spcAft>
-                <a:spcPts val="0"/>
-              </a:spcAft>
-              <a:buClr>
-                <a:schemeClr val="lt1"/>
-              </a:buClr>
-              <a:buSzPts val="4400"/>
-              <a:buFont typeface="Calibri"/>
-              <a:buNone/>
-            </a:pPr>
-            <a:r>
-              <a:rPr lang="it-IT" b="1" dirty="0">
-                <a:solidFill>
-                  <a:schemeClr val="lt1"/>
-                </a:solidFill>
-              </a:rPr>
-              <a:t>Thank </a:t>
-            </a:r>
-            <a:r>
-              <a:rPr lang="it-IT" b="1" dirty="0" err="1">
-                <a:solidFill>
-                  <a:schemeClr val="lt1"/>
-                </a:solidFill>
-              </a:rPr>
-              <a:t>you</a:t>
-            </a:r>
-            <a:r>
-              <a:rPr lang="it-IT" b="1" dirty="0">
-                <a:solidFill>
-                  <a:schemeClr val="lt1"/>
-                </a:solidFill>
-              </a:rPr>
-              <a:t> </a:t>
-            </a:r>
-            <a:r>
-              <a:rPr lang="it-IT" b="1" dirty="0" err="1">
-                <a:solidFill>
-                  <a:schemeClr val="lt1"/>
-                </a:solidFill>
-              </a:rPr>
-              <a:t>all</a:t>
-            </a:r>
-            <a:r>
-              <a:rPr lang="it-IT" b="1" dirty="0">
-                <a:solidFill>
-                  <a:schemeClr val="lt1"/>
-                </a:solidFill>
-              </a:rPr>
-              <a:t>!</a:t>
+              <a:t>Percezione</a:t>
             </a:r>
             <a:endParaRPr sz="4400" b="1" i="0" u="none" strike="noStrike" cap="none" dirty="0">
               <a:solidFill>
@@ -18591,6 +22572,624 @@
                 <a:cs typeface="Calibri"/>
                 <a:sym typeface="Calibri"/>
               </a:rPr>
+              <a:t>3</a:t>
+            </a:fld>
+            <a:endParaRPr sz="1200" b="0" i="0" u="none" strike="noStrike" cap="none" dirty="0">
+              <a:solidFill>
+                <a:srgbClr val="888888"/>
+              </a:solidFill>
+              <a:latin typeface="Calibri"/>
+              <a:ea typeface="Calibri"/>
+              <a:cs typeface="Calibri"/>
+              <a:sym typeface="Calibri"/>
+            </a:endParaRPr>
+          </a:p>
+        </p:txBody>
+      </p:sp>
+      <p:sp>
+        <p:nvSpPr>
+          <p:cNvPr id="110" name="Shape 110"/>
+          <p:cNvSpPr txBox="1"/>
+          <p:nvPr/>
+        </p:nvSpPr>
+        <p:spPr>
+          <a:xfrm>
+            <a:off x="7203234" y="323174"/>
+            <a:ext cx="1689910" cy="523220"/>
+          </a:xfrm>
+          <a:prstGeom prst="rect">
+            <a:avLst/>
+          </a:prstGeom>
+          <a:noFill/>
+          <a:ln>
+            <a:noFill/>
+          </a:ln>
+        </p:spPr>
+        <p:txBody>
+          <a:bodyPr spcFirstLastPara="1" wrap="square" lIns="91425" tIns="45700" rIns="91425" bIns="45700" anchor="t" anchorCtr="0">
+            <a:noAutofit/>
+          </a:bodyPr>
+          <a:lstStyle/>
+          <a:p>
+            <a:pPr marL="0" marR="0" lvl="0" indent="0" algn="ctr" rtl="0">
+              <a:spcBef>
+                <a:spcPts val="0"/>
+              </a:spcBef>
+              <a:spcAft>
+                <a:spcPts val="0"/>
+              </a:spcAft>
+              <a:buNone/>
+            </a:pPr>
+            <a:r>
+              <a:rPr lang="it-IT" sz="1400" b="1" i="0" u="none" strike="noStrike" cap="none" dirty="0">
+                <a:solidFill>
+                  <a:schemeClr val="lt1"/>
+                </a:solidFill>
+                <a:latin typeface="Calibri"/>
+                <a:ea typeface="Calibri"/>
+                <a:cs typeface="Calibri"/>
+                <a:sym typeface="Calibri"/>
+              </a:rPr>
+              <a:t>Robotica autonoma</a:t>
+            </a:r>
+            <a:endParaRPr sz="1400" b="1" i="0" u="none" strike="noStrike" cap="none" dirty="0">
+              <a:solidFill>
+                <a:schemeClr val="lt1"/>
+              </a:solidFill>
+              <a:latin typeface="Calibri"/>
+              <a:ea typeface="Calibri"/>
+              <a:cs typeface="Calibri"/>
+              <a:sym typeface="Calibri"/>
+            </a:endParaRPr>
+          </a:p>
+          <a:p>
+            <a:pPr marL="0" marR="0" lvl="0" indent="0" algn="ctr" rtl="0">
+              <a:spcBef>
+                <a:spcPts val="0"/>
+              </a:spcBef>
+              <a:spcAft>
+                <a:spcPts val="0"/>
+              </a:spcAft>
+              <a:buNone/>
+            </a:pPr>
+            <a:r>
+              <a:rPr lang="it-IT" sz="1400" b="1" i="0" u="none" strike="noStrike" cap="none" dirty="0">
+                <a:solidFill>
+                  <a:schemeClr val="lt1"/>
+                </a:solidFill>
+                <a:latin typeface="Calibri"/>
+                <a:ea typeface="Calibri"/>
+                <a:cs typeface="Calibri"/>
+                <a:sym typeface="Calibri"/>
+              </a:rPr>
+              <a:t>A.A. 2018-2019</a:t>
+            </a:r>
+            <a:endParaRPr dirty="0"/>
+          </a:p>
+        </p:txBody>
+      </p:sp>
+      <p:sp>
+        <p:nvSpPr>
+          <p:cNvPr id="111" name="Shape 111"/>
+          <p:cNvSpPr txBox="1"/>
+          <p:nvPr/>
+        </p:nvSpPr>
+        <p:spPr>
+          <a:xfrm>
+            <a:off x="1110344" y="2392136"/>
+            <a:ext cx="6629315" cy="3000821"/>
+          </a:xfrm>
+          <a:prstGeom prst="rect">
+            <a:avLst/>
+          </a:prstGeom>
+          <a:noFill/>
+          <a:ln>
+            <a:noFill/>
+          </a:ln>
+        </p:spPr>
+        <p:txBody>
+          <a:bodyPr spcFirstLastPara="1" wrap="square" lIns="91425" tIns="45700" rIns="91425" bIns="45700" anchor="t" anchorCtr="0">
+            <a:noAutofit/>
+          </a:bodyPr>
+          <a:lstStyle/>
+          <a:p>
+            <a:pPr marL="244475" marR="0" lvl="0" indent="-244475" algn="l" rtl="0">
+              <a:spcBef>
+                <a:spcPts val="0"/>
+              </a:spcBef>
+              <a:spcAft>
+                <a:spcPts val="0"/>
+              </a:spcAft>
+              <a:buClr>
+                <a:srgbClr val="9B0014"/>
+              </a:buClr>
+              <a:buSzPts val="2600"/>
+              <a:buFont typeface="Noto Sans Symbols"/>
+              <a:buChar char="▪"/>
+            </a:pPr>
+            <a:r>
+              <a:rPr lang="it-IT" sz="2600" dirty="0" err="1">
+                <a:solidFill>
+                  <a:schemeClr val="dk1"/>
+                </a:solidFill>
+                <a:latin typeface="Calibri"/>
+                <a:ea typeface="Calibri"/>
+                <a:cs typeface="Calibri"/>
+                <a:sym typeface="Calibri"/>
+              </a:rPr>
+              <a:t>Listener</a:t>
+            </a:r>
+            <a:r>
+              <a:rPr lang="it-IT" sz="2600" dirty="0">
+                <a:solidFill>
+                  <a:schemeClr val="dk1"/>
+                </a:solidFill>
+                <a:latin typeface="Calibri"/>
+                <a:ea typeface="Calibri"/>
+                <a:cs typeface="Calibri"/>
+                <a:sym typeface="Calibri"/>
+              </a:rPr>
+              <a:t> dal modulo </a:t>
+            </a:r>
+            <a:r>
+              <a:rPr lang="it-IT" sz="2600" i="1" dirty="0" err="1">
+                <a:solidFill>
+                  <a:schemeClr val="dk1"/>
+                </a:solidFill>
+                <a:latin typeface="Calibri"/>
+                <a:ea typeface="Calibri"/>
+                <a:cs typeface="Calibri"/>
+                <a:sym typeface="Calibri"/>
+              </a:rPr>
+              <a:t>apriltags</a:t>
+            </a:r>
+            <a:endParaRPr lang="it-IT" sz="2600" i="1" dirty="0">
+              <a:solidFill>
+                <a:schemeClr val="dk1"/>
+              </a:solidFill>
+              <a:latin typeface="Calibri"/>
+              <a:ea typeface="Calibri"/>
+              <a:cs typeface="Calibri"/>
+              <a:sym typeface="Calibri"/>
+            </a:endParaRPr>
+          </a:p>
+          <a:p>
+            <a:pPr marL="244475" marR="0" lvl="0" indent="-244475" algn="l" rtl="0">
+              <a:spcBef>
+                <a:spcPts val="0"/>
+              </a:spcBef>
+              <a:spcAft>
+                <a:spcPts val="0"/>
+              </a:spcAft>
+              <a:buClr>
+                <a:srgbClr val="9B0014"/>
+              </a:buClr>
+              <a:buSzPts val="2600"/>
+              <a:buFont typeface="Noto Sans Symbols"/>
+              <a:buChar char="▪"/>
+            </a:pPr>
+            <a:r>
+              <a:rPr lang="it-IT" sz="2600" dirty="0">
+                <a:solidFill>
+                  <a:schemeClr val="dk1"/>
+                </a:solidFill>
+                <a:latin typeface="Calibri"/>
+                <a:ea typeface="Calibri"/>
+                <a:cs typeface="Calibri"/>
+                <a:sym typeface="Calibri"/>
+              </a:rPr>
+              <a:t>Trasformazione pose in </a:t>
+            </a:r>
+            <a:r>
+              <a:rPr lang="it-IT" sz="2600" i="1" dirty="0">
+                <a:solidFill>
+                  <a:schemeClr val="dk1"/>
+                </a:solidFill>
+                <a:latin typeface="Calibri"/>
+                <a:ea typeface="Calibri"/>
+                <a:cs typeface="Calibri"/>
+                <a:sym typeface="Calibri"/>
+              </a:rPr>
+              <a:t>world</a:t>
+            </a:r>
+            <a:endParaRPr lang="it-IT" sz="2600" dirty="0">
+              <a:solidFill>
+                <a:schemeClr val="dk1"/>
+              </a:solidFill>
+              <a:latin typeface="Calibri"/>
+              <a:ea typeface="Calibri"/>
+              <a:cs typeface="Calibri"/>
+              <a:sym typeface="Calibri"/>
+            </a:endParaRPr>
+          </a:p>
+          <a:p>
+            <a:pPr marL="244475" marR="0" lvl="0" indent="-244475" algn="l" rtl="0">
+              <a:spcBef>
+                <a:spcPts val="0"/>
+              </a:spcBef>
+              <a:spcAft>
+                <a:spcPts val="0"/>
+              </a:spcAft>
+              <a:buClr>
+                <a:srgbClr val="9B0014"/>
+              </a:buClr>
+              <a:buSzPts val="2600"/>
+              <a:buFont typeface="Noto Sans Symbols"/>
+              <a:buChar char="▪"/>
+            </a:pPr>
+            <a:r>
+              <a:rPr lang="it-IT" sz="2600" dirty="0">
+                <a:solidFill>
+                  <a:schemeClr val="dk1"/>
+                </a:solidFill>
+                <a:latin typeface="Calibri"/>
+                <a:ea typeface="Calibri"/>
+                <a:cs typeface="Calibri"/>
+                <a:sym typeface="Calibri"/>
+              </a:rPr>
+              <a:t>Offset per la simulazione</a:t>
+            </a:r>
+          </a:p>
+          <a:p>
+            <a:pPr marL="244475" marR="0" lvl="0" indent="-244475" algn="l" rtl="0">
+              <a:spcBef>
+                <a:spcPts val="0"/>
+              </a:spcBef>
+              <a:spcAft>
+                <a:spcPts val="0"/>
+              </a:spcAft>
+              <a:buClr>
+                <a:srgbClr val="9B0014"/>
+              </a:buClr>
+              <a:buSzPts val="2600"/>
+              <a:buFont typeface="Noto Sans Symbols"/>
+              <a:buChar char="▪"/>
+            </a:pPr>
+            <a:r>
+              <a:rPr lang="it-IT" sz="2600" dirty="0">
+                <a:solidFill>
+                  <a:schemeClr val="dk1"/>
+                </a:solidFill>
+                <a:latin typeface="Calibri"/>
+                <a:ea typeface="Calibri"/>
+                <a:cs typeface="Calibri"/>
+                <a:sym typeface="Calibri"/>
+              </a:rPr>
+              <a:t>Pubblicazione lista tag: prendere e lasciare</a:t>
+            </a:r>
+          </a:p>
+          <a:p>
+            <a:pPr marL="244475" marR="0" lvl="0" indent="-244475" algn="l" rtl="0">
+              <a:spcBef>
+                <a:spcPts val="0"/>
+              </a:spcBef>
+              <a:spcAft>
+                <a:spcPts val="0"/>
+              </a:spcAft>
+              <a:buClr>
+                <a:srgbClr val="9B0014"/>
+              </a:buClr>
+              <a:buSzPts val="2600"/>
+              <a:buFont typeface="Noto Sans Symbols"/>
+              <a:buChar char="▪"/>
+            </a:pPr>
+            <a:r>
+              <a:rPr lang="it-IT" sz="2600" dirty="0">
+                <a:solidFill>
+                  <a:schemeClr val="dk1"/>
+                </a:solidFill>
+                <a:latin typeface="Calibri"/>
+                <a:ea typeface="Calibri"/>
+                <a:cs typeface="Calibri"/>
+                <a:sym typeface="Calibri"/>
+              </a:rPr>
+              <a:t>Funzionamento singolo o in continuo</a:t>
+            </a:r>
+          </a:p>
+        </p:txBody>
+      </p:sp>
+    </p:spTree>
+    <p:extLst>
+      <p:ext uri="{BB962C8B-B14F-4D97-AF65-F5344CB8AC3E}">
+        <p14:creationId xmlns:p14="http://schemas.microsoft.com/office/powerpoint/2010/main" val="3377278580"/>
+      </p:ext>
+    </p:extLst>
+  </p:cSld>
+  <p:clrMapOvr>
+    <a:masterClrMapping/>
+  </p:clrMapOvr>
+</p:sld>
+</file>
+
+<file path=ppt/slides/slide4.xml><?xml version="1.0" encoding="utf-8"?>
+<p:sld xmlns:a="http://schemas.openxmlformats.org/drawingml/2006/main" xmlns:r="http://schemas.openxmlformats.org/officeDocument/2006/relationships" xmlns:p="http://schemas.openxmlformats.org/presentationml/2006/main">
+  <p:cSld>
+    <p:spTree>
+      <p:nvGrpSpPr>
+        <p:cNvPr id="1" name="Shape 104"/>
+        <p:cNvGrpSpPr/>
+        <p:nvPr/>
+      </p:nvGrpSpPr>
+      <p:grpSpPr>
+        <a:xfrm>
+          <a:off x="0" y="0"/>
+          <a:ext cx="0" cy="0"/>
+          <a:chOff x="0" y="0"/>
+          <a:chExt cx="0" cy="0"/>
+        </a:xfrm>
+      </p:grpSpPr>
+      <p:sp>
+        <p:nvSpPr>
+          <p:cNvPr id="105" name="Shape 105"/>
+          <p:cNvSpPr txBox="1">
+            <a:spLocks noGrp="1"/>
+          </p:cNvSpPr>
+          <p:nvPr>
+            <p:ph type="title"/>
+          </p:nvPr>
+        </p:nvSpPr>
+        <p:spPr>
+          <a:xfrm>
+            <a:off x="0" y="1937"/>
+            <a:ext cx="9144000" cy="1164711"/>
+          </a:xfrm>
+          <a:prstGeom prst="rect">
+            <a:avLst/>
+          </a:prstGeom>
+          <a:solidFill>
+            <a:srgbClr val="9B0014">
+              <a:alpha val="77254"/>
+            </a:srgbClr>
+          </a:solidFill>
+          <a:ln>
+            <a:noFill/>
+          </a:ln>
+        </p:spPr>
+        <p:txBody>
+          <a:bodyPr spcFirstLastPara="1" wrap="square" lIns="91425" tIns="45700" rIns="91425" bIns="45700" anchor="ctr" anchorCtr="0">
+            <a:noAutofit/>
+          </a:bodyPr>
+          <a:lstStyle/>
+          <a:p>
+            <a:pPr marL="0" marR="0" lvl="0" indent="0" algn="ctr" rtl="0">
+              <a:lnSpc>
+                <a:spcPct val="90000"/>
+              </a:lnSpc>
+              <a:spcBef>
+                <a:spcPts val="0"/>
+              </a:spcBef>
+              <a:spcAft>
+                <a:spcPts val="0"/>
+              </a:spcAft>
+              <a:buClr>
+                <a:schemeClr val="lt1"/>
+              </a:buClr>
+              <a:buSzPts val="4400"/>
+              <a:buFont typeface="Calibri"/>
+              <a:buNone/>
+            </a:pPr>
+            <a:r>
+              <a:rPr lang="it-IT" sz="4400" b="1" i="0" u="none" strike="noStrike" cap="none" dirty="0">
+                <a:solidFill>
+                  <a:schemeClr val="lt1"/>
+                </a:solidFill>
+                <a:latin typeface="Calibri"/>
+                <a:ea typeface="Calibri"/>
+                <a:cs typeface="Calibri"/>
+                <a:sym typeface="Calibri"/>
+              </a:rPr>
+              <a:t>P – soluzioni</a:t>
+            </a:r>
+            <a:endParaRPr sz="4400" b="1" i="0" u="none" strike="noStrike" cap="none" dirty="0">
+              <a:solidFill>
+                <a:schemeClr val="lt1"/>
+              </a:solidFill>
+              <a:latin typeface="Calibri"/>
+              <a:ea typeface="Calibri"/>
+              <a:cs typeface="Calibri"/>
+              <a:sym typeface="Calibri"/>
+            </a:endParaRPr>
+          </a:p>
+        </p:txBody>
+      </p:sp>
+      <p:pic>
+        <p:nvPicPr>
+          <p:cNvPr id="106" name="Shape 106"/>
+          <p:cNvPicPr preferRelativeResize="0">
+            <a:picLocks noGrp="1"/>
+          </p:cNvPicPr>
+          <p:nvPr>
+            <p:ph type="body" idx="1"/>
+          </p:nvPr>
+        </p:nvPicPr>
+        <p:blipFill rotWithShape="1">
+          <a:blip r:embed="rId3">
+            <a:alphaModFix/>
+          </a:blip>
+          <a:srcRect/>
+          <a:stretch/>
+        </p:blipFill>
+        <p:spPr>
+          <a:xfrm>
+            <a:off x="169314" y="131158"/>
+            <a:ext cx="958788" cy="909366"/>
+          </a:xfrm>
+          <a:prstGeom prst="rect">
+            <a:avLst/>
+          </a:prstGeom>
+          <a:noFill/>
+          <a:ln>
+            <a:noFill/>
+          </a:ln>
+        </p:spPr>
+      </p:pic>
+      <p:sp>
+        <p:nvSpPr>
+          <p:cNvPr id="107" name="Shape 107"/>
+          <p:cNvSpPr txBox="1">
+            <a:spLocks noGrp="1"/>
+          </p:cNvSpPr>
+          <p:nvPr>
+            <p:ph type="dt" idx="10"/>
+          </p:nvPr>
+        </p:nvSpPr>
+        <p:spPr>
+          <a:xfrm>
+            <a:off x="628650" y="6356351"/>
+            <a:ext cx="2057400" cy="365125"/>
+          </a:xfrm>
+          <a:prstGeom prst="rect">
+            <a:avLst/>
+          </a:prstGeom>
+          <a:noFill/>
+          <a:ln>
+            <a:noFill/>
+          </a:ln>
+        </p:spPr>
+        <p:txBody>
+          <a:bodyPr spcFirstLastPara="1" wrap="square" lIns="91425" tIns="45700" rIns="91425" bIns="45700" anchor="ctr" anchorCtr="0">
+            <a:noAutofit/>
+          </a:bodyPr>
+          <a:lstStyle/>
+          <a:p>
+            <a:pPr marL="0" marR="0" lvl="0" indent="0" algn="l" rtl="0">
+              <a:spcBef>
+                <a:spcPts val="0"/>
+              </a:spcBef>
+              <a:spcAft>
+                <a:spcPts val="0"/>
+              </a:spcAft>
+              <a:buNone/>
+            </a:pPr>
+            <a:r>
+              <a:rPr lang="it-IT" dirty="0"/>
+              <a:t>22</a:t>
+            </a:r>
+            <a:r>
+              <a:rPr lang="it-IT" sz="1200" b="0" i="0" u="none" strike="noStrike" cap="none" dirty="0">
+                <a:solidFill>
+                  <a:srgbClr val="888888"/>
+                </a:solidFill>
+                <a:latin typeface="Calibri"/>
+                <a:ea typeface="Calibri"/>
+                <a:cs typeface="Calibri"/>
+                <a:sym typeface="Calibri"/>
+              </a:rPr>
+              <a:t>-02-2019</a:t>
+            </a:r>
+          </a:p>
+        </p:txBody>
+      </p:sp>
+      <p:sp>
+        <p:nvSpPr>
+          <p:cNvPr id="108" name="Shape 108"/>
+          <p:cNvSpPr txBox="1">
+            <a:spLocks noGrp="1"/>
+          </p:cNvSpPr>
+          <p:nvPr>
+            <p:ph type="ftr" idx="11"/>
+          </p:nvPr>
+        </p:nvSpPr>
+        <p:spPr>
+          <a:xfrm>
+            <a:off x="2965588" y="6356351"/>
+            <a:ext cx="3212824" cy="365125"/>
+          </a:xfrm>
+          <a:prstGeom prst="rect">
+            <a:avLst/>
+          </a:prstGeom>
+          <a:noFill/>
+          <a:ln>
+            <a:noFill/>
+          </a:ln>
+        </p:spPr>
+        <p:txBody>
+          <a:bodyPr spcFirstLastPara="1" wrap="square" lIns="91425" tIns="45700" rIns="91425" bIns="45700" anchor="ctr" anchorCtr="0">
+            <a:noAutofit/>
+          </a:bodyPr>
+          <a:lstStyle/>
+          <a:p>
+            <a:pPr marL="0" marR="0" lvl="0" indent="0" algn="ctr" rtl="0">
+              <a:spcBef>
+                <a:spcPts val="0"/>
+              </a:spcBef>
+              <a:spcAft>
+                <a:spcPts val="0"/>
+              </a:spcAft>
+              <a:buNone/>
+            </a:pPr>
+            <a:r>
+              <a:rPr lang="it-IT" sz="1200" b="0" i="0" u="none" strike="noStrike" cap="none" dirty="0">
+                <a:solidFill>
+                  <a:srgbClr val="888888"/>
+                </a:solidFill>
+                <a:latin typeface="Calibri"/>
+                <a:ea typeface="Calibri"/>
+                <a:cs typeface="Calibri"/>
+                <a:sym typeface="Calibri"/>
+              </a:rPr>
+              <a:t>Challenge 4.0 – Gruppo 1</a:t>
+            </a:r>
+            <a:endParaRPr sz="1200" b="0" i="0" u="sng" strike="noStrike" cap="none" dirty="0">
+              <a:solidFill>
+                <a:srgbClr val="888888"/>
+              </a:solidFill>
+              <a:latin typeface="Calibri"/>
+              <a:ea typeface="Calibri"/>
+              <a:cs typeface="Calibri"/>
+              <a:sym typeface="Calibri"/>
+            </a:endParaRPr>
+          </a:p>
+        </p:txBody>
+      </p:sp>
+      <p:sp>
+        <p:nvSpPr>
+          <p:cNvPr id="109" name="Shape 109"/>
+          <p:cNvSpPr txBox="1">
+            <a:spLocks noGrp="1"/>
+          </p:cNvSpPr>
+          <p:nvPr>
+            <p:ph type="sldNum" idx="12"/>
+          </p:nvPr>
+        </p:nvSpPr>
+        <p:spPr>
+          <a:xfrm>
+            <a:off x="6457950" y="6356351"/>
+            <a:ext cx="2057400" cy="365125"/>
+          </a:xfrm>
+          <a:prstGeom prst="rect">
+            <a:avLst/>
+          </a:prstGeom>
+          <a:noFill/>
+          <a:ln>
+            <a:noFill/>
+          </a:ln>
+        </p:spPr>
+        <p:txBody>
+          <a:bodyPr spcFirstLastPara="1" wrap="square" lIns="91425" tIns="45700" rIns="91425" bIns="45700" anchor="ctr" anchorCtr="0">
+            <a:noAutofit/>
+          </a:bodyPr>
+          <a:lstStyle/>
+          <a:p>
+            <a:pPr marL="0" marR="0" lvl="0" indent="0" algn="r" rtl="0">
+              <a:spcBef>
+                <a:spcPts val="0"/>
+              </a:spcBef>
+              <a:spcAft>
+                <a:spcPts val="0"/>
+              </a:spcAft>
+              <a:buNone/>
+            </a:pPr>
+            <a:fld id="{00000000-1234-1234-1234-123412341234}" type="slidenum">
+              <a:rPr lang="it-IT" sz="1200" b="0" i="0" u="none" strike="noStrike" cap="none">
+                <a:solidFill>
+                  <a:srgbClr val="888888"/>
+                </a:solidFill>
+                <a:latin typeface="Calibri"/>
+                <a:ea typeface="Calibri"/>
+                <a:cs typeface="Calibri"/>
+                <a:sym typeface="Calibri"/>
+              </a:rPr>
               <a:t>4</a:t>
             </a:fld>
             <a:endParaRPr sz="1200" b="0" i="0" u="none" strike="noStrike" cap="none" dirty="0">
@@ -18687,55 +23286,16 @@
           </a:p>
         </p:txBody>
       </p:sp>
-      <p:pic>
-        <p:nvPicPr>
-          <p:cNvPr id="11" name="Shape 274">
-            <a:extLst>
-              <a:ext uri="{FF2B5EF4-FFF2-40B4-BE49-F238E27FC236}">
-                <a16:creationId xmlns:a16="http://schemas.microsoft.com/office/drawing/2014/main" id="{D056F478-8016-436A-B5D0-2CE7B2AC5E32}"/>
-              </a:ext>
-            </a:extLst>
-          </p:cNvPr>
-          <p:cNvPicPr preferRelativeResize="0"/>
-          <p:nvPr/>
-        </p:nvPicPr>
-        <p:blipFill rotWithShape="1">
-          <a:blip r:embed="rId4">
-            <a:alphaModFix/>
-          </a:blip>
-          <a:srcRect/>
-          <a:stretch/>
-        </p:blipFill>
-        <p:spPr>
-          <a:xfrm>
-            <a:off x="1228725" y="1527887"/>
-            <a:ext cx="6686550" cy="4467225"/>
-          </a:xfrm>
-          <a:prstGeom prst="rect">
-            <a:avLst/>
-          </a:prstGeom>
-          <a:noFill/>
-          <a:ln>
-            <a:noFill/>
-          </a:ln>
-        </p:spPr>
-      </p:pic>
       <p:sp>
         <p:nvSpPr>
-          <p:cNvPr id="12" name="Shape 275">
-            <a:extLst>
-              <a:ext uri="{FF2B5EF4-FFF2-40B4-BE49-F238E27FC236}">
-                <a16:creationId xmlns:a16="http://schemas.microsoft.com/office/drawing/2014/main" id="{76446E34-1416-4F7A-9EE6-DEB376C32B32}"/>
-              </a:ext>
-            </a:extLst>
-          </p:cNvPr>
+          <p:cNvPr id="111" name="Shape 111"/>
           <p:cNvSpPr txBox="1"/>
           <p:nvPr/>
         </p:nvSpPr>
         <p:spPr>
           <a:xfrm>
-            <a:off x="6433651" y="5991794"/>
-            <a:ext cx="1481624" cy="307777"/>
+            <a:off x="1110344" y="2392136"/>
+            <a:ext cx="6629315" cy="3000821"/>
           </a:xfrm>
           <a:prstGeom prst="rect">
             <a:avLst/>
@@ -18751,17 +23311,22 @@
           </a:bodyPr>
           <a:lstStyle/>
           <a:p>
-            <a:pPr marL="0" marR="0" lvl="0" indent="0" algn="l" rtl="0">
-              <a:spcBef>
-                <a:spcPts val="0"/>
-              </a:spcBef>
-              <a:spcAft>
-                <a:spcPts val="0"/>
-              </a:spcAft>
-              <a:buNone/>
+            <a:pPr marL="263525" marR="0" lvl="0" indent="-244475" algn="l" rtl="0">
+              <a:spcBef>
+                <a:spcPts val="0"/>
+              </a:spcBef>
+              <a:spcAft>
+                <a:spcPts val="0"/>
+              </a:spcAft>
+              <a:buClr>
+                <a:srgbClr val="9B0014"/>
+              </a:buClr>
+              <a:buSzPts val="2600"/>
+              <a:buFont typeface="Noto Sans Symbols"/>
+              <a:buChar char="▪"/>
             </a:pPr>
             <a:r>
-              <a:rPr lang="it-IT" sz="1400">
+              <a:rPr lang="it-IT" sz="2600" dirty="0">
                 <a:solidFill>
                   <a:schemeClr val="dk1"/>
                 </a:solidFill>
@@ -18770,22 +23335,2282 @@
                 <a:cs typeface="Calibri"/>
                 <a:sym typeface="Calibri"/>
               </a:rPr>
-              <a:t>Credit: </a:t>
+              <a:t>Messaggi personalizzati </a:t>
             </a:r>
             <a:r>
-              <a:rPr lang="it-IT" sz="1400" u="sng">
-                <a:solidFill>
-                  <a:schemeClr val="hlink"/>
-                </a:solidFill>
-                <a:latin typeface="Calibri"/>
-                <a:ea typeface="Calibri"/>
-                <a:cs typeface="Calibri"/>
-                <a:sym typeface="Calibri"/>
-                <a:hlinkClick r:id="rId5"/>
+              <a:rPr lang="it-IT" sz="2600" i="1" dirty="0" err="1">
+                <a:solidFill>
+                  <a:schemeClr val="dk1"/>
+                </a:solidFill>
+                <a:latin typeface="Calibri"/>
+                <a:ea typeface="Calibri"/>
+                <a:cs typeface="Calibri"/>
+                <a:sym typeface="Calibri"/>
               </a:rPr>
-              <a:t>Geekulcha</a:t>
+              <a:t>PoseStampedArray</a:t>
             </a:r>
-            <a:endParaRPr sz="1400">
+            <a:r>
+              <a:rPr lang="it-IT" sz="2600" dirty="0">
+                <a:solidFill>
+                  <a:schemeClr val="dk1"/>
+                </a:solidFill>
+                <a:latin typeface="Calibri"/>
+                <a:ea typeface="Calibri"/>
+                <a:cs typeface="Calibri"/>
+                <a:sym typeface="Calibri"/>
+              </a:rPr>
+              <a:t>:</a:t>
+            </a:r>
+            <a:br>
+              <a:rPr lang="it-IT" sz="2600" dirty="0">
+                <a:solidFill>
+                  <a:schemeClr val="dk1"/>
+                </a:solidFill>
+                <a:latin typeface="Calibri"/>
+                <a:ea typeface="Calibri"/>
+                <a:cs typeface="Calibri"/>
+                <a:sym typeface="Calibri"/>
+              </a:rPr>
+            </a:br>
+            <a:r>
+              <a:rPr lang="it-IT" sz="2600" dirty="0">
+                <a:solidFill>
+                  <a:schemeClr val="dk1"/>
+                </a:solidFill>
+                <a:latin typeface="Calibri"/>
+                <a:ea typeface="Calibri"/>
+                <a:cs typeface="Calibri"/>
+                <a:sym typeface="Calibri"/>
+              </a:rPr>
+              <a:t>per passare pose </a:t>
+            </a:r>
+            <a:r>
+              <a:rPr lang="it-IT" sz="2600" i="1" dirty="0">
+                <a:solidFill>
+                  <a:schemeClr val="dk1"/>
+                </a:solidFill>
+                <a:latin typeface="Calibri"/>
+                <a:ea typeface="Calibri"/>
+                <a:cs typeface="Calibri"/>
+                <a:sym typeface="Calibri"/>
+              </a:rPr>
+              <a:t>e</a:t>
+            </a:r>
+            <a:r>
+              <a:rPr lang="it-IT" sz="2600" dirty="0">
+                <a:solidFill>
+                  <a:schemeClr val="dk1"/>
+                </a:solidFill>
+                <a:latin typeface="Calibri"/>
+                <a:ea typeface="Calibri"/>
+                <a:cs typeface="Calibri"/>
+                <a:sym typeface="Calibri"/>
+              </a:rPr>
+              <a:t> nomi tag, + frame di </a:t>
+            </a:r>
+            <a:r>
+              <a:rPr lang="it-IT" sz="2600" dirty="0" err="1">
+                <a:solidFill>
+                  <a:schemeClr val="dk1"/>
+                </a:solidFill>
+                <a:latin typeface="Calibri"/>
+                <a:ea typeface="Calibri"/>
+                <a:cs typeface="Calibri"/>
+                <a:sym typeface="Calibri"/>
+              </a:rPr>
+              <a:t>rif.</a:t>
+            </a:r>
+            <a:endParaRPr lang="it-IT" sz="2600" dirty="0">
+              <a:solidFill>
+                <a:schemeClr val="dk1"/>
+              </a:solidFill>
+              <a:latin typeface="Calibri"/>
+              <a:ea typeface="Calibri"/>
+              <a:cs typeface="Calibri"/>
+              <a:sym typeface="Calibri"/>
+            </a:endParaRPr>
+          </a:p>
+          <a:p>
+            <a:pPr marL="263525" lvl="0" indent="-244475">
+              <a:buClr>
+                <a:srgbClr val="9B0014"/>
+              </a:buClr>
+              <a:buSzPts val="2600"/>
+              <a:buFont typeface="Noto Sans Symbols"/>
+              <a:buChar char="▪"/>
+            </a:pPr>
+            <a:r>
+              <a:rPr lang="it-IT" sz="2600" dirty="0">
+                <a:solidFill>
+                  <a:schemeClr val="dk1"/>
+                </a:solidFill>
+                <a:latin typeface="Calibri"/>
+                <a:ea typeface="Calibri"/>
+                <a:cs typeface="Calibri"/>
+                <a:sym typeface="Calibri"/>
+              </a:rPr>
+              <a:t>Frame dei prismi triangolari da girare:</a:t>
+            </a:r>
+            <a:br>
+              <a:rPr lang="it-IT" sz="2600" dirty="0">
+                <a:solidFill>
+                  <a:schemeClr val="dk1"/>
+                </a:solidFill>
+                <a:latin typeface="Calibri"/>
+                <a:ea typeface="Calibri"/>
+                <a:cs typeface="Calibri"/>
+                <a:sym typeface="Calibri"/>
+              </a:rPr>
+            </a:br>
+            <a:r>
+              <a:rPr lang="it-IT" sz="2600" dirty="0">
+                <a:solidFill>
+                  <a:schemeClr val="dk1"/>
+                </a:solidFill>
+                <a:latin typeface="Calibri"/>
+                <a:ea typeface="Calibri"/>
+                <a:cs typeface="Calibri"/>
+                <a:sym typeface="Calibri"/>
+              </a:rPr>
+              <a:t>mesh per </a:t>
+            </a:r>
+            <a:r>
+              <a:rPr lang="it-IT" sz="2600" dirty="0" err="1">
+                <a:solidFill>
+                  <a:schemeClr val="dk1"/>
+                </a:solidFill>
+                <a:latin typeface="Calibri"/>
+                <a:ea typeface="Calibri"/>
+                <a:cs typeface="Calibri"/>
+                <a:sym typeface="Calibri"/>
+              </a:rPr>
+              <a:t>coll</a:t>
+            </a:r>
+            <a:r>
+              <a:rPr lang="it-IT" sz="2600" dirty="0">
+                <a:solidFill>
+                  <a:schemeClr val="dk1"/>
+                </a:solidFill>
+                <a:latin typeface="Calibri"/>
+                <a:ea typeface="Calibri"/>
+                <a:cs typeface="Calibri"/>
+                <a:sym typeface="Calibri"/>
+              </a:rPr>
+              <a:t>. </a:t>
+            </a:r>
+            <a:r>
+              <a:rPr lang="it-IT" sz="2600" dirty="0" err="1">
+                <a:solidFill>
+                  <a:schemeClr val="dk1"/>
+                </a:solidFill>
+                <a:latin typeface="Calibri"/>
+                <a:ea typeface="Calibri"/>
+                <a:cs typeface="Calibri"/>
+                <a:sym typeface="Calibri"/>
+              </a:rPr>
+              <a:t>object</a:t>
+            </a:r>
+            <a:r>
+              <a:rPr lang="it-IT" sz="2600" dirty="0">
+                <a:solidFill>
+                  <a:schemeClr val="dk1"/>
+                </a:solidFill>
+                <a:latin typeface="Calibri"/>
+                <a:ea typeface="Calibri"/>
+                <a:cs typeface="Calibri"/>
+                <a:sym typeface="Calibri"/>
+              </a:rPr>
+              <a:t> invece di forma cubo</a:t>
+            </a:r>
+          </a:p>
+        </p:txBody>
+      </p:sp>
+    </p:spTree>
+    <p:extLst>
+      <p:ext uri="{BB962C8B-B14F-4D97-AF65-F5344CB8AC3E}">
+        <p14:creationId xmlns:p14="http://schemas.microsoft.com/office/powerpoint/2010/main" val="2719196609"/>
+      </p:ext>
+    </p:extLst>
+  </p:cSld>
+  <p:clrMapOvr>
+    <a:masterClrMapping/>
+  </p:clrMapOvr>
+</p:sld>
+</file>
+
+<file path=ppt/slides/slide5.xml><?xml version="1.0" encoding="utf-8"?>
+<p:sld xmlns:a="http://schemas.openxmlformats.org/drawingml/2006/main" xmlns:r="http://schemas.openxmlformats.org/officeDocument/2006/relationships" xmlns:p="http://schemas.openxmlformats.org/presentationml/2006/main">
+  <p:cSld>
+    <p:spTree>
+      <p:nvGrpSpPr>
+        <p:cNvPr id="1" name="Shape 104"/>
+        <p:cNvGrpSpPr/>
+        <p:nvPr/>
+      </p:nvGrpSpPr>
+      <p:grpSpPr>
+        <a:xfrm>
+          <a:off x="0" y="0"/>
+          <a:ext cx="0" cy="0"/>
+          <a:chOff x="0" y="0"/>
+          <a:chExt cx="0" cy="0"/>
+        </a:xfrm>
+      </p:grpSpPr>
+      <p:sp>
+        <p:nvSpPr>
+          <p:cNvPr id="105" name="Shape 105"/>
+          <p:cNvSpPr txBox="1">
+            <a:spLocks noGrp="1"/>
+          </p:cNvSpPr>
+          <p:nvPr>
+            <p:ph type="title"/>
+          </p:nvPr>
+        </p:nvSpPr>
+        <p:spPr>
+          <a:xfrm>
+            <a:off x="0" y="1937"/>
+            <a:ext cx="9144000" cy="1164711"/>
+          </a:xfrm>
+          <a:prstGeom prst="rect">
+            <a:avLst/>
+          </a:prstGeom>
+          <a:solidFill>
+            <a:srgbClr val="9B0014">
+              <a:alpha val="77254"/>
+            </a:srgbClr>
+          </a:solidFill>
+          <a:ln>
+            <a:noFill/>
+          </a:ln>
+        </p:spPr>
+        <p:txBody>
+          <a:bodyPr spcFirstLastPara="1" wrap="square" lIns="91425" tIns="45700" rIns="91425" bIns="45700" anchor="ctr" anchorCtr="0">
+            <a:noAutofit/>
+          </a:bodyPr>
+          <a:lstStyle/>
+          <a:p>
+            <a:pPr marL="0" marR="0" lvl="0" indent="0" algn="ctr" rtl="0">
+              <a:lnSpc>
+                <a:spcPct val="90000"/>
+              </a:lnSpc>
+              <a:spcBef>
+                <a:spcPts val="0"/>
+              </a:spcBef>
+              <a:spcAft>
+                <a:spcPts val="0"/>
+              </a:spcAft>
+              <a:buClr>
+                <a:schemeClr val="lt1"/>
+              </a:buClr>
+              <a:buSzPts val="4400"/>
+              <a:buFont typeface="Calibri"/>
+              <a:buNone/>
+            </a:pPr>
+            <a:r>
+              <a:rPr lang="it-IT" sz="4400" b="1" i="0" u="none" strike="noStrike" cap="none" dirty="0">
+                <a:solidFill>
+                  <a:schemeClr val="lt1"/>
+                </a:solidFill>
+                <a:latin typeface="Calibri"/>
+                <a:ea typeface="Calibri"/>
+                <a:cs typeface="Calibri"/>
+                <a:sym typeface="Calibri"/>
+              </a:rPr>
+              <a:t>Man - </a:t>
+            </a:r>
+            <a:r>
+              <a:rPr lang="it-IT" sz="4400" b="1" i="0" u="none" strike="noStrike" cap="none" dirty="0" err="1">
+                <a:solidFill>
+                  <a:schemeClr val="lt1"/>
+                </a:solidFill>
+                <a:latin typeface="Calibri"/>
+                <a:ea typeface="Calibri"/>
+                <a:cs typeface="Calibri"/>
+                <a:sym typeface="Calibri"/>
+              </a:rPr>
+              <a:t>Gripper</a:t>
+            </a:r>
+            <a:endParaRPr sz="4400" b="1" i="0" u="none" strike="noStrike" cap="none" dirty="0">
+              <a:solidFill>
+                <a:schemeClr val="lt1"/>
+              </a:solidFill>
+              <a:latin typeface="Calibri"/>
+              <a:ea typeface="Calibri"/>
+              <a:cs typeface="Calibri"/>
+              <a:sym typeface="Calibri"/>
+            </a:endParaRPr>
+          </a:p>
+        </p:txBody>
+      </p:sp>
+      <p:pic>
+        <p:nvPicPr>
+          <p:cNvPr id="106" name="Shape 106"/>
+          <p:cNvPicPr preferRelativeResize="0">
+            <a:picLocks noGrp="1"/>
+          </p:cNvPicPr>
+          <p:nvPr>
+            <p:ph type="body" idx="1"/>
+          </p:nvPr>
+        </p:nvPicPr>
+        <p:blipFill rotWithShape="1">
+          <a:blip r:embed="rId3">
+            <a:alphaModFix/>
+          </a:blip>
+          <a:srcRect/>
+          <a:stretch/>
+        </p:blipFill>
+        <p:spPr>
+          <a:xfrm>
+            <a:off x="169314" y="131158"/>
+            <a:ext cx="958788" cy="909366"/>
+          </a:xfrm>
+          <a:prstGeom prst="rect">
+            <a:avLst/>
+          </a:prstGeom>
+          <a:noFill/>
+          <a:ln>
+            <a:noFill/>
+          </a:ln>
+        </p:spPr>
+      </p:pic>
+      <p:sp>
+        <p:nvSpPr>
+          <p:cNvPr id="107" name="Shape 107"/>
+          <p:cNvSpPr txBox="1">
+            <a:spLocks noGrp="1"/>
+          </p:cNvSpPr>
+          <p:nvPr>
+            <p:ph type="dt" idx="10"/>
+          </p:nvPr>
+        </p:nvSpPr>
+        <p:spPr>
+          <a:xfrm>
+            <a:off x="628650" y="6356351"/>
+            <a:ext cx="2057400" cy="365125"/>
+          </a:xfrm>
+          <a:prstGeom prst="rect">
+            <a:avLst/>
+          </a:prstGeom>
+          <a:noFill/>
+          <a:ln>
+            <a:noFill/>
+          </a:ln>
+        </p:spPr>
+        <p:txBody>
+          <a:bodyPr spcFirstLastPara="1" wrap="square" lIns="91425" tIns="45700" rIns="91425" bIns="45700" anchor="ctr" anchorCtr="0">
+            <a:noAutofit/>
+          </a:bodyPr>
+          <a:lstStyle/>
+          <a:p>
+            <a:pPr marL="0" marR="0" lvl="0" indent="0" algn="l" rtl="0">
+              <a:spcBef>
+                <a:spcPts val="0"/>
+              </a:spcBef>
+              <a:spcAft>
+                <a:spcPts val="0"/>
+              </a:spcAft>
+              <a:buNone/>
+            </a:pPr>
+            <a:r>
+              <a:rPr lang="it-IT" dirty="0"/>
+              <a:t>22</a:t>
+            </a:r>
+            <a:r>
+              <a:rPr lang="it-IT" sz="1200" b="0" i="0" u="none" strike="noStrike" cap="none" dirty="0">
+                <a:solidFill>
+                  <a:srgbClr val="888888"/>
+                </a:solidFill>
+                <a:latin typeface="Calibri"/>
+                <a:ea typeface="Calibri"/>
+                <a:cs typeface="Calibri"/>
+                <a:sym typeface="Calibri"/>
+              </a:rPr>
+              <a:t>-02-2019</a:t>
+            </a:r>
+          </a:p>
+        </p:txBody>
+      </p:sp>
+      <p:sp>
+        <p:nvSpPr>
+          <p:cNvPr id="108" name="Shape 108"/>
+          <p:cNvSpPr txBox="1">
+            <a:spLocks noGrp="1"/>
+          </p:cNvSpPr>
+          <p:nvPr>
+            <p:ph type="ftr" idx="11"/>
+          </p:nvPr>
+        </p:nvSpPr>
+        <p:spPr>
+          <a:xfrm>
+            <a:off x="2965588" y="6356351"/>
+            <a:ext cx="3212824" cy="365125"/>
+          </a:xfrm>
+          <a:prstGeom prst="rect">
+            <a:avLst/>
+          </a:prstGeom>
+          <a:noFill/>
+          <a:ln>
+            <a:noFill/>
+          </a:ln>
+        </p:spPr>
+        <p:txBody>
+          <a:bodyPr spcFirstLastPara="1" wrap="square" lIns="91425" tIns="45700" rIns="91425" bIns="45700" anchor="ctr" anchorCtr="0">
+            <a:noAutofit/>
+          </a:bodyPr>
+          <a:lstStyle/>
+          <a:p>
+            <a:pPr marL="0" marR="0" lvl="0" indent="0" algn="ctr" rtl="0">
+              <a:spcBef>
+                <a:spcPts val="0"/>
+              </a:spcBef>
+              <a:spcAft>
+                <a:spcPts val="0"/>
+              </a:spcAft>
+              <a:buNone/>
+            </a:pPr>
+            <a:r>
+              <a:rPr lang="it-IT" sz="1200" b="0" i="0" u="none" strike="noStrike" cap="none" dirty="0">
+                <a:solidFill>
+                  <a:srgbClr val="888888"/>
+                </a:solidFill>
+                <a:latin typeface="Calibri"/>
+                <a:ea typeface="Calibri"/>
+                <a:cs typeface="Calibri"/>
+                <a:sym typeface="Calibri"/>
+              </a:rPr>
+              <a:t>Challenge 4.0 – Gruppo 1</a:t>
+            </a:r>
+            <a:endParaRPr sz="1200" b="0" i="0" u="sng" strike="noStrike" cap="none" dirty="0">
+              <a:solidFill>
+                <a:srgbClr val="888888"/>
+              </a:solidFill>
+              <a:latin typeface="Calibri"/>
+              <a:ea typeface="Calibri"/>
+              <a:cs typeface="Calibri"/>
+              <a:sym typeface="Calibri"/>
+            </a:endParaRPr>
+          </a:p>
+        </p:txBody>
+      </p:sp>
+      <p:sp>
+        <p:nvSpPr>
+          <p:cNvPr id="109" name="Shape 109"/>
+          <p:cNvSpPr txBox="1">
+            <a:spLocks noGrp="1"/>
+          </p:cNvSpPr>
+          <p:nvPr>
+            <p:ph type="sldNum" idx="12"/>
+          </p:nvPr>
+        </p:nvSpPr>
+        <p:spPr>
+          <a:xfrm>
+            <a:off x="6457950" y="6356351"/>
+            <a:ext cx="2057400" cy="365125"/>
+          </a:xfrm>
+          <a:prstGeom prst="rect">
+            <a:avLst/>
+          </a:prstGeom>
+          <a:noFill/>
+          <a:ln>
+            <a:noFill/>
+          </a:ln>
+        </p:spPr>
+        <p:txBody>
+          <a:bodyPr spcFirstLastPara="1" wrap="square" lIns="91425" tIns="45700" rIns="91425" bIns="45700" anchor="ctr" anchorCtr="0">
+            <a:noAutofit/>
+          </a:bodyPr>
+          <a:lstStyle/>
+          <a:p>
+            <a:pPr marL="0" marR="0" lvl="0" indent="0" algn="r" rtl="0">
+              <a:spcBef>
+                <a:spcPts val="0"/>
+              </a:spcBef>
+              <a:spcAft>
+                <a:spcPts val="0"/>
+              </a:spcAft>
+              <a:buNone/>
+            </a:pPr>
+            <a:fld id="{00000000-1234-1234-1234-123412341234}" type="slidenum">
+              <a:rPr lang="it-IT" sz="1200" b="0" i="0" u="none" strike="noStrike" cap="none">
+                <a:solidFill>
+                  <a:srgbClr val="888888"/>
+                </a:solidFill>
+                <a:latin typeface="Calibri"/>
+                <a:ea typeface="Calibri"/>
+                <a:cs typeface="Calibri"/>
+                <a:sym typeface="Calibri"/>
+              </a:rPr>
+              <a:t>5</a:t>
+            </a:fld>
+            <a:endParaRPr sz="1200" b="0" i="0" u="none" strike="noStrike" cap="none" dirty="0">
+              <a:solidFill>
+                <a:srgbClr val="888888"/>
+              </a:solidFill>
+              <a:latin typeface="Calibri"/>
+              <a:ea typeface="Calibri"/>
+              <a:cs typeface="Calibri"/>
+              <a:sym typeface="Calibri"/>
+            </a:endParaRPr>
+          </a:p>
+        </p:txBody>
+      </p:sp>
+      <p:sp>
+        <p:nvSpPr>
+          <p:cNvPr id="110" name="Shape 110"/>
+          <p:cNvSpPr txBox="1"/>
+          <p:nvPr/>
+        </p:nvSpPr>
+        <p:spPr>
+          <a:xfrm>
+            <a:off x="7203234" y="323174"/>
+            <a:ext cx="1689910" cy="523220"/>
+          </a:xfrm>
+          <a:prstGeom prst="rect">
+            <a:avLst/>
+          </a:prstGeom>
+          <a:noFill/>
+          <a:ln>
+            <a:noFill/>
+          </a:ln>
+        </p:spPr>
+        <p:txBody>
+          <a:bodyPr spcFirstLastPara="1" wrap="square" lIns="91425" tIns="45700" rIns="91425" bIns="45700" anchor="t" anchorCtr="0">
+            <a:noAutofit/>
+          </a:bodyPr>
+          <a:lstStyle/>
+          <a:p>
+            <a:pPr marL="0" marR="0" lvl="0" indent="0" algn="ctr" rtl="0">
+              <a:spcBef>
+                <a:spcPts val="0"/>
+              </a:spcBef>
+              <a:spcAft>
+                <a:spcPts val="0"/>
+              </a:spcAft>
+              <a:buNone/>
+            </a:pPr>
+            <a:r>
+              <a:rPr lang="it-IT" sz="1400" b="1" i="0" u="none" strike="noStrike" cap="none" dirty="0">
+                <a:solidFill>
+                  <a:schemeClr val="lt1"/>
+                </a:solidFill>
+                <a:latin typeface="Calibri"/>
+                <a:ea typeface="Calibri"/>
+                <a:cs typeface="Calibri"/>
+                <a:sym typeface="Calibri"/>
+              </a:rPr>
+              <a:t>Robotica autonoma</a:t>
+            </a:r>
+            <a:endParaRPr sz="1400" b="1" i="0" u="none" strike="noStrike" cap="none" dirty="0">
+              <a:solidFill>
+                <a:schemeClr val="lt1"/>
+              </a:solidFill>
+              <a:latin typeface="Calibri"/>
+              <a:ea typeface="Calibri"/>
+              <a:cs typeface="Calibri"/>
+              <a:sym typeface="Calibri"/>
+            </a:endParaRPr>
+          </a:p>
+          <a:p>
+            <a:pPr marL="0" marR="0" lvl="0" indent="0" algn="ctr" rtl="0">
+              <a:spcBef>
+                <a:spcPts val="0"/>
+              </a:spcBef>
+              <a:spcAft>
+                <a:spcPts val="0"/>
+              </a:spcAft>
+              <a:buNone/>
+            </a:pPr>
+            <a:r>
+              <a:rPr lang="it-IT" sz="1400" b="1" i="0" u="none" strike="noStrike" cap="none" dirty="0">
+                <a:solidFill>
+                  <a:schemeClr val="lt1"/>
+                </a:solidFill>
+                <a:latin typeface="Calibri"/>
+                <a:ea typeface="Calibri"/>
+                <a:cs typeface="Calibri"/>
+                <a:sym typeface="Calibri"/>
+              </a:rPr>
+              <a:t>A.A. 2018-2019</a:t>
+            </a:r>
+            <a:endParaRPr dirty="0"/>
+          </a:p>
+        </p:txBody>
+      </p:sp>
+      <p:sp>
+        <p:nvSpPr>
+          <p:cNvPr id="111" name="Shape 111"/>
+          <p:cNvSpPr txBox="1"/>
+          <p:nvPr/>
+        </p:nvSpPr>
+        <p:spPr>
+          <a:xfrm>
+            <a:off x="1110344" y="2392136"/>
+            <a:ext cx="6629315" cy="3000821"/>
+          </a:xfrm>
+          <a:prstGeom prst="rect">
+            <a:avLst/>
+          </a:prstGeom>
+          <a:noFill/>
+          <a:ln>
+            <a:noFill/>
+          </a:ln>
+        </p:spPr>
+        <p:txBody>
+          <a:bodyPr spcFirstLastPara="1" wrap="square" lIns="91425" tIns="45700" rIns="91425" bIns="45700" anchor="t" anchorCtr="0">
+            <a:noAutofit/>
+          </a:bodyPr>
+          <a:lstStyle/>
+          <a:p>
+            <a:pPr marL="214307" marR="0" lvl="0" indent="-246057" algn="l" rtl="0">
+              <a:spcBef>
+                <a:spcPts val="0"/>
+              </a:spcBef>
+              <a:spcAft>
+                <a:spcPts val="0"/>
+              </a:spcAft>
+              <a:buClr>
+                <a:srgbClr val="9B0014"/>
+              </a:buClr>
+              <a:buSzPts val="2600"/>
+              <a:buFont typeface="Noto Sans Symbols"/>
+              <a:buChar char="▪"/>
+            </a:pPr>
+            <a:r>
+              <a:rPr lang="it-IT" sz="2600" dirty="0">
+                <a:solidFill>
+                  <a:schemeClr val="dk1"/>
+                </a:solidFill>
+                <a:latin typeface="Calibri"/>
+                <a:ea typeface="Calibri"/>
+                <a:cs typeface="Calibri"/>
+                <a:sym typeface="Calibri"/>
+              </a:rPr>
+              <a:t>Lettura liste da </a:t>
+            </a:r>
+            <a:r>
+              <a:rPr lang="it-IT" sz="2600" i="1" dirty="0" err="1">
+                <a:solidFill>
+                  <a:schemeClr val="dk1"/>
+                </a:solidFill>
+                <a:latin typeface="Calibri"/>
+                <a:ea typeface="Calibri"/>
+                <a:cs typeface="Calibri"/>
+                <a:sym typeface="Calibri"/>
+              </a:rPr>
+              <a:t>Perception</a:t>
+            </a:r>
+            <a:endParaRPr lang="it-IT" sz="2600" i="1" dirty="0">
+              <a:solidFill>
+                <a:schemeClr val="dk1"/>
+              </a:solidFill>
+              <a:latin typeface="Calibri"/>
+              <a:ea typeface="Calibri"/>
+              <a:cs typeface="Calibri"/>
+              <a:sym typeface="Calibri"/>
+            </a:endParaRPr>
+          </a:p>
+          <a:p>
+            <a:pPr marL="214307" marR="0" lvl="0" indent="-246057" algn="l" rtl="0">
+              <a:spcBef>
+                <a:spcPts val="0"/>
+              </a:spcBef>
+              <a:spcAft>
+                <a:spcPts val="0"/>
+              </a:spcAft>
+              <a:buClr>
+                <a:srgbClr val="9B0014"/>
+              </a:buClr>
+              <a:buSzPts val="2600"/>
+              <a:buFont typeface="Noto Sans Symbols"/>
+              <a:buChar char="▪"/>
+            </a:pPr>
+            <a:r>
+              <a:rPr lang="it-IT" sz="2600" dirty="0">
+                <a:solidFill>
+                  <a:schemeClr val="dk1"/>
+                </a:solidFill>
+                <a:latin typeface="Calibri"/>
+                <a:ea typeface="Calibri"/>
+                <a:cs typeface="Calibri"/>
+                <a:sym typeface="Calibri"/>
+              </a:rPr>
+              <a:t>Posizione ‘home’ in giunti</a:t>
+            </a:r>
+          </a:p>
+          <a:p>
+            <a:pPr marL="214307" marR="0" lvl="0" indent="-246057" algn="l" rtl="0">
+              <a:spcBef>
+                <a:spcPts val="0"/>
+              </a:spcBef>
+              <a:spcAft>
+                <a:spcPts val="0"/>
+              </a:spcAft>
+              <a:buClr>
+                <a:srgbClr val="9B0014"/>
+              </a:buClr>
+              <a:buSzPts val="2600"/>
+              <a:buFont typeface="Noto Sans Symbols"/>
+              <a:buChar char="▪"/>
+            </a:pPr>
+            <a:r>
+              <a:rPr lang="it-IT" sz="2600" dirty="0">
+                <a:solidFill>
+                  <a:schemeClr val="dk1"/>
+                </a:solidFill>
+                <a:latin typeface="Calibri"/>
+                <a:ea typeface="Calibri"/>
+                <a:cs typeface="Calibri"/>
+                <a:sym typeface="Calibri"/>
+              </a:rPr>
+              <a:t>Muri laterali salvavita </a:t>
+            </a:r>
+          </a:p>
+          <a:p>
+            <a:pPr marL="214307" marR="0" lvl="0" indent="-246057" algn="l" rtl="0">
+              <a:spcBef>
+                <a:spcPts val="0"/>
+              </a:spcBef>
+              <a:spcAft>
+                <a:spcPts val="0"/>
+              </a:spcAft>
+              <a:buClr>
+                <a:srgbClr val="9B0014"/>
+              </a:buClr>
+              <a:buSzPts val="2600"/>
+              <a:buFont typeface="Noto Sans Symbols"/>
+              <a:buChar char="▪"/>
+            </a:pPr>
+            <a:r>
+              <a:rPr lang="it-IT" sz="2600" dirty="0" err="1">
+                <a:solidFill>
+                  <a:schemeClr val="dk1"/>
+                </a:solidFill>
+                <a:latin typeface="Calibri"/>
+                <a:ea typeface="Calibri"/>
+                <a:cs typeface="Calibri"/>
+                <a:sym typeface="Calibri"/>
+              </a:rPr>
+              <a:t>Coll</a:t>
+            </a:r>
+            <a:r>
+              <a:rPr lang="it-IT" sz="2600" dirty="0">
+                <a:solidFill>
+                  <a:schemeClr val="dk1"/>
+                </a:solidFill>
+                <a:latin typeface="Calibri"/>
+                <a:ea typeface="Calibri"/>
+                <a:cs typeface="Calibri"/>
+                <a:sym typeface="Calibri"/>
+              </a:rPr>
+              <a:t>. </a:t>
+            </a:r>
+            <a:r>
+              <a:rPr lang="it-IT" sz="2600" dirty="0" err="1">
+                <a:solidFill>
+                  <a:schemeClr val="dk1"/>
+                </a:solidFill>
+                <a:latin typeface="Calibri"/>
+                <a:ea typeface="Calibri"/>
+                <a:cs typeface="Calibri"/>
+                <a:sym typeface="Calibri"/>
+              </a:rPr>
+              <a:t>object</a:t>
+            </a:r>
+            <a:r>
+              <a:rPr lang="it-IT" sz="2600" dirty="0">
+                <a:solidFill>
+                  <a:schemeClr val="dk1"/>
+                </a:solidFill>
+                <a:latin typeface="Calibri"/>
+                <a:ea typeface="Calibri"/>
+                <a:cs typeface="Calibri"/>
+                <a:sym typeface="Calibri"/>
+              </a:rPr>
+              <a:t> tramite mesh o forme cubo</a:t>
+            </a:r>
+          </a:p>
+          <a:p>
+            <a:pPr marL="214307" marR="0" lvl="0" indent="-246057" algn="l" rtl="0">
+              <a:spcBef>
+                <a:spcPts val="0"/>
+              </a:spcBef>
+              <a:spcAft>
+                <a:spcPts val="0"/>
+              </a:spcAft>
+              <a:buClr>
+                <a:srgbClr val="9B0014"/>
+              </a:buClr>
+              <a:buSzPts val="2600"/>
+              <a:buFont typeface="Noto Sans Symbols"/>
+              <a:buChar char="▪"/>
+            </a:pPr>
+            <a:r>
+              <a:rPr lang="it-IT" sz="2600" dirty="0">
+                <a:solidFill>
+                  <a:schemeClr val="dk1"/>
+                </a:solidFill>
+                <a:latin typeface="Calibri"/>
+                <a:ea typeface="Calibri"/>
+                <a:cs typeface="Calibri"/>
+                <a:sym typeface="Calibri"/>
+              </a:rPr>
+              <a:t>Ripetizione planning fino a buon risultato</a:t>
+            </a:r>
+          </a:p>
+          <a:p>
+            <a:pPr marL="214307" marR="0" lvl="0" indent="-246057" algn="l" rtl="0">
+              <a:spcBef>
+                <a:spcPts val="0"/>
+              </a:spcBef>
+              <a:spcAft>
+                <a:spcPts val="0"/>
+              </a:spcAft>
+              <a:buClr>
+                <a:srgbClr val="9B0014"/>
+              </a:buClr>
+              <a:buSzPts val="2600"/>
+              <a:buFont typeface="Noto Sans Symbols"/>
+              <a:buChar char="▪"/>
+            </a:pPr>
+            <a:r>
+              <a:rPr lang="it-IT" sz="2600" dirty="0">
+                <a:solidFill>
+                  <a:schemeClr val="dk1"/>
+                </a:solidFill>
+                <a:latin typeface="Calibri"/>
+                <a:ea typeface="Calibri"/>
+                <a:cs typeface="Calibri"/>
+                <a:sym typeface="Calibri"/>
+              </a:rPr>
+              <a:t>Agganciamento link fittizio in simulazione</a:t>
+            </a:r>
+          </a:p>
+        </p:txBody>
+      </p:sp>
+    </p:spTree>
+    <p:extLst>
+      <p:ext uri="{BB962C8B-B14F-4D97-AF65-F5344CB8AC3E}">
+        <p14:creationId xmlns:p14="http://schemas.microsoft.com/office/powerpoint/2010/main" val="2584194822"/>
+      </p:ext>
+    </p:extLst>
+  </p:cSld>
+  <p:clrMapOvr>
+    <a:masterClrMapping/>
+  </p:clrMapOvr>
+</p:sld>
+</file>
+
+<file path=ppt/slides/slide6.xml><?xml version="1.0" encoding="utf-8"?>
+<p:sld xmlns:a="http://schemas.openxmlformats.org/drawingml/2006/main" xmlns:r="http://schemas.openxmlformats.org/officeDocument/2006/relationships" xmlns:p="http://schemas.openxmlformats.org/presentationml/2006/main">
+  <p:cSld>
+    <p:spTree>
+      <p:nvGrpSpPr>
+        <p:cNvPr id="1" name="Shape 104"/>
+        <p:cNvGrpSpPr/>
+        <p:nvPr/>
+      </p:nvGrpSpPr>
+      <p:grpSpPr>
+        <a:xfrm>
+          <a:off x="0" y="0"/>
+          <a:ext cx="0" cy="0"/>
+          <a:chOff x="0" y="0"/>
+          <a:chExt cx="0" cy="0"/>
+        </a:xfrm>
+      </p:grpSpPr>
+      <p:sp>
+        <p:nvSpPr>
+          <p:cNvPr id="105" name="Shape 105"/>
+          <p:cNvSpPr txBox="1">
+            <a:spLocks noGrp="1"/>
+          </p:cNvSpPr>
+          <p:nvPr>
+            <p:ph type="title"/>
+          </p:nvPr>
+        </p:nvSpPr>
+        <p:spPr>
+          <a:xfrm>
+            <a:off x="0" y="1937"/>
+            <a:ext cx="9144000" cy="1164711"/>
+          </a:xfrm>
+          <a:prstGeom prst="rect">
+            <a:avLst/>
+          </a:prstGeom>
+          <a:solidFill>
+            <a:srgbClr val="9B0014">
+              <a:alpha val="77254"/>
+            </a:srgbClr>
+          </a:solidFill>
+          <a:ln>
+            <a:noFill/>
+          </a:ln>
+        </p:spPr>
+        <p:txBody>
+          <a:bodyPr spcFirstLastPara="1" wrap="square" lIns="91425" tIns="45700" rIns="91425" bIns="45700" anchor="ctr" anchorCtr="0">
+            <a:noAutofit/>
+          </a:bodyPr>
+          <a:lstStyle/>
+          <a:p>
+            <a:pPr marL="0" marR="0" lvl="0" indent="0" algn="ctr" rtl="0">
+              <a:lnSpc>
+                <a:spcPct val="90000"/>
+              </a:lnSpc>
+              <a:spcBef>
+                <a:spcPts val="0"/>
+              </a:spcBef>
+              <a:spcAft>
+                <a:spcPts val="0"/>
+              </a:spcAft>
+              <a:buClr>
+                <a:schemeClr val="lt1"/>
+              </a:buClr>
+              <a:buSzPts val="4400"/>
+              <a:buFont typeface="Calibri"/>
+              <a:buNone/>
+            </a:pPr>
+            <a:r>
+              <a:rPr lang="it-IT" b="1" dirty="0">
+                <a:solidFill>
+                  <a:schemeClr val="lt1"/>
+                </a:solidFill>
+              </a:rPr>
+              <a:t>G</a:t>
+            </a:r>
+            <a:r>
+              <a:rPr lang="it-IT" sz="4400" b="1" i="0" u="none" strike="noStrike" cap="none" dirty="0">
+                <a:solidFill>
+                  <a:schemeClr val="lt1"/>
+                </a:solidFill>
+                <a:latin typeface="Calibri"/>
+                <a:ea typeface="Calibri"/>
+                <a:cs typeface="Calibri"/>
+                <a:sym typeface="Calibri"/>
+              </a:rPr>
+              <a:t> – problemi (1)</a:t>
+            </a:r>
+            <a:endParaRPr sz="4400" b="1" i="0" u="none" strike="noStrike" cap="none" dirty="0">
+              <a:solidFill>
+                <a:schemeClr val="lt1"/>
+              </a:solidFill>
+              <a:latin typeface="Calibri"/>
+              <a:ea typeface="Calibri"/>
+              <a:cs typeface="Calibri"/>
+              <a:sym typeface="Calibri"/>
+            </a:endParaRPr>
+          </a:p>
+        </p:txBody>
+      </p:sp>
+      <p:pic>
+        <p:nvPicPr>
+          <p:cNvPr id="106" name="Shape 106"/>
+          <p:cNvPicPr preferRelativeResize="0">
+            <a:picLocks noGrp="1"/>
+          </p:cNvPicPr>
+          <p:nvPr>
+            <p:ph type="body" idx="1"/>
+          </p:nvPr>
+        </p:nvPicPr>
+        <p:blipFill rotWithShape="1">
+          <a:blip r:embed="rId3">
+            <a:alphaModFix/>
+          </a:blip>
+          <a:srcRect/>
+          <a:stretch/>
+        </p:blipFill>
+        <p:spPr>
+          <a:xfrm>
+            <a:off x="169314" y="131158"/>
+            <a:ext cx="958788" cy="909366"/>
+          </a:xfrm>
+          <a:prstGeom prst="rect">
+            <a:avLst/>
+          </a:prstGeom>
+          <a:noFill/>
+          <a:ln>
+            <a:noFill/>
+          </a:ln>
+        </p:spPr>
+      </p:pic>
+      <p:sp>
+        <p:nvSpPr>
+          <p:cNvPr id="107" name="Shape 107"/>
+          <p:cNvSpPr txBox="1">
+            <a:spLocks noGrp="1"/>
+          </p:cNvSpPr>
+          <p:nvPr>
+            <p:ph type="dt" idx="10"/>
+          </p:nvPr>
+        </p:nvSpPr>
+        <p:spPr>
+          <a:xfrm>
+            <a:off x="628650" y="6356351"/>
+            <a:ext cx="2057400" cy="365125"/>
+          </a:xfrm>
+          <a:prstGeom prst="rect">
+            <a:avLst/>
+          </a:prstGeom>
+          <a:noFill/>
+          <a:ln>
+            <a:noFill/>
+          </a:ln>
+        </p:spPr>
+        <p:txBody>
+          <a:bodyPr spcFirstLastPara="1" wrap="square" lIns="91425" tIns="45700" rIns="91425" bIns="45700" anchor="ctr" anchorCtr="0">
+            <a:noAutofit/>
+          </a:bodyPr>
+          <a:lstStyle/>
+          <a:p>
+            <a:pPr marL="0" marR="0" lvl="0" indent="0" algn="l" rtl="0">
+              <a:spcBef>
+                <a:spcPts val="0"/>
+              </a:spcBef>
+              <a:spcAft>
+                <a:spcPts val="0"/>
+              </a:spcAft>
+              <a:buNone/>
+            </a:pPr>
+            <a:r>
+              <a:rPr lang="it-IT" dirty="0"/>
+              <a:t>22</a:t>
+            </a:r>
+            <a:r>
+              <a:rPr lang="it-IT" sz="1200" b="0" i="0" u="none" strike="noStrike" cap="none" dirty="0">
+                <a:solidFill>
+                  <a:srgbClr val="888888"/>
+                </a:solidFill>
+                <a:latin typeface="Calibri"/>
+                <a:ea typeface="Calibri"/>
+                <a:cs typeface="Calibri"/>
+                <a:sym typeface="Calibri"/>
+              </a:rPr>
+              <a:t>-02-2019</a:t>
+            </a:r>
+          </a:p>
+        </p:txBody>
+      </p:sp>
+      <p:sp>
+        <p:nvSpPr>
+          <p:cNvPr id="108" name="Shape 108"/>
+          <p:cNvSpPr txBox="1">
+            <a:spLocks noGrp="1"/>
+          </p:cNvSpPr>
+          <p:nvPr>
+            <p:ph type="ftr" idx="11"/>
+          </p:nvPr>
+        </p:nvSpPr>
+        <p:spPr>
+          <a:xfrm>
+            <a:off x="2965588" y="6356351"/>
+            <a:ext cx="3212824" cy="365125"/>
+          </a:xfrm>
+          <a:prstGeom prst="rect">
+            <a:avLst/>
+          </a:prstGeom>
+          <a:noFill/>
+          <a:ln>
+            <a:noFill/>
+          </a:ln>
+        </p:spPr>
+        <p:txBody>
+          <a:bodyPr spcFirstLastPara="1" wrap="square" lIns="91425" tIns="45700" rIns="91425" bIns="45700" anchor="ctr" anchorCtr="0">
+            <a:noAutofit/>
+          </a:bodyPr>
+          <a:lstStyle/>
+          <a:p>
+            <a:pPr marL="0" marR="0" lvl="0" indent="0" algn="ctr" rtl="0">
+              <a:spcBef>
+                <a:spcPts val="0"/>
+              </a:spcBef>
+              <a:spcAft>
+                <a:spcPts val="0"/>
+              </a:spcAft>
+              <a:buNone/>
+            </a:pPr>
+            <a:r>
+              <a:rPr lang="it-IT" sz="1200" b="0" i="0" u="none" strike="noStrike" cap="none" dirty="0">
+                <a:solidFill>
+                  <a:srgbClr val="888888"/>
+                </a:solidFill>
+                <a:latin typeface="Calibri"/>
+                <a:ea typeface="Calibri"/>
+                <a:cs typeface="Calibri"/>
+                <a:sym typeface="Calibri"/>
+              </a:rPr>
+              <a:t>Challenge 4.0 – Gruppo 1</a:t>
+            </a:r>
+            <a:endParaRPr sz="1200" b="0" i="0" u="sng" strike="noStrike" cap="none" dirty="0">
+              <a:solidFill>
+                <a:srgbClr val="888888"/>
+              </a:solidFill>
+              <a:latin typeface="Calibri"/>
+              <a:ea typeface="Calibri"/>
+              <a:cs typeface="Calibri"/>
+              <a:sym typeface="Calibri"/>
+            </a:endParaRPr>
+          </a:p>
+        </p:txBody>
+      </p:sp>
+      <p:sp>
+        <p:nvSpPr>
+          <p:cNvPr id="109" name="Shape 109"/>
+          <p:cNvSpPr txBox="1">
+            <a:spLocks noGrp="1"/>
+          </p:cNvSpPr>
+          <p:nvPr>
+            <p:ph type="sldNum" idx="12"/>
+          </p:nvPr>
+        </p:nvSpPr>
+        <p:spPr>
+          <a:xfrm>
+            <a:off x="6457950" y="6356351"/>
+            <a:ext cx="2057400" cy="365125"/>
+          </a:xfrm>
+          <a:prstGeom prst="rect">
+            <a:avLst/>
+          </a:prstGeom>
+          <a:noFill/>
+          <a:ln>
+            <a:noFill/>
+          </a:ln>
+        </p:spPr>
+        <p:txBody>
+          <a:bodyPr spcFirstLastPara="1" wrap="square" lIns="91425" tIns="45700" rIns="91425" bIns="45700" anchor="ctr" anchorCtr="0">
+            <a:noAutofit/>
+          </a:bodyPr>
+          <a:lstStyle/>
+          <a:p>
+            <a:pPr marL="0" marR="0" lvl="0" indent="0" algn="r" rtl="0">
+              <a:spcBef>
+                <a:spcPts val="0"/>
+              </a:spcBef>
+              <a:spcAft>
+                <a:spcPts val="0"/>
+              </a:spcAft>
+              <a:buNone/>
+            </a:pPr>
+            <a:fld id="{00000000-1234-1234-1234-123412341234}" type="slidenum">
+              <a:rPr lang="it-IT" sz="1200" b="0" i="0" u="none" strike="noStrike" cap="none">
+                <a:solidFill>
+                  <a:srgbClr val="888888"/>
+                </a:solidFill>
+                <a:latin typeface="Calibri"/>
+                <a:ea typeface="Calibri"/>
+                <a:cs typeface="Calibri"/>
+                <a:sym typeface="Calibri"/>
+              </a:rPr>
+              <a:t>6</a:t>
+            </a:fld>
+            <a:endParaRPr sz="1200" b="0" i="0" u="none" strike="noStrike" cap="none" dirty="0">
+              <a:solidFill>
+                <a:srgbClr val="888888"/>
+              </a:solidFill>
+              <a:latin typeface="Calibri"/>
+              <a:ea typeface="Calibri"/>
+              <a:cs typeface="Calibri"/>
+              <a:sym typeface="Calibri"/>
+            </a:endParaRPr>
+          </a:p>
+        </p:txBody>
+      </p:sp>
+      <p:sp>
+        <p:nvSpPr>
+          <p:cNvPr id="110" name="Shape 110"/>
+          <p:cNvSpPr txBox="1"/>
+          <p:nvPr/>
+        </p:nvSpPr>
+        <p:spPr>
+          <a:xfrm>
+            <a:off x="7203234" y="323174"/>
+            <a:ext cx="1689910" cy="523220"/>
+          </a:xfrm>
+          <a:prstGeom prst="rect">
+            <a:avLst/>
+          </a:prstGeom>
+          <a:noFill/>
+          <a:ln>
+            <a:noFill/>
+          </a:ln>
+        </p:spPr>
+        <p:txBody>
+          <a:bodyPr spcFirstLastPara="1" wrap="square" lIns="91425" tIns="45700" rIns="91425" bIns="45700" anchor="t" anchorCtr="0">
+            <a:noAutofit/>
+          </a:bodyPr>
+          <a:lstStyle/>
+          <a:p>
+            <a:pPr marL="0" marR="0" lvl="0" indent="0" algn="ctr" rtl="0">
+              <a:spcBef>
+                <a:spcPts val="0"/>
+              </a:spcBef>
+              <a:spcAft>
+                <a:spcPts val="0"/>
+              </a:spcAft>
+              <a:buNone/>
+            </a:pPr>
+            <a:r>
+              <a:rPr lang="it-IT" sz="1400" b="1" i="0" u="none" strike="noStrike" cap="none" dirty="0">
+                <a:solidFill>
+                  <a:schemeClr val="lt1"/>
+                </a:solidFill>
+                <a:latin typeface="Calibri"/>
+                <a:ea typeface="Calibri"/>
+                <a:cs typeface="Calibri"/>
+                <a:sym typeface="Calibri"/>
+              </a:rPr>
+              <a:t>Robotica autonoma</a:t>
+            </a:r>
+            <a:endParaRPr sz="1400" b="1" i="0" u="none" strike="noStrike" cap="none" dirty="0">
+              <a:solidFill>
+                <a:schemeClr val="lt1"/>
+              </a:solidFill>
+              <a:latin typeface="Calibri"/>
+              <a:ea typeface="Calibri"/>
+              <a:cs typeface="Calibri"/>
+              <a:sym typeface="Calibri"/>
+            </a:endParaRPr>
+          </a:p>
+          <a:p>
+            <a:pPr marL="0" marR="0" lvl="0" indent="0" algn="ctr" rtl="0">
+              <a:spcBef>
+                <a:spcPts val="0"/>
+              </a:spcBef>
+              <a:spcAft>
+                <a:spcPts val="0"/>
+              </a:spcAft>
+              <a:buNone/>
+            </a:pPr>
+            <a:r>
+              <a:rPr lang="it-IT" sz="1400" b="1" i="0" u="none" strike="noStrike" cap="none" dirty="0">
+                <a:solidFill>
+                  <a:schemeClr val="lt1"/>
+                </a:solidFill>
+                <a:latin typeface="Calibri"/>
+                <a:ea typeface="Calibri"/>
+                <a:cs typeface="Calibri"/>
+                <a:sym typeface="Calibri"/>
+              </a:rPr>
+              <a:t>A.A. 2018-2019</a:t>
+            </a:r>
+            <a:endParaRPr dirty="0"/>
+          </a:p>
+        </p:txBody>
+      </p:sp>
+      <p:sp>
+        <p:nvSpPr>
+          <p:cNvPr id="111" name="Shape 111"/>
+          <p:cNvSpPr txBox="1"/>
+          <p:nvPr/>
+        </p:nvSpPr>
+        <p:spPr>
+          <a:xfrm>
+            <a:off x="1110344" y="2392136"/>
+            <a:ext cx="6629315" cy="3000821"/>
+          </a:xfrm>
+          <a:prstGeom prst="rect">
+            <a:avLst/>
+          </a:prstGeom>
+          <a:noFill/>
+          <a:ln>
+            <a:noFill/>
+          </a:ln>
+        </p:spPr>
+        <p:txBody>
+          <a:bodyPr spcFirstLastPara="1" wrap="square" lIns="91425" tIns="45700" rIns="91425" bIns="45700" anchor="t" anchorCtr="0">
+            <a:noAutofit/>
+          </a:bodyPr>
+          <a:lstStyle/>
+          <a:p>
+            <a:pPr marL="244475" marR="0" lvl="0" indent="-244475" algn="l" rtl="0">
+              <a:spcBef>
+                <a:spcPts val="0"/>
+              </a:spcBef>
+              <a:spcAft>
+                <a:spcPts val="0"/>
+              </a:spcAft>
+              <a:buClr>
+                <a:srgbClr val="9B0014"/>
+              </a:buClr>
+              <a:buSzPts val="2600"/>
+              <a:buFont typeface="Noto Sans Symbols"/>
+              <a:buChar char="▪"/>
+            </a:pPr>
+            <a:r>
+              <a:rPr lang="it-IT" sz="2600" dirty="0">
+                <a:solidFill>
+                  <a:schemeClr val="dk1"/>
+                </a:solidFill>
+                <a:latin typeface="Calibri"/>
+                <a:ea typeface="Calibri"/>
+                <a:cs typeface="Calibri"/>
+                <a:sym typeface="Calibri"/>
+              </a:rPr>
+              <a:t>Letture messaggi con multithreading:</a:t>
+            </a:r>
+            <a:br>
+              <a:rPr lang="it-IT" sz="2600" dirty="0">
+                <a:solidFill>
+                  <a:schemeClr val="dk1"/>
+                </a:solidFill>
+                <a:latin typeface="Calibri"/>
+                <a:ea typeface="Calibri"/>
+                <a:cs typeface="Calibri"/>
+                <a:sym typeface="Calibri"/>
+              </a:rPr>
+            </a:br>
+            <a:r>
+              <a:rPr lang="it-IT" sz="2600" dirty="0">
+                <a:solidFill>
+                  <a:schemeClr val="dk1"/>
+                </a:solidFill>
+                <a:latin typeface="Calibri"/>
+                <a:ea typeface="Calibri"/>
+                <a:cs typeface="Calibri"/>
+                <a:sym typeface="Calibri"/>
+              </a:rPr>
+              <a:t>problemi di concorrenza / letture multiple</a:t>
+            </a:r>
+          </a:p>
+          <a:p>
+            <a:pPr marL="244475" marR="0" lvl="0" indent="-244475" algn="l" rtl="0">
+              <a:spcBef>
+                <a:spcPts val="0"/>
+              </a:spcBef>
+              <a:spcAft>
+                <a:spcPts val="0"/>
+              </a:spcAft>
+              <a:buClr>
+                <a:srgbClr val="9B0014"/>
+              </a:buClr>
+              <a:buSzPts val="2600"/>
+              <a:buFont typeface="Noto Sans Symbols"/>
+              <a:buChar char="▪"/>
+            </a:pPr>
+            <a:r>
+              <a:rPr lang="it-IT" sz="2600" dirty="0">
+                <a:solidFill>
+                  <a:schemeClr val="dk1"/>
+                </a:solidFill>
+                <a:latin typeface="Calibri"/>
+                <a:ea typeface="Calibri"/>
+                <a:cs typeface="Calibri"/>
+                <a:sym typeface="Calibri"/>
+              </a:rPr>
+              <a:t>Posizionamento muri anti collisione:</a:t>
+            </a:r>
+            <a:br>
+              <a:rPr lang="it-IT" sz="2600" dirty="0">
+                <a:solidFill>
+                  <a:schemeClr val="dk1"/>
+                </a:solidFill>
+                <a:latin typeface="Calibri"/>
+                <a:ea typeface="Calibri"/>
+                <a:cs typeface="Calibri"/>
+                <a:sym typeface="Calibri"/>
+              </a:rPr>
+            </a:br>
+            <a:r>
+              <a:rPr lang="it-IT" sz="2600" dirty="0">
+                <a:solidFill>
+                  <a:schemeClr val="dk1"/>
+                </a:solidFill>
+                <a:latin typeface="Calibri"/>
+                <a:ea typeface="Calibri"/>
+                <a:cs typeface="Calibri"/>
+                <a:sym typeface="Calibri"/>
+              </a:rPr>
+              <a:t>diverso in </a:t>
+            </a:r>
+            <a:r>
+              <a:rPr lang="it-IT" sz="2600" dirty="0" err="1">
+                <a:solidFill>
+                  <a:schemeClr val="dk1"/>
+                </a:solidFill>
+                <a:latin typeface="Calibri"/>
+                <a:ea typeface="Calibri"/>
+                <a:cs typeface="Calibri"/>
+                <a:sym typeface="Calibri"/>
+              </a:rPr>
+              <a:t>sim</a:t>
+            </a:r>
+            <a:r>
+              <a:rPr lang="it-IT" sz="2600" dirty="0">
+                <a:solidFill>
+                  <a:schemeClr val="dk1"/>
+                </a:solidFill>
+                <a:latin typeface="Calibri"/>
+                <a:ea typeface="Calibri"/>
+                <a:cs typeface="Calibri"/>
+                <a:sym typeface="Calibri"/>
+              </a:rPr>
+              <a:t> e in reale</a:t>
+            </a:r>
+          </a:p>
+          <a:p>
+            <a:pPr marL="244475" lvl="0" indent="-244475">
+              <a:buClr>
+                <a:srgbClr val="9B0014"/>
+              </a:buClr>
+              <a:buSzPts val="2600"/>
+              <a:buFont typeface="Noto Sans Symbols"/>
+              <a:buChar char="▪"/>
+            </a:pPr>
+            <a:r>
+              <a:rPr lang="it-IT" sz="2600" dirty="0" err="1">
+                <a:solidFill>
+                  <a:schemeClr val="dk1"/>
+                </a:solidFill>
+                <a:latin typeface="Calibri"/>
+                <a:ea typeface="Calibri"/>
+                <a:cs typeface="Calibri"/>
+                <a:sym typeface="Calibri"/>
+              </a:rPr>
+              <a:t>Path</a:t>
+            </a:r>
+            <a:r>
+              <a:rPr lang="it-IT" sz="2600" dirty="0">
+                <a:solidFill>
+                  <a:schemeClr val="dk1"/>
+                </a:solidFill>
+                <a:latin typeface="Calibri"/>
+                <a:ea typeface="Calibri"/>
+                <a:cs typeface="Calibri"/>
+                <a:sym typeface="Calibri"/>
+              </a:rPr>
+              <a:t> cartesiano per percorso minimo:</a:t>
+            </a:r>
+            <a:br>
+              <a:rPr lang="it-IT" sz="2600" dirty="0">
+                <a:solidFill>
+                  <a:schemeClr val="dk1"/>
+                </a:solidFill>
+                <a:latin typeface="Calibri"/>
+                <a:ea typeface="Calibri"/>
+                <a:cs typeface="Calibri"/>
+                <a:sym typeface="Calibri"/>
+              </a:rPr>
+            </a:br>
+            <a:r>
+              <a:rPr lang="it-IT" sz="2600" dirty="0">
+                <a:solidFill>
+                  <a:schemeClr val="dk1"/>
+                </a:solidFill>
+                <a:latin typeface="Calibri"/>
+                <a:ea typeface="Calibri"/>
+                <a:cs typeface="Calibri"/>
+                <a:sym typeface="Calibri"/>
+              </a:rPr>
+              <a:t>divisione in step (</a:t>
+            </a:r>
+            <a:r>
+              <a:rPr lang="it-IT" sz="2600" dirty="0" err="1">
+                <a:solidFill>
+                  <a:schemeClr val="dk1"/>
+                </a:solidFill>
+                <a:latin typeface="Calibri"/>
+                <a:ea typeface="Calibri"/>
+                <a:cs typeface="Calibri"/>
+                <a:sym typeface="Calibri"/>
+              </a:rPr>
+              <a:t>waypoints</a:t>
+            </a:r>
+            <a:r>
+              <a:rPr lang="it-IT" sz="2600" dirty="0">
+                <a:solidFill>
+                  <a:schemeClr val="dk1"/>
+                </a:solidFill>
+                <a:latin typeface="Calibri"/>
+                <a:ea typeface="Calibri"/>
+                <a:cs typeface="Calibri"/>
+                <a:sym typeface="Calibri"/>
+              </a:rPr>
+              <a:t>)</a:t>
+            </a:r>
+          </a:p>
+        </p:txBody>
+      </p:sp>
+    </p:spTree>
+    <p:extLst>
+      <p:ext uri="{BB962C8B-B14F-4D97-AF65-F5344CB8AC3E}">
+        <p14:creationId xmlns:p14="http://schemas.microsoft.com/office/powerpoint/2010/main" val="3671269423"/>
+      </p:ext>
+    </p:extLst>
+  </p:cSld>
+  <p:clrMapOvr>
+    <a:masterClrMapping/>
+  </p:clrMapOvr>
+</p:sld>
+</file>
+
+<file path=ppt/slides/slide7.xml><?xml version="1.0" encoding="utf-8"?>
+<p:sld xmlns:a="http://schemas.openxmlformats.org/drawingml/2006/main" xmlns:r="http://schemas.openxmlformats.org/officeDocument/2006/relationships" xmlns:p="http://schemas.openxmlformats.org/presentationml/2006/main">
+  <p:cSld>
+    <p:spTree>
+      <p:nvGrpSpPr>
+        <p:cNvPr id="1" name="Shape 104"/>
+        <p:cNvGrpSpPr/>
+        <p:nvPr/>
+      </p:nvGrpSpPr>
+      <p:grpSpPr>
+        <a:xfrm>
+          <a:off x="0" y="0"/>
+          <a:ext cx="0" cy="0"/>
+          <a:chOff x="0" y="0"/>
+          <a:chExt cx="0" cy="0"/>
+        </a:xfrm>
+      </p:grpSpPr>
+      <p:sp>
+        <p:nvSpPr>
+          <p:cNvPr id="105" name="Shape 105"/>
+          <p:cNvSpPr txBox="1">
+            <a:spLocks noGrp="1"/>
+          </p:cNvSpPr>
+          <p:nvPr>
+            <p:ph type="title"/>
+          </p:nvPr>
+        </p:nvSpPr>
+        <p:spPr>
+          <a:xfrm>
+            <a:off x="0" y="1937"/>
+            <a:ext cx="9144000" cy="1164711"/>
+          </a:xfrm>
+          <a:prstGeom prst="rect">
+            <a:avLst/>
+          </a:prstGeom>
+          <a:solidFill>
+            <a:srgbClr val="9B0014">
+              <a:alpha val="77254"/>
+            </a:srgbClr>
+          </a:solidFill>
+          <a:ln>
+            <a:noFill/>
+          </a:ln>
+        </p:spPr>
+        <p:txBody>
+          <a:bodyPr spcFirstLastPara="1" wrap="square" lIns="91425" tIns="45700" rIns="91425" bIns="45700" anchor="ctr" anchorCtr="0">
+            <a:noAutofit/>
+          </a:bodyPr>
+          <a:lstStyle/>
+          <a:p>
+            <a:pPr marL="0" marR="0" lvl="0" indent="0" algn="ctr" rtl="0">
+              <a:lnSpc>
+                <a:spcPct val="90000"/>
+              </a:lnSpc>
+              <a:spcBef>
+                <a:spcPts val="0"/>
+              </a:spcBef>
+              <a:spcAft>
+                <a:spcPts val="0"/>
+              </a:spcAft>
+              <a:buClr>
+                <a:schemeClr val="lt1"/>
+              </a:buClr>
+              <a:buSzPts val="4400"/>
+              <a:buFont typeface="Calibri"/>
+              <a:buNone/>
+            </a:pPr>
+            <a:r>
+              <a:rPr lang="it-IT" b="1" dirty="0">
+                <a:solidFill>
+                  <a:schemeClr val="lt1"/>
+                </a:solidFill>
+              </a:rPr>
+              <a:t>G</a:t>
+            </a:r>
+            <a:r>
+              <a:rPr lang="it-IT" sz="4400" b="1" i="0" u="none" strike="noStrike" cap="none" dirty="0">
+                <a:solidFill>
+                  <a:schemeClr val="lt1"/>
+                </a:solidFill>
+                <a:latin typeface="Calibri"/>
+                <a:ea typeface="Calibri"/>
+                <a:cs typeface="Calibri"/>
+                <a:sym typeface="Calibri"/>
+              </a:rPr>
+              <a:t> – problemi (2)</a:t>
+            </a:r>
+            <a:endParaRPr sz="4400" b="1" i="0" u="none" strike="noStrike" cap="none" dirty="0">
+              <a:solidFill>
+                <a:schemeClr val="lt1"/>
+              </a:solidFill>
+              <a:latin typeface="Calibri"/>
+              <a:ea typeface="Calibri"/>
+              <a:cs typeface="Calibri"/>
+              <a:sym typeface="Calibri"/>
+            </a:endParaRPr>
+          </a:p>
+        </p:txBody>
+      </p:sp>
+      <p:pic>
+        <p:nvPicPr>
+          <p:cNvPr id="106" name="Shape 106"/>
+          <p:cNvPicPr preferRelativeResize="0">
+            <a:picLocks noGrp="1"/>
+          </p:cNvPicPr>
+          <p:nvPr>
+            <p:ph type="body" idx="1"/>
+          </p:nvPr>
+        </p:nvPicPr>
+        <p:blipFill rotWithShape="1">
+          <a:blip r:embed="rId3">
+            <a:alphaModFix/>
+          </a:blip>
+          <a:srcRect/>
+          <a:stretch/>
+        </p:blipFill>
+        <p:spPr>
+          <a:xfrm>
+            <a:off x="169314" y="131158"/>
+            <a:ext cx="958788" cy="909366"/>
+          </a:xfrm>
+          <a:prstGeom prst="rect">
+            <a:avLst/>
+          </a:prstGeom>
+          <a:noFill/>
+          <a:ln>
+            <a:noFill/>
+          </a:ln>
+        </p:spPr>
+      </p:pic>
+      <p:sp>
+        <p:nvSpPr>
+          <p:cNvPr id="107" name="Shape 107"/>
+          <p:cNvSpPr txBox="1">
+            <a:spLocks noGrp="1"/>
+          </p:cNvSpPr>
+          <p:nvPr>
+            <p:ph type="dt" idx="10"/>
+          </p:nvPr>
+        </p:nvSpPr>
+        <p:spPr>
+          <a:xfrm>
+            <a:off x="628650" y="6356351"/>
+            <a:ext cx="2057400" cy="365125"/>
+          </a:xfrm>
+          <a:prstGeom prst="rect">
+            <a:avLst/>
+          </a:prstGeom>
+          <a:noFill/>
+          <a:ln>
+            <a:noFill/>
+          </a:ln>
+        </p:spPr>
+        <p:txBody>
+          <a:bodyPr spcFirstLastPara="1" wrap="square" lIns="91425" tIns="45700" rIns="91425" bIns="45700" anchor="ctr" anchorCtr="0">
+            <a:noAutofit/>
+          </a:bodyPr>
+          <a:lstStyle/>
+          <a:p>
+            <a:pPr marL="0" marR="0" lvl="0" indent="0" algn="l" rtl="0">
+              <a:spcBef>
+                <a:spcPts val="0"/>
+              </a:spcBef>
+              <a:spcAft>
+                <a:spcPts val="0"/>
+              </a:spcAft>
+              <a:buNone/>
+            </a:pPr>
+            <a:r>
+              <a:rPr lang="it-IT" dirty="0"/>
+              <a:t>22</a:t>
+            </a:r>
+            <a:r>
+              <a:rPr lang="it-IT" sz="1200" b="0" i="0" u="none" strike="noStrike" cap="none" dirty="0">
+                <a:solidFill>
+                  <a:srgbClr val="888888"/>
+                </a:solidFill>
+                <a:latin typeface="Calibri"/>
+                <a:ea typeface="Calibri"/>
+                <a:cs typeface="Calibri"/>
+                <a:sym typeface="Calibri"/>
+              </a:rPr>
+              <a:t>-02-2019</a:t>
+            </a:r>
+          </a:p>
+        </p:txBody>
+      </p:sp>
+      <p:sp>
+        <p:nvSpPr>
+          <p:cNvPr id="108" name="Shape 108"/>
+          <p:cNvSpPr txBox="1">
+            <a:spLocks noGrp="1"/>
+          </p:cNvSpPr>
+          <p:nvPr>
+            <p:ph type="ftr" idx="11"/>
+          </p:nvPr>
+        </p:nvSpPr>
+        <p:spPr>
+          <a:xfrm>
+            <a:off x="2965588" y="6356351"/>
+            <a:ext cx="3212824" cy="365125"/>
+          </a:xfrm>
+          <a:prstGeom prst="rect">
+            <a:avLst/>
+          </a:prstGeom>
+          <a:noFill/>
+          <a:ln>
+            <a:noFill/>
+          </a:ln>
+        </p:spPr>
+        <p:txBody>
+          <a:bodyPr spcFirstLastPara="1" wrap="square" lIns="91425" tIns="45700" rIns="91425" bIns="45700" anchor="ctr" anchorCtr="0">
+            <a:noAutofit/>
+          </a:bodyPr>
+          <a:lstStyle/>
+          <a:p>
+            <a:pPr marL="0" marR="0" lvl="0" indent="0" algn="ctr" rtl="0">
+              <a:spcBef>
+                <a:spcPts val="0"/>
+              </a:spcBef>
+              <a:spcAft>
+                <a:spcPts val="0"/>
+              </a:spcAft>
+              <a:buNone/>
+            </a:pPr>
+            <a:r>
+              <a:rPr lang="it-IT" sz="1200" b="0" i="0" u="none" strike="noStrike" cap="none" dirty="0">
+                <a:solidFill>
+                  <a:srgbClr val="888888"/>
+                </a:solidFill>
+                <a:latin typeface="Calibri"/>
+                <a:ea typeface="Calibri"/>
+                <a:cs typeface="Calibri"/>
+                <a:sym typeface="Calibri"/>
+              </a:rPr>
+              <a:t>Challenge 4.0 – Gruppo 1</a:t>
+            </a:r>
+            <a:endParaRPr sz="1200" b="0" i="0" u="sng" strike="noStrike" cap="none" dirty="0">
+              <a:solidFill>
+                <a:srgbClr val="888888"/>
+              </a:solidFill>
+              <a:latin typeface="Calibri"/>
+              <a:ea typeface="Calibri"/>
+              <a:cs typeface="Calibri"/>
+              <a:sym typeface="Calibri"/>
+            </a:endParaRPr>
+          </a:p>
+        </p:txBody>
+      </p:sp>
+      <p:sp>
+        <p:nvSpPr>
+          <p:cNvPr id="109" name="Shape 109"/>
+          <p:cNvSpPr txBox="1">
+            <a:spLocks noGrp="1"/>
+          </p:cNvSpPr>
+          <p:nvPr>
+            <p:ph type="sldNum" idx="12"/>
+          </p:nvPr>
+        </p:nvSpPr>
+        <p:spPr>
+          <a:xfrm>
+            <a:off x="6457950" y="6356351"/>
+            <a:ext cx="2057400" cy="365125"/>
+          </a:xfrm>
+          <a:prstGeom prst="rect">
+            <a:avLst/>
+          </a:prstGeom>
+          <a:noFill/>
+          <a:ln>
+            <a:noFill/>
+          </a:ln>
+        </p:spPr>
+        <p:txBody>
+          <a:bodyPr spcFirstLastPara="1" wrap="square" lIns="91425" tIns="45700" rIns="91425" bIns="45700" anchor="ctr" anchorCtr="0">
+            <a:noAutofit/>
+          </a:bodyPr>
+          <a:lstStyle/>
+          <a:p>
+            <a:pPr marL="0" marR="0" lvl="0" indent="0" algn="r" rtl="0">
+              <a:spcBef>
+                <a:spcPts val="0"/>
+              </a:spcBef>
+              <a:spcAft>
+                <a:spcPts val="0"/>
+              </a:spcAft>
+              <a:buNone/>
+            </a:pPr>
+            <a:fld id="{00000000-1234-1234-1234-123412341234}" type="slidenum">
+              <a:rPr lang="it-IT" sz="1200" b="0" i="0" u="none" strike="noStrike" cap="none">
+                <a:solidFill>
+                  <a:srgbClr val="888888"/>
+                </a:solidFill>
+                <a:latin typeface="Calibri"/>
+                <a:ea typeface="Calibri"/>
+                <a:cs typeface="Calibri"/>
+                <a:sym typeface="Calibri"/>
+              </a:rPr>
+              <a:t>7</a:t>
+            </a:fld>
+            <a:endParaRPr sz="1200" b="0" i="0" u="none" strike="noStrike" cap="none" dirty="0">
+              <a:solidFill>
+                <a:srgbClr val="888888"/>
+              </a:solidFill>
+              <a:latin typeface="Calibri"/>
+              <a:ea typeface="Calibri"/>
+              <a:cs typeface="Calibri"/>
+              <a:sym typeface="Calibri"/>
+            </a:endParaRPr>
+          </a:p>
+        </p:txBody>
+      </p:sp>
+      <p:sp>
+        <p:nvSpPr>
+          <p:cNvPr id="110" name="Shape 110"/>
+          <p:cNvSpPr txBox="1"/>
+          <p:nvPr/>
+        </p:nvSpPr>
+        <p:spPr>
+          <a:xfrm>
+            <a:off x="7203234" y="323174"/>
+            <a:ext cx="1689910" cy="523220"/>
+          </a:xfrm>
+          <a:prstGeom prst="rect">
+            <a:avLst/>
+          </a:prstGeom>
+          <a:noFill/>
+          <a:ln>
+            <a:noFill/>
+          </a:ln>
+        </p:spPr>
+        <p:txBody>
+          <a:bodyPr spcFirstLastPara="1" wrap="square" lIns="91425" tIns="45700" rIns="91425" bIns="45700" anchor="t" anchorCtr="0">
+            <a:noAutofit/>
+          </a:bodyPr>
+          <a:lstStyle/>
+          <a:p>
+            <a:pPr marL="0" marR="0" lvl="0" indent="0" algn="ctr" rtl="0">
+              <a:spcBef>
+                <a:spcPts val="0"/>
+              </a:spcBef>
+              <a:spcAft>
+                <a:spcPts val="0"/>
+              </a:spcAft>
+              <a:buNone/>
+            </a:pPr>
+            <a:r>
+              <a:rPr lang="it-IT" sz="1400" b="1" i="0" u="none" strike="noStrike" cap="none" dirty="0">
+                <a:solidFill>
+                  <a:schemeClr val="lt1"/>
+                </a:solidFill>
+                <a:latin typeface="Calibri"/>
+                <a:ea typeface="Calibri"/>
+                <a:cs typeface="Calibri"/>
+                <a:sym typeface="Calibri"/>
+              </a:rPr>
+              <a:t>Robotica autonoma</a:t>
+            </a:r>
+            <a:endParaRPr sz="1400" b="1" i="0" u="none" strike="noStrike" cap="none" dirty="0">
+              <a:solidFill>
+                <a:schemeClr val="lt1"/>
+              </a:solidFill>
+              <a:latin typeface="Calibri"/>
+              <a:ea typeface="Calibri"/>
+              <a:cs typeface="Calibri"/>
+              <a:sym typeface="Calibri"/>
+            </a:endParaRPr>
+          </a:p>
+          <a:p>
+            <a:pPr marL="0" marR="0" lvl="0" indent="0" algn="ctr" rtl="0">
+              <a:spcBef>
+                <a:spcPts val="0"/>
+              </a:spcBef>
+              <a:spcAft>
+                <a:spcPts val="0"/>
+              </a:spcAft>
+              <a:buNone/>
+            </a:pPr>
+            <a:r>
+              <a:rPr lang="it-IT" sz="1400" b="1" i="0" u="none" strike="noStrike" cap="none" dirty="0">
+                <a:solidFill>
+                  <a:schemeClr val="lt1"/>
+                </a:solidFill>
+                <a:latin typeface="Calibri"/>
+                <a:ea typeface="Calibri"/>
+                <a:cs typeface="Calibri"/>
+                <a:sym typeface="Calibri"/>
+              </a:rPr>
+              <a:t>A.A. 2018-2019</a:t>
+            </a:r>
+            <a:endParaRPr dirty="0"/>
+          </a:p>
+        </p:txBody>
+      </p:sp>
+      <p:sp>
+        <p:nvSpPr>
+          <p:cNvPr id="111" name="Shape 111"/>
+          <p:cNvSpPr txBox="1"/>
+          <p:nvPr/>
+        </p:nvSpPr>
+        <p:spPr>
+          <a:xfrm>
+            <a:off x="1110344" y="2392136"/>
+            <a:ext cx="6629315" cy="3000821"/>
+          </a:xfrm>
+          <a:prstGeom prst="rect">
+            <a:avLst/>
+          </a:prstGeom>
+          <a:noFill/>
+          <a:ln>
+            <a:noFill/>
+          </a:ln>
+        </p:spPr>
+        <p:txBody>
+          <a:bodyPr spcFirstLastPara="1" wrap="square" lIns="91425" tIns="45700" rIns="91425" bIns="45700" anchor="t" anchorCtr="0">
+            <a:noAutofit/>
+          </a:bodyPr>
+          <a:lstStyle/>
+          <a:p>
+            <a:pPr marL="244475" marR="0" lvl="0" indent="-244475" algn="l" rtl="0">
+              <a:spcBef>
+                <a:spcPts val="0"/>
+              </a:spcBef>
+              <a:spcAft>
+                <a:spcPts val="0"/>
+              </a:spcAft>
+              <a:buClr>
+                <a:srgbClr val="9B0014"/>
+              </a:buClr>
+              <a:buSzPts val="2600"/>
+              <a:buFont typeface="Noto Sans Symbols"/>
+              <a:buChar char="▪"/>
+            </a:pPr>
+            <a:r>
+              <a:rPr lang="it-IT" sz="2600" dirty="0">
+                <a:solidFill>
+                  <a:schemeClr val="dk1"/>
+                </a:solidFill>
+                <a:latin typeface="Calibri"/>
+                <a:ea typeface="Calibri"/>
+                <a:cs typeface="Calibri"/>
+                <a:sym typeface="Calibri"/>
+              </a:rPr>
+              <a:t>Posa iniziale manipolatore:</a:t>
+            </a:r>
+            <a:br>
+              <a:rPr lang="it-IT" sz="2600" dirty="0">
+                <a:solidFill>
+                  <a:schemeClr val="dk1"/>
+                </a:solidFill>
+                <a:latin typeface="Calibri"/>
+                <a:ea typeface="Calibri"/>
+                <a:cs typeface="Calibri"/>
+                <a:sym typeface="Calibri"/>
+              </a:rPr>
+            </a:br>
+            <a:r>
+              <a:rPr lang="it-IT" sz="2600" dirty="0">
+                <a:solidFill>
+                  <a:schemeClr val="dk1"/>
+                </a:solidFill>
+                <a:latin typeface="Calibri"/>
+                <a:ea typeface="Calibri"/>
+                <a:cs typeface="Calibri"/>
+                <a:sym typeface="Calibri"/>
+              </a:rPr>
+              <a:t>angolo del primo giunto su lato dx del tavolo</a:t>
+            </a:r>
+          </a:p>
+          <a:p>
+            <a:pPr marL="244475" marR="0" lvl="0" indent="-244475" algn="l" rtl="0">
+              <a:spcBef>
+                <a:spcPts val="0"/>
+              </a:spcBef>
+              <a:spcAft>
+                <a:spcPts val="0"/>
+              </a:spcAft>
+              <a:buClr>
+                <a:srgbClr val="9B0014"/>
+              </a:buClr>
+              <a:buSzPts val="2600"/>
+              <a:buFont typeface="Noto Sans Symbols"/>
+              <a:buChar char="▪"/>
+            </a:pPr>
+            <a:r>
+              <a:rPr lang="it-IT" sz="2600" dirty="0">
+                <a:solidFill>
+                  <a:schemeClr val="dk1"/>
+                </a:solidFill>
+                <a:latin typeface="Calibri"/>
+                <a:ea typeface="Calibri"/>
+                <a:cs typeface="Calibri"/>
+                <a:sym typeface="Calibri"/>
+              </a:rPr>
+              <a:t>Doppia posizione home:</a:t>
+            </a:r>
+            <a:br>
+              <a:rPr lang="it-IT" sz="2600" dirty="0">
+                <a:solidFill>
+                  <a:schemeClr val="dk1"/>
+                </a:solidFill>
+                <a:latin typeface="Calibri"/>
+                <a:ea typeface="Calibri"/>
+                <a:cs typeface="Calibri"/>
+                <a:sym typeface="Calibri"/>
+              </a:rPr>
+            </a:br>
+            <a:r>
+              <a:rPr lang="it-IT" sz="2600" dirty="0">
+                <a:solidFill>
+                  <a:schemeClr val="dk1"/>
+                </a:solidFill>
+                <a:latin typeface="Calibri"/>
+                <a:ea typeface="Calibri"/>
+                <a:cs typeface="Calibri"/>
+                <a:sym typeface="Calibri"/>
+              </a:rPr>
+              <a:t>per evitare occlusione </a:t>
+            </a:r>
+            <a:r>
+              <a:rPr lang="it-IT" sz="2600" dirty="0" err="1">
+                <a:solidFill>
+                  <a:schemeClr val="dk1"/>
+                </a:solidFill>
+                <a:latin typeface="Calibri"/>
+                <a:ea typeface="Calibri"/>
+                <a:cs typeface="Calibri"/>
+                <a:sym typeface="Calibri"/>
+              </a:rPr>
+              <a:t>kinect</a:t>
+            </a:r>
+            <a:endParaRPr lang="it-IT" sz="2600" dirty="0">
+              <a:solidFill>
+                <a:schemeClr val="dk1"/>
+              </a:solidFill>
+              <a:latin typeface="Calibri"/>
+              <a:ea typeface="Calibri"/>
+              <a:cs typeface="Calibri"/>
+              <a:sym typeface="Calibri"/>
+            </a:endParaRPr>
+          </a:p>
+          <a:p>
+            <a:pPr marL="244475" marR="0" lvl="0" indent="-244475" algn="l" rtl="0">
+              <a:spcBef>
+                <a:spcPts val="0"/>
+              </a:spcBef>
+              <a:spcAft>
+                <a:spcPts val="0"/>
+              </a:spcAft>
+              <a:buClr>
+                <a:srgbClr val="9B0014"/>
+              </a:buClr>
+              <a:buSzPts val="2600"/>
+              <a:buFont typeface="Noto Sans Symbols"/>
+              <a:buChar char="▪"/>
+            </a:pPr>
+            <a:r>
+              <a:rPr lang="it-IT" sz="2600" dirty="0">
+                <a:solidFill>
+                  <a:schemeClr val="dk1"/>
+                </a:solidFill>
+                <a:latin typeface="Calibri"/>
+                <a:ea typeface="Calibri"/>
+                <a:cs typeface="Calibri"/>
+                <a:sym typeface="Calibri"/>
+              </a:rPr>
+              <a:t>Funzione check chiusura </a:t>
+            </a:r>
+            <a:r>
+              <a:rPr lang="it-IT" sz="2600" dirty="0" err="1">
+                <a:solidFill>
+                  <a:schemeClr val="dk1"/>
+                </a:solidFill>
+                <a:latin typeface="Calibri"/>
+                <a:ea typeface="Calibri"/>
+                <a:cs typeface="Calibri"/>
+                <a:sym typeface="Calibri"/>
+              </a:rPr>
+              <a:t>gripper</a:t>
+            </a:r>
+            <a:r>
+              <a:rPr lang="it-IT" sz="2600" dirty="0">
+                <a:solidFill>
+                  <a:schemeClr val="dk1"/>
+                </a:solidFill>
+                <a:latin typeface="Calibri"/>
+                <a:ea typeface="Calibri"/>
+                <a:cs typeface="Calibri"/>
+                <a:sym typeface="Calibri"/>
+              </a:rPr>
+              <a:t>:</a:t>
+            </a:r>
+            <a:br>
+              <a:rPr lang="it-IT" sz="2600" dirty="0">
+                <a:solidFill>
+                  <a:schemeClr val="dk1"/>
+                </a:solidFill>
+                <a:latin typeface="Calibri"/>
+                <a:ea typeface="Calibri"/>
+                <a:cs typeface="Calibri"/>
+                <a:sym typeface="Calibri"/>
+              </a:rPr>
+            </a:br>
+            <a:r>
+              <a:rPr lang="it-IT" sz="2600" dirty="0">
+                <a:solidFill>
+                  <a:schemeClr val="dk1"/>
+                </a:solidFill>
+                <a:latin typeface="Calibri"/>
+                <a:ea typeface="Calibri"/>
+                <a:cs typeface="Calibri"/>
+                <a:sym typeface="Calibri"/>
+              </a:rPr>
+              <a:t>non funzionante in </a:t>
+            </a:r>
+            <a:r>
+              <a:rPr lang="it-IT" sz="2600" dirty="0" err="1">
+                <a:solidFill>
+                  <a:schemeClr val="dk1"/>
+                </a:solidFill>
+                <a:latin typeface="Calibri"/>
+                <a:ea typeface="Calibri"/>
+                <a:cs typeface="Calibri"/>
+                <a:sym typeface="Calibri"/>
+              </a:rPr>
+              <a:t>sim</a:t>
+            </a:r>
+            <a:r>
+              <a:rPr lang="it-IT" sz="2600" dirty="0">
+                <a:solidFill>
+                  <a:schemeClr val="dk1"/>
+                </a:solidFill>
+                <a:latin typeface="Calibri"/>
+                <a:ea typeface="Calibri"/>
+                <a:cs typeface="Calibri"/>
+                <a:sym typeface="Calibri"/>
+              </a:rPr>
+              <a:t>. </a:t>
+            </a:r>
+            <a:r>
+              <a:rPr lang="it-IT" sz="2600" i="1" dirty="0">
+                <a:solidFill>
+                  <a:schemeClr val="dk1"/>
+                </a:solidFill>
+                <a:latin typeface="Calibri"/>
+                <a:ea typeface="Calibri"/>
+                <a:cs typeface="Calibri"/>
+                <a:sym typeface="Calibri"/>
+              </a:rPr>
+              <a:t>Non</a:t>
+            </a:r>
+            <a:r>
+              <a:rPr lang="it-IT" sz="2600" dirty="0">
+                <a:solidFill>
+                  <a:schemeClr val="dk1"/>
+                </a:solidFill>
+                <a:latin typeface="Calibri"/>
+                <a:ea typeface="Calibri"/>
+                <a:cs typeface="Calibri"/>
+                <a:sym typeface="Calibri"/>
+              </a:rPr>
+              <a:t> risolto.</a:t>
+            </a:r>
+          </a:p>
+          <a:p>
+            <a:pPr marL="244475" marR="0" lvl="0" indent="-244475" algn="l" rtl="0">
+              <a:spcBef>
+                <a:spcPts val="0"/>
+              </a:spcBef>
+              <a:spcAft>
+                <a:spcPts val="0"/>
+              </a:spcAft>
+              <a:buClr>
+                <a:srgbClr val="9B0014"/>
+              </a:buClr>
+              <a:buSzPts val="2600"/>
+              <a:buFont typeface="Noto Sans Symbols"/>
+              <a:buChar char="▪"/>
+            </a:pPr>
+            <a:r>
+              <a:rPr lang="it-IT" sz="2600" dirty="0">
+                <a:solidFill>
+                  <a:schemeClr val="dk1"/>
+                </a:solidFill>
+                <a:latin typeface="Calibri"/>
+                <a:ea typeface="Calibri"/>
+                <a:cs typeface="Calibri"/>
+                <a:sym typeface="Calibri"/>
+              </a:rPr>
+              <a:t>Offset dei </a:t>
+            </a:r>
+            <a:r>
+              <a:rPr lang="it-IT" sz="2600" dirty="0" err="1">
+                <a:solidFill>
+                  <a:schemeClr val="dk1"/>
+                </a:solidFill>
+                <a:latin typeface="Calibri"/>
+                <a:ea typeface="Calibri"/>
+                <a:cs typeface="Calibri"/>
+                <a:sym typeface="Calibri"/>
+              </a:rPr>
+              <a:t>coll</a:t>
+            </a:r>
+            <a:r>
+              <a:rPr lang="it-IT" sz="2600" dirty="0">
+                <a:solidFill>
+                  <a:schemeClr val="dk1"/>
+                </a:solidFill>
+                <a:latin typeface="Calibri"/>
+                <a:ea typeface="Calibri"/>
+                <a:cs typeface="Calibri"/>
+                <a:sym typeface="Calibri"/>
+              </a:rPr>
+              <a:t>. </a:t>
+            </a:r>
+            <a:r>
+              <a:rPr lang="it-IT" sz="2600" dirty="0" err="1">
+                <a:solidFill>
+                  <a:schemeClr val="dk1"/>
+                </a:solidFill>
+                <a:latin typeface="Calibri"/>
+                <a:ea typeface="Calibri"/>
+                <a:cs typeface="Calibri"/>
+                <a:sym typeface="Calibri"/>
+              </a:rPr>
+              <a:t>object</a:t>
+            </a:r>
+            <a:r>
+              <a:rPr lang="it-IT" sz="2600" dirty="0">
+                <a:solidFill>
+                  <a:schemeClr val="dk1"/>
+                </a:solidFill>
+                <a:latin typeface="Calibri"/>
+                <a:ea typeface="Calibri"/>
+                <a:cs typeface="Calibri"/>
+                <a:sym typeface="Calibri"/>
+              </a:rPr>
+              <a:t> in z:</a:t>
+            </a:r>
+            <a:br>
+              <a:rPr lang="it-IT" sz="2600" dirty="0">
+                <a:solidFill>
+                  <a:schemeClr val="dk1"/>
+                </a:solidFill>
+                <a:latin typeface="Calibri"/>
+                <a:ea typeface="Calibri"/>
+                <a:cs typeface="Calibri"/>
+                <a:sym typeface="Calibri"/>
+              </a:rPr>
+            </a:br>
+            <a:r>
+              <a:rPr lang="it-IT" sz="2600" dirty="0">
+                <a:solidFill>
+                  <a:schemeClr val="dk1"/>
+                </a:solidFill>
+                <a:latin typeface="Calibri"/>
+                <a:ea typeface="Calibri"/>
+                <a:cs typeface="Calibri"/>
+                <a:sym typeface="Calibri"/>
+              </a:rPr>
+              <a:t>prismi triangolari problematici causa mesh</a:t>
+            </a:r>
+            <a:br>
+              <a:rPr lang="it-IT" sz="2600" dirty="0">
+                <a:solidFill>
+                  <a:schemeClr val="dk1"/>
+                </a:solidFill>
+                <a:latin typeface="Calibri"/>
+                <a:ea typeface="Calibri"/>
+                <a:cs typeface="Calibri"/>
+                <a:sym typeface="Calibri"/>
+              </a:rPr>
+            </a:br>
+            <a:endParaRPr lang="it-IT" sz="2600" dirty="0">
               <a:solidFill>
                 <a:schemeClr val="dk1"/>
               </a:solidFill>
@@ -18800,7 +25625,1359 @@
     </p:spTree>
     <p:extLst>
       <p:ext uri="{BB962C8B-B14F-4D97-AF65-F5344CB8AC3E}">
-        <p14:creationId xmlns:p14="http://schemas.microsoft.com/office/powerpoint/2010/main" val="3998286050"/>
+        <p14:creationId xmlns:p14="http://schemas.microsoft.com/office/powerpoint/2010/main" val="1586892581"/>
+      </p:ext>
+    </p:extLst>
+  </p:cSld>
+  <p:clrMapOvr>
+    <a:masterClrMapping/>
+  </p:clrMapOvr>
+</p:sld>
+</file>
+
+<file path=ppt/slides/slide8.xml><?xml version="1.0" encoding="utf-8"?>
+<p:sld xmlns:a="http://schemas.openxmlformats.org/drawingml/2006/main" xmlns:r="http://schemas.openxmlformats.org/officeDocument/2006/relationships" xmlns:p="http://schemas.openxmlformats.org/presentationml/2006/main">
+  <p:cSld>
+    <p:spTree>
+      <p:nvGrpSpPr>
+        <p:cNvPr id="1" name="Shape 104"/>
+        <p:cNvGrpSpPr/>
+        <p:nvPr/>
+      </p:nvGrpSpPr>
+      <p:grpSpPr>
+        <a:xfrm>
+          <a:off x="0" y="0"/>
+          <a:ext cx="0" cy="0"/>
+          <a:chOff x="0" y="0"/>
+          <a:chExt cx="0" cy="0"/>
+        </a:xfrm>
+      </p:grpSpPr>
+      <p:sp>
+        <p:nvSpPr>
+          <p:cNvPr id="105" name="Shape 105"/>
+          <p:cNvSpPr txBox="1">
+            <a:spLocks noGrp="1"/>
+          </p:cNvSpPr>
+          <p:nvPr>
+            <p:ph type="title"/>
+          </p:nvPr>
+        </p:nvSpPr>
+        <p:spPr>
+          <a:xfrm>
+            <a:off x="0" y="1937"/>
+            <a:ext cx="9144000" cy="1164711"/>
+          </a:xfrm>
+          <a:prstGeom prst="rect">
+            <a:avLst/>
+          </a:prstGeom>
+          <a:solidFill>
+            <a:srgbClr val="9B0014">
+              <a:alpha val="77254"/>
+            </a:srgbClr>
+          </a:solidFill>
+          <a:ln>
+            <a:noFill/>
+          </a:ln>
+        </p:spPr>
+        <p:txBody>
+          <a:bodyPr spcFirstLastPara="1" wrap="square" lIns="91425" tIns="45700" rIns="91425" bIns="45700" anchor="ctr" anchorCtr="0">
+            <a:noAutofit/>
+          </a:bodyPr>
+          <a:lstStyle/>
+          <a:p>
+            <a:pPr marL="0" marR="0" lvl="0" indent="0" algn="ctr" rtl="0">
+              <a:lnSpc>
+                <a:spcPct val="90000"/>
+              </a:lnSpc>
+              <a:spcBef>
+                <a:spcPts val="0"/>
+              </a:spcBef>
+              <a:spcAft>
+                <a:spcPts val="0"/>
+              </a:spcAft>
+              <a:buClr>
+                <a:schemeClr val="lt1"/>
+              </a:buClr>
+              <a:buSzPts val="4400"/>
+              <a:buFont typeface="Calibri"/>
+              <a:buNone/>
+            </a:pPr>
+            <a:r>
+              <a:rPr lang="it-IT" b="1" dirty="0" err="1">
+                <a:solidFill>
+                  <a:schemeClr val="lt1"/>
+                </a:solidFill>
+              </a:rPr>
+              <a:t>Marrtino</a:t>
+            </a:r>
+            <a:endParaRPr sz="4400" b="1" i="0" u="none" strike="noStrike" cap="none" dirty="0">
+              <a:solidFill>
+                <a:schemeClr val="lt1"/>
+              </a:solidFill>
+              <a:latin typeface="Calibri"/>
+              <a:ea typeface="Calibri"/>
+              <a:cs typeface="Calibri"/>
+              <a:sym typeface="Calibri"/>
+            </a:endParaRPr>
+          </a:p>
+        </p:txBody>
+      </p:sp>
+      <p:pic>
+        <p:nvPicPr>
+          <p:cNvPr id="106" name="Shape 106"/>
+          <p:cNvPicPr preferRelativeResize="0">
+            <a:picLocks noGrp="1"/>
+          </p:cNvPicPr>
+          <p:nvPr>
+            <p:ph type="body" idx="1"/>
+          </p:nvPr>
+        </p:nvPicPr>
+        <p:blipFill rotWithShape="1">
+          <a:blip r:embed="rId3">
+            <a:alphaModFix/>
+          </a:blip>
+          <a:srcRect/>
+          <a:stretch/>
+        </p:blipFill>
+        <p:spPr>
+          <a:xfrm>
+            <a:off x="169314" y="131158"/>
+            <a:ext cx="958788" cy="909366"/>
+          </a:xfrm>
+          <a:prstGeom prst="rect">
+            <a:avLst/>
+          </a:prstGeom>
+          <a:noFill/>
+          <a:ln>
+            <a:noFill/>
+          </a:ln>
+        </p:spPr>
+      </p:pic>
+      <p:sp>
+        <p:nvSpPr>
+          <p:cNvPr id="107" name="Shape 107"/>
+          <p:cNvSpPr txBox="1">
+            <a:spLocks noGrp="1"/>
+          </p:cNvSpPr>
+          <p:nvPr>
+            <p:ph type="dt" idx="10"/>
+          </p:nvPr>
+        </p:nvSpPr>
+        <p:spPr>
+          <a:xfrm>
+            <a:off x="628650" y="6356351"/>
+            <a:ext cx="2057400" cy="365125"/>
+          </a:xfrm>
+          <a:prstGeom prst="rect">
+            <a:avLst/>
+          </a:prstGeom>
+          <a:noFill/>
+          <a:ln>
+            <a:noFill/>
+          </a:ln>
+        </p:spPr>
+        <p:txBody>
+          <a:bodyPr spcFirstLastPara="1" wrap="square" lIns="91425" tIns="45700" rIns="91425" bIns="45700" anchor="ctr" anchorCtr="0">
+            <a:noAutofit/>
+          </a:bodyPr>
+          <a:lstStyle/>
+          <a:p>
+            <a:pPr marL="0" marR="0" lvl="0" indent="0" algn="l" rtl="0">
+              <a:spcBef>
+                <a:spcPts val="0"/>
+              </a:spcBef>
+              <a:spcAft>
+                <a:spcPts val="0"/>
+              </a:spcAft>
+              <a:buNone/>
+            </a:pPr>
+            <a:r>
+              <a:rPr lang="it-IT" dirty="0"/>
+              <a:t>22</a:t>
+            </a:r>
+            <a:r>
+              <a:rPr lang="it-IT" sz="1200" b="0" i="0" u="none" strike="noStrike" cap="none" dirty="0">
+                <a:solidFill>
+                  <a:srgbClr val="888888"/>
+                </a:solidFill>
+                <a:latin typeface="Calibri"/>
+                <a:ea typeface="Calibri"/>
+                <a:cs typeface="Calibri"/>
+                <a:sym typeface="Calibri"/>
+              </a:rPr>
+              <a:t>-02-2019</a:t>
+            </a:r>
+          </a:p>
+        </p:txBody>
+      </p:sp>
+      <p:sp>
+        <p:nvSpPr>
+          <p:cNvPr id="108" name="Shape 108"/>
+          <p:cNvSpPr txBox="1">
+            <a:spLocks noGrp="1"/>
+          </p:cNvSpPr>
+          <p:nvPr>
+            <p:ph type="ftr" idx="11"/>
+          </p:nvPr>
+        </p:nvSpPr>
+        <p:spPr>
+          <a:xfrm>
+            <a:off x="2965588" y="6356351"/>
+            <a:ext cx="3212824" cy="365125"/>
+          </a:xfrm>
+          <a:prstGeom prst="rect">
+            <a:avLst/>
+          </a:prstGeom>
+          <a:noFill/>
+          <a:ln>
+            <a:noFill/>
+          </a:ln>
+        </p:spPr>
+        <p:txBody>
+          <a:bodyPr spcFirstLastPara="1" wrap="square" lIns="91425" tIns="45700" rIns="91425" bIns="45700" anchor="ctr" anchorCtr="0">
+            <a:noAutofit/>
+          </a:bodyPr>
+          <a:lstStyle/>
+          <a:p>
+            <a:pPr marL="0" marR="0" lvl="0" indent="0" algn="ctr" rtl="0">
+              <a:spcBef>
+                <a:spcPts val="0"/>
+              </a:spcBef>
+              <a:spcAft>
+                <a:spcPts val="0"/>
+              </a:spcAft>
+              <a:buNone/>
+            </a:pPr>
+            <a:r>
+              <a:rPr lang="it-IT" sz="1200" b="0" i="0" u="none" strike="noStrike" cap="none" dirty="0">
+                <a:solidFill>
+                  <a:srgbClr val="888888"/>
+                </a:solidFill>
+                <a:latin typeface="Calibri"/>
+                <a:ea typeface="Calibri"/>
+                <a:cs typeface="Calibri"/>
+                <a:sym typeface="Calibri"/>
+              </a:rPr>
+              <a:t>Challenge 4.0 – Gruppo 1</a:t>
+            </a:r>
+            <a:endParaRPr sz="1200" b="0" i="0" u="sng" strike="noStrike" cap="none" dirty="0">
+              <a:solidFill>
+                <a:srgbClr val="888888"/>
+              </a:solidFill>
+              <a:latin typeface="Calibri"/>
+              <a:ea typeface="Calibri"/>
+              <a:cs typeface="Calibri"/>
+              <a:sym typeface="Calibri"/>
+            </a:endParaRPr>
+          </a:p>
+        </p:txBody>
+      </p:sp>
+      <p:sp>
+        <p:nvSpPr>
+          <p:cNvPr id="109" name="Shape 109"/>
+          <p:cNvSpPr txBox="1">
+            <a:spLocks noGrp="1"/>
+          </p:cNvSpPr>
+          <p:nvPr>
+            <p:ph type="sldNum" idx="12"/>
+          </p:nvPr>
+        </p:nvSpPr>
+        <p:spPr>
+          <a:xfrm>
+            <a:off x="6457950" y="6356351"/>
+            <a:ext cx="2057400" cy="365125"/>
+          </a:xfrm>
+          <a:prstGeom prst="rect">
+            <a:avLst/>
+          </a:prstGeom>
+          <a:noFill/>
+          <a:ln>
+            <a:noFill/>
+          </a:ln>
+        </p:spPr>
+        <p:txBody>
+          <a:bodyPr spcFirstLastPara="1" wrap="square" lIns="91425" tIns="45700" rIns="91425" bIns="45700" anchor="ctr" anchorCtr="0">
+            <a:noAutofit/>
+          </a:bodyPr>
+          <a:lstStyle/>
+          <a:p>
+            <a:pPr marL="0" marR="0" lvl="0" indent="0" algn="r" rtl="0">
+              <a:spcBef>
+                <a:spcPts val="0"/>
+              </a:spcBef>
+              <a:spcAft>
+                <a:spcPts val="0"/>
+              </a:spcAft>
+              <a:buNone/>
+            </a:pPr>
+            <a:fld id="{00000000-1234-1234-1234-123412341234}" type="slidenum">
+              <a:rPr lang="it-IT" sz="1200" b="0" i="0" u="none" strike="noStrike" cap="none">
+                <a:solidFill>
+                  <a:srgbClr val="888888"/>
+                </a:solidFill>
+                <a:latin typeface="Calibri"/>
+                <a:ea typeface="Calibri"/>
+                <a:cs typeface="Calibri"/>
+                <a:sym typeface="Calibri"/>
+              </a:rPr>
+              <a:t>8</a:t>
+            </a:fld>
+            <a:endParaRPr sz="1200" b="0" i="0" u="none" strike="noStrike" cap="none" dirty="0">
+              <a:solidFill>
+                <a:srgbClr val="888888"/>
+              </a:solidFill>
+              <a:latin typeface="Calibri"/>
+              <a:ea typeface="Calibri"/>
+              <a:cs typeface="Calibri"/>
+              <a:sym typeface="Calibri"/>
+            </a:endParaRPr>
+          </a:p>
+        </p:txBody>
+      </p:sp>
+      <p:sp>
+        <p:nvSpPr>
+          <p:cNvPr id="110" name="Shape 110"/>
+          <p:cNvSpPr txBox="1"/>
+          <p:nvPr/>
+        </p:nvSpPr>
+        <p:spPr>
+          <a:xfrm>
+            <a:off x="7203234" y="323174"/>
+            <a:ext cx="1689910" cy="523220"/>
+          </a:xfrm>
+          <a:prstGeom prst="rect">
+            <a:avLst/>
+          </a:prstGeom>
+          <a:noFill/>
+          <a:ln>
+            <a:noFill/>
+          </a:ln>
+        </p:spPr>
+        <p:txBody>
+          <a:bodyPr spcFirstLastPara="1" wrap="square" lIns="91425" tIns="45700" rIns="91425" bIns="45700" anchor="t" anchorCtr="0">
+            <a:noAutofit/>
+          </a:bodyPr>
+          <a:lstStyle/>
+          <a:p>
+            <a:pPr marL="0" marR="0" lvl="0" indent="0" algn="ctr" rtl="0">
+              <a:spcBef>
+                <a:spcPts val="0"/>
+              </a:spcBef>
+              <a:spcAft>
+                <a:spcPts val="0"/>
+              </a:spcAft>
+              <a:buNone/>
+            </a:pPr>
+            <a:r>
+              <a:rPr lang="it-IT" sz="1400" b="1" i="0" u="none" strike="noStrike" cap="none" dirty="0">
+                <a:solidFill>
+                  <a:schemeClr val="lt1"/>
+                </a:solidFill>
+                <a:latin typeface="Calibri"/>
+                <a:ea typeface="Calibri"/>
+                <a:cs typeface="Calibri"/>
+                <a:sym typeface="Calibri"/>
+              </a:rPr>
+              <a:t>Robotica autonoma</a:t>
+            </a:r>
+            <a:endParaRPr sz="1400" b="1" i="0" u="none" strike="noStrike" cap="none" dirty="0">
+              <a:solidFill>
+                <a:schemeClr val="lt1"/>
+              </a:solidFill>
+              <a:latin typeface="Calibri"/>
+              <a:ea typeface="Calibri"/>
+              <a:cs typeface="Calibri"/>
+              <a:sym typeface="Calibri"/>
+            </a:endParaRPr>
+          </a:p>
+          <a:p>
+            <a:pPr marL="0" marR="0" lvl="0" indent="0" algn="ctr" rtl="0">
+              <a:spcBef>
+                <a:spcPts val="0"/>
+              </a:spcBef>
+              <a:spcAft>
+                <a:spcPts val="0"/>
+              </a:spcAft>
+              <a:buNone/>
+            </a:pPr>
+            <a:r>
+              <a:rPr lang="it-IT" sz="1400" b="1" i="0" u="none" strike="noStrike" cap="none" dirty="0">
+                <a:solidFill>
+                  <a:schemeClr val="lt1"/>
+                </a:solidFill>
+                <a:latin typeface="Calibri"/>
+                <a:ea typeface="Calibri"/>
+                <a:cs typeface="Calibri"/>
+                <a:sym typeface="Calibri"/>
+              </a:rPr>
+              <a:t>A.A. 2018-2019</a:t>
+            </a:r>
+            <a:endParaRPr dirty="0"/>
+          </a:p>
+        </p:txBody>
+      </p:sp>
+      <p:sp>
+        <p:nvSpPr>
+          <p:cNvPr id="111" name="Shape 111"/>
+          <p:cNvSpPr txBox="1"/>
+          <p:nvPr/>
+        </p:nvSpPr>
+        <p:spPr>
+          <a:xfrm>
+            <a:off x="1110344" y="2392136"/>
+            <a:ext cx="6629315" cy="3000821"/>
+          </a:xfrm>
+          <a:prstGeom prst="rect">
+            <a:avLst/>
+          </a:prstGeom>
+          <a:noFill/>
+          <a:ln>
+            <a:noFill/>
+          </a:ln>
+        </p:spPr>
+        <p:txBody>
+          <a:bodyPr spcFirstLastPara="1" wrap="square" lIns="91425" tIns="45700" rIns="91425" bIns="45700" anchor="t" anchorCtr="0">
+            <a:noAutofit/>
+          </a:bodyPr>
+          <a:lstStyle/>
+          <a:p>
+            <a:pPr marL="244475" marR="0" lvl="0" indent="-244475" algn="l" rtl="0">
+              <a:spcBef>
+                <a:spcPts val="0"/>
+              </a:spcBef>
+              <a:spcAft>
+                <a:spcPts val="0"/>
+              </a:spcAft>
+              <a:buClr>
+                <a:srgbClr val="9B0014"/>
+              </a:buClr>
+              <a:buSzPts val="2600"/>
+              <a:buFont typeface="Noto Sans Symbols"/>
+              <a:buChar char="▪"/>
+            </a:pPr>
+            <a:r>
+              <a:rPr lang="it-IT" sz="2600" dirty="0">
+                <a:solidFill>
+                  <a:schemeClr val="dk1"/>
+                </a:solidFill>
+                <a:latin typeface="Calibri"/>
+                <a:ea typeface="Calibri"/>
+                <a:cs typeface="Calibri"/>
+                <a:sym typeface="Calibri"/>
+              </a:rPr>
+              <a:t>Planner per area aperta</a:t>
+            </a:r>
+          </a:p>
+          <a:p>
+            <a:pPr marL="244475" marR="0" lvl="0" indent="-244475" algn="l" rtl="0">
+              <a:spcBef>
+                <a:spcPts val="0"/>
+              </a:spcBef>
+              <a:spcAft>
+                <a:spcPts val="0"/>
+              </a:spcAft>
+              <a:buClr>
+                <a:srgbClr val="9B0014"/>
+              </a:buClr>
+              <a:buSzPts val="2600"/>
+              <a:buFont typeface="Noto Sans Symbols"/>
+              <a:buChar char="▪"/>
+            </a:pPr>
+            <a:r>
+              <a:rPr lang="it-IT" sz="2600" dirty="0">
+                <a:solidFill>
+                  <a:schemeClr val="dk1"/>
+                </a:solidFill>
+                <a:latin typeface="Calibri"/>
+                <a:ea typeface="Calibri"/>
+                <a:cs typeface="Calibri"/>
+                <a:sym typeface="Calibri"/>
+              </a:rPr>
+              <a:t>Recovery manuale</a:t>
+            </a:r>
+          </a:p>
+          <a:p>
+            <a:pPr marL="244475" marR="0" lvl="0" indent="-244475" algn="l" rtl="0">
+              <a:spcBef>
+                <a:spcPts val="0"/>
+              </a:spcBef>
+              <a:spcAft>
+                <a:spcPts val="0"/>
+              </a:spcAft>
+              <a:buClr>
+                <a:srgbClr val="9B0014"/>
+              </a:buClr>
+              <a:buSzPts val="2600"/>
+              <a:buFont typeface="Noto Sans Symbols"/>
+              <a:buChar char="▪"/>
+            </a:pPr>
+            <a:r>
+              <a:rPr lang="it-IT" sz="2600" dirty="0">
+                <a:solidFill>
+                  <a:schemeClr val="dk1"/>
+                </a:solidFill>
+                <a:latin typeface="Calibri"/>
+                <a:ea typeface="Calibri"/>
+                <a:cs typeface="Calibri"/>
+                <a:sym typeface="Calibri"/>
+              </a:rPr>
+              <a:t>3 pose intermedie</a:t>
+            </a:r>
+          </a:p>
+          <a:p>
+            <a:pPr marL="244475" marR="0" lvl="0" indent="-244475" algn="l" rtl="0">
+              <a:spcBef>
+                <a:spcPts val="0"/>
+              </a:spcBef>
+              <a:spcAft>
+                <a:spcPts val="0"/>
+              </a:spcAft>
+              <a:buClr>
+                <a:srgbClr val="9B0014"/>
+              </a:buClr>
+              <a:buSzPts val="2600"/>
+              <a:buFont typeface="Noto Sans Symbols"/>
+              <a:buChar char="▪"/>
+            </a:pPr>
+            <a:r>
+              <a:rPr lang="it-IT" sz="2600" dirty="0" err="1">
+                <a:solidFill>
+                  <a:schemeClr val="dk1"/>
+                </a:solidFill>
+                <a:latin typeface="Calibri"/>
+                <a:ea typeface="Calibri"/>
+                <a:cs typeface="Calibri"/>
+                <a:sym typeface="Calibri"/>
+              </a:rPr>
+              <a:t>Wall</a:t>
+            </a:r>
+            <a:r>
+              <a:rPr lang="it-IT" sz="2600" dirty="0">
+                <a:solidFill>
+                  <a:schemeClr val="dk1"/>
+                </a:solidFill>
+                <a:latin typeface="Calibri"/>
+                <a:ea typeface="Calibri"/>
+                <a:cs typeface="Calibri"/>
+                <a:sym typeface="Calibri"/>
+              </a:rPr>
+              <a:t> follower (</a:t>
+            </a:r>
+            <a:r>
+              <a:rPr lang="it-IT" sz="2600" dirty="0" err="1">
+                <a:solidFill>
+                  <a:schemeClr val="dk1"/>
+                </a:solidFill>
+                <a:latin typeface="Calibri"/>
+                <a:ea typeface="Calibri"/>
+                <a:cs typeface="Calibri"/>
+                <a:sym typeface="Calibri"/>
+              </a:rPr>
+              <a:t>sx</a:t>
+            </a:r>
+            <a:r>
+              <a:rPr lang="it-IT" sz="2600" dirty="0">
+                <a:solidFill>
+                  <a:schemeClr val="dk1"/>
+                </a:solidFill>
+                <a:latin typeface="Calibri"/>
+                <a:ea typeface="Calibri"/>
+                <a:cs typeface="Calibri"/>
+                <a:sym typeface="Calibri"/>
+              </a:rPr>
+              <a:t>) per corridoio (laser)</a:t>
+            </a:r>
+          </a:p>
+          <a:p>
+            <a:pPr marL="244475" marR="0" lvl="0" indent="-244475" algn="l" rtl="0">
+              <a:spcBef>
+                <a:spcPts val="0"/>
+              </a:spcBef>
+              <a:spcAft>
+                <a:spcPts val="0"/>
+              </a:spcAft>
+              <a:buClr>
+                <a:srgbClr val="9B0014"/>
+              </a:buClr>
+              <a:buSzPts val="2600"/>
+              <a:buFont typeface="Noto Sans Symbols"/>
+              <a:buChar char="▪"/>
+            </a:pPr>
+            <a:r>
+              <a:rPr lang="it-IT" sz="2600" dirty="0">
+                <a:solidFill>
+                  <a:schemeClr val="dk1"/>
+                </a:solidFill>
+                <a:latin typeface="Calibri"/>
+                <a:ea typeface="Calibri"/>
+                <a:cs typeface="Calibri"/>
+                <a:sym typeface="Calibri"/>
+              </a:rPr>
+              <a:t>Docking con avvicinamento, </a:t>
+            </a:r>
+            <a:r>
+              <a:rPr lang="it-IT" sz="2600" dirty="0" err="1">
+                <a:solidFill>
+                  <a:schemeClr val="dk1"/>
+                </a:solidFill>
+                <a:latin typeface="Calibri"/>
+                <a:ea typeface="Calibri"/>
+                <a:cs typeface="Calibri"/>
+                <a:sym typeface="Calibri"/>
+              </a:rPr>
+              <a:t>rot</a:t>
+            </a:r>
+            <a:r>
+              <a:rPr lang="it-IT" sz="2600" dirty="0">
+                <a:solidFill>
+                  <a:schemeClr val="dk1"/>
+                </a:solidFill>
+                <a:latin typeface="Calibri"/>
+                <a:ea typeface="Calibri"/>
+                <a:cs typeface="Calibri"/>
+                <a:sym typeface="Calibri"/>
+              </a:rPr>
+              <a:t>. sul posto</a:t>
+            </a:r>
+          </a:p>
+          <a:p>
+            <a:pPr marL="244475" marR="0" lvl="0" indent="-244475" algn="l" rtl="0">
+              <a:spcBef>
+                <a:spcPts val="0"/>
+              </a:spcBef>
+              <a:spcAft>
+                <a:spcPts val="0"/>
+              </a:spcAft>
+              <a:buClr>
+                <a:srgbClr val="9B0014"/>
+              </a:buClr>
+              <a:buSzPts val="2600"/>
+              <a:buFont typeface="Noto Sans Symbols"/>
+              <a:buChar char="▪"/>
+            </a:pPr>
+            <a:r>
+              <a:rPr lang="it-IT" sz="2600" dirty="0">
+                <a:solidFill>
+                  <a:schemeClr val="dk1"/>
+                </a:solidFill>
+                <a:latin typeface="Calibri"/>
+                <a:ea typeface="Calibri"/>
+                <a:cs typeface="Calibri"/>
+                <a:sym typeface="Calibri"/>
+              </a:rPr>
+              <a:t>Docking zona scarico con laser</a:t>
+            </a:r>
+          </a:p>
+        </p:txBody>
+      </p:sp>
+    </p:spTree>
+    <p:extLst>
+      <p:ext uri="{BB962C8B-B14F-4D97-AF65-F5344CB8AC3E}">
+        <p14:creationId xmlns:p14="http://schemas.microsoft.com/office/powerpoint/2010/main" val="1174787744"/>
+      </p:ext>
+    </p:extLst>
+  </p:cSld>
+  <p:clrMapOvr>
+    <a:masterClrMapping/>
+  </p:clrMapOvr>
+</p:sld>
+</file>
+
+<file path=ppt/slides/slide9.xml><?xml version="1.0" encoding="utf-8"?>
+<p:sld xmlns:a="http://schemas.openxmlformats.org/drawingml/2006/main" xmlns:r="http://schemas.openxmlformats.org/officeDocument/2006/relationships" xmlns:p="http://schemas.openxmlformats.org/presentationml/2006/main">
+  <p:cSld>
+    <p:spTree>
+      <p:nvGrpSpPr>
+        <p:cNvPr id="1" name="Shape 104"/>
+        <p:cNvGrpSpPr/>
+        <p:nvPr/>
+      </p:nvGrpSpPr>
+      <p:grpSpPr>
+        <a:xfrm>
+          <a:off x="0" y="0"/>
+          <a:ext cx="0" cy="0"/>
+          <a:chOff x="0" y="0"/>
+          <a:chExt cx="0" cy="0"/>
+        </a:xfrm>
+      </p:grpSpPr>
+      <p:sp>
+        <p:nvSpPr>
+          <p:cNvPr id="105" name="Shape 105"/>
+          <p:cNvSpPr txBox="1">
+            <a:spLocks noGrp="1"/>
+          </p:cNvSpPr>
+          <p:nvPr>
+            <p:ph type="title"/>
+          </p:nvPr>
+        </p:nvSpPr>
+        <p:spPr>
+          <a:xfrm>
+            <a:off x="0" y="1937"/>
+            <a:ext cx="9144000" cy="1164711"/>
+          </a:xfrm>
+          <a:prstGeom prst="rect">
+            <a:avLst/>
+          </a:prstGeom>
+          <a:solidFill>
+            <a:srgbClr val="9B0014">
+              <a:alpha val="77254"/>
+            </a:srgbClr>
+          </a:solidFill>
+          <a:ln>
+            <a:noFill/>
+          </a:ln>
+        </p:spPr>
+        <p:txBody>
+          <a:bodyPr spcFirstLastPara="1" wrap="square" lIns="91425" tIns="45700" rIns="91425" bIns="45700" anchor="ctr" anchorCtr="0">
+            <a:noAutofit/>
+          </a:bodyPr>
+          <a:lstStyle/>
+          <a:p>
+            <a:pPr marL="0" marR="0" lvl="0" indent="0" algn="ctr" rtl="0">
+              <a:lnSpc>
+                <a:spcPct val="90000"/>
+              </a:lnSpc>
+              <a:spcBef>
+                <a:spcPts val="0"/>
+              </a:spcBef>
+              <a:spcAft>
+                <a:spcPts val="0"/>
+              </a:spcAft>
+              <a:buClr>
+                <a:schemeClr val="lt1"/>
+              </a:buClr>
+              <a:buSzPts val="4400"/>
+              <a:buFont typeface="Calibri"/>
+              <a:buNone/>
+            </a:pPr>
+            <a:r>
+              <a:rPr lang="it-IT" b="1" dirty="0">
+                <a:solidFill>
+                  <a:schemeClr val="lt1"/>
+                </a:solidFill>
+              </a:rPr>
+              <a:t>M – problemi</a:t>
+            </a:r>
+            <a:endParaRPr sz="4400" b="1" i="0" u="none" strike="noStrike" cap="none" dirty="0">
+              <a:solidFill>
+                <a:schemeClr val="lt1"/>
+              </a:solidFill>
+              <a:latin typeface="Calibri"/>
+              <a:ea typeface="Calibri"/>
+              <a:cs typeface="Calibri"/>
+              <a:sym typeface="Calibri"/>
+            </a:endParaRPr>
+          </a:p>
+        </p:txBody>
+      </p:sp>
+      <p:pic>
+        <p:nvPicPr>
+          <p:cNvPr id="106" name="Shape 106"/>
+          <p:cNvPicPr preferRelativeResize="0">
+            <a:picLocks noGrp="1"/>
+          </p:cNvPicPr>
+          <p:nvPr>
+            <p:ph type="body" idx="1"/>
+          </p:nvPr>
+        </p:nvPicPr>
+        <p:blipFill rotWithShape="1">
+          <a:blip r:embed="rId3">
+            <a:alphaModFix/>
+          </a:blip>
+          <a:srcRect/>
+          <a:stretch/>
+        </p:blipFill>
+        <p:spPr>
+          <a:xfrm>
+            <a:off x="169314" y="131158"/>
+            <a:ext cx="958788" cy="909366"/>
+          </a:xfrm>
+          <a:prstGeom prst="rect">
+            <a:avLst/>
+          </a:prstGeom>
+          <a:noFill/>
+          <a:ln>
+            <a:noFill/>
+          </a:ln>
+        </p:spPr>
+      </p:pic>
+      <p:sp>
+        <p:nvSpPr>
+          <p:cNvPr id="107" name="Shape 107"/>
+          <p:cNvSpPr txBox="1">
+            <a:spLocks noGrp="1"/>
+          </p:cNvSpPr>
+          <p:nvPr>
+            <p:ph type="dt" idx="10"/>
+          </p:nvPr>
+        </p:nvSpPr>
+        <p:spPr>
+          <a:xfrm>
+            <a:off x="628650" y="6356351"/>
+            <a:ext cx="2057400" cy="365125"/>
+          </a:xfrm>
+          <a:prstGeom prst="rect">
+            <a:avLst/>
+          </a:prstGeom>
+          <a:noFill/>
+          <a:ln>
+            <a:noFill/>
+          </a:ln>
+        </p:spPr>
+        <p:txBody>
+          <a:bodyPr spcFirstLastPara="1" wrap="square" lIns="91425" tIns="45700" rIns="91425" bIns="45700" anchor="ctr" anchorCtr="0">
+            <a:noAutofit/>
+          </a:bodyPr>
+          <a:lstStyle/>
+          <a:p>
+            <a:pPr marL="0" marR="0" lvl="0" indent="0" algn="l" rtl="0">
+              <a:spcBef>
+                <a:spcPts val="0"/>
+              </a:spcBef>
+              <a:spcAft>
+                <a:spcPts val="0"/>
+              </a:spcAft>
+              <a:buNone/>
+            </a:pPr>
+            <a:r>
+              <a:rPr lang="it-IT" dirty="0"/>
+              <a:t>22</a:t>
+            </a:r>
+            <a:r>
+              <a:rPr lang="it-IT" sz="1200" b="0" i="0" u="none" strike="noStrike" cap="none" dirty="0">
+                <a:solidFill>
+                  <a:srgbClr val="888888"/>
+                </a:solidFill>
+                <a:latin typeface="Calibri"/>
+                <a:ea typeface="Calibri"/>
+                <a:cs typeface="Calibri"/>
+                <a:sym typeface="Calibri"/>
+              </a:rPr>
+              <a:t>-02-2019</a:t>
+            </a:r>
+          </a:p>
+        </p:txBody>
+      </p:sp>
+      <p:sp>
+        <p:nvSpPr>
+          <p:cNvPr id="108" name="Shape 108"/>
+          <p:cNvSpPr txBox="1">
+            <a:spLocks noGrp="1"/>
+          </p:cNvSpPr>
+          <p:nvPr>
+            <p:ph type="ftr" idx="11"/>
+          </p:nvPr>
+        </p:nvSpPr>
+        <p:spPr>
+          <a:xfrm>
+            <a:off x="2965588" y="6356351"/>
+            <a:ext cx="3212824" cy="365125"/>
+          </a:xfrm>
+          <a:prstGeom prst="rect">
+            <a:avLst/>
+          </a:prstGeom>
+          <a:noFill/>
+          <a:ln>
+            <a:noFill/>
+          </a:ln>
+        </p:spPr>
+        <p:txBody>
+          <a:bodyPr spcFirstLastPara="1" wrap="square" lIns="91425" tIns="45700" rIns="91425" bIns="45700" anchor="ctr" anchorCtr="0">
+            <a:noAutofit/>
+          </a:bodyPr>
+          <a:lstStyle/>
+          <a:p>
+            <a:pPr marL="0" marR="0" lvl="0" indent="0" algn="ctr" rtl="0">
+              <a:spcBef>
+                <a:spcPts val="0"/>
+              </a:spcBef>
+              <a:spcAft>
+                <a:spcPts val="0"/>
+              </a:spcAft>
+              <a:buNone/>
+            </a:pPr>
+            <a:r>
+              <a:rPr lang="it-IT" sz="1200" b="0" i="0" u="none" strike="noStrike" cap="none" dirty="0">
+                <a:solidFill>
+                  <a:srgbClr val="888888"/>
+                </a:solidFill>
+                <a:latin typeface="Calibri"/>
+                <a:ea typeface="Calibri"/>
+                <a:cs typeface="Calibri"/>
+                <a:sym typeface="Calibri"/>
+              </a:rPr>
+              <a:t>Challenge 4.0 – Gruppo 1</a:t>
+            </a:r>
+            <a:endParaRPr sz="1200" b="0" i="0" u="sng" strike="noStrike" cap="none" dirty="0">
+              <a:solidFill>
+                <a:srgbClr val="888888"/>
+              </a:solidFill>
+              <a:latin typeface="Calibri"/>
+              <a:ea typeface="Calibri"/>
+              <a:cs typeface="Calibri"/>
+              <a:sym typeface="Calibri"/>
+            </a:endParaRPr>
+          </a:p>
+        </p:txBody>
+      </p:sp>
+      <p:sp>
+        <p:nvSpPr>
+          <p:cNvPr id="109" name="Shape 109"/>
+          <p:cNvSpPr txBox="1">
+            <a:spLocks noGrp="1"/>
+          </p:cNvSpPr>
+          <p:nvPr>
+            <p:ph type="sldNum" idx="12"/>
+          </p:nvPr>
+        </p:nvSpPr>
+        <p:spPr>
+          <a:xfrm>
+            <a:off x="6457950" y="6356351"/>
+            <a:ext cx="2057400" cy="365125"/>
+          </a:xfrm>
+          <a:prstGeom prst="rect">
+            <a:avLst/>
+          </a:prstGeom>
+          <a:noFill/>
+          <a:ln>
+            <a:noFill/>
+          </a:ln>
+        </p:spPr>
+        <p:txBody>
+          <a:bodyPr spcFirstLastPara="1" wrap="square" lIns="91425" tIns="45700" rIns="91425" bIns="45700" anchor="ctr" anchorCtr="0">
+            <a:noAutofit/>
+          </a:bodyPr>
+          <a:lstStyle/>
+          <a:p>
+            <a:pPr marL="0" marR="0" lvl="0" indent="0" algn="r" rtl="0">
+              <a:spcBef>
+                <a:spcPts val="0"/>
+              </a:spcBef>
+              <a:spcAft>
+                <a:spcPts val="0"/>
+              </a:spcAft>
+              <a:buNone/>
+            </a:pPr>
+            <a:fld id="{00000000-1234-1234-1234-123412341234}" type="slidenum">
+              <a:rPr lang="it-IT" sz="1200" b="0" i="0" u="none" strike="noStrike" cap="none">
+                <a:solidFill>
+                  <a:srgbClr val="888888"/>
+                </a:solidFill>
+                <a:latin typeface="Calibri"/>
+                <a:ea typeface="Calibri"/>
+                <a:cs typeface="Calibri"/>
+                <a:sym typeface="Calibri"/>
+              </a:rPr>
+              <a:t>9</a:t>
+            </a:fld>
+            <a:endParaRPr sz="1200" b="0" i="0" u="none" strike="noStrike" cap="none" dirty="0">
+              <a:solidFill>
+                <a:srgbClr val="888888"/>
+              </a:solidFill>
+              <a:latin typeface="Calibri"/>
+              <a:ea typeface="Calibri"/>
+              <a:cs typeface="Calibri"/>
+              <a:sym typeface="Calibri"/>
+            </a:endParaRPr>
+          </a:p>
+        </p:txBody>
+      </p:sp>
+      <p:sp>
+        <p:nvSpPr>
+          <p:cNvPr id="110" name="Shape 110"/>
+          <p:cNvSpPr txBox="1"/>
+          <p:nvPr/>
+        </p:nvSpPr>
+        <p:spPr>
+          <a:xfrm>
+            <a:off x="7203234" y="323174"/>
+            <a:ext cx="1689910" cy="523220"/>
+          </a:xfrm>
+          <a:prstGeom prst="rect">
+            <a:avLst/>
+          </a:prstGeom>
+          <a:noFill/>
+          <a:ln>
+            <a:noFill/>
+          </a:ln>
+        </p:spPr>
+        <p:txBody>
+          <a:bodyPr spcFirstLastPara="1" wrap="square" lIns="91425" tIns="45700" rIns="91425" bIns="45700" anchor="t" anchorCtr="0">
+            <a:noAutofit/>
+          </a:bodyPr>
+          <a:lstStyle/>
+          <a:p>
+            <a:pPr marL="0" marR="0" lvl="0" indent="0" algn="ctr" rtl="0">
+              <a:spcBef>
+                <a:spcPts val="0"/>
+              </a:spcBef>
+              <a:spcAft>
+                <a:spcPts val="0"/>
+              </a:spcAft>
+              <a:buNone/>
+            </a:pPr>
+            <a:r>
+              <a:rPr lang="it-IT" sz="1400" b="1" i="0" u="none" strike="noStrike" cap="none" dirty="0">
+                <a:solidFill>
+                  <a:schemeClr val="lt1"/>
+                </a:solidFill>
+                <a:latin typeface="Calibri"/>
+                <a:ea typeface="Calibri"/>
+                <a:cs typeface="Calibri"/>
+                <a:sym typeface="Calibri"/>
+              </a:rPr>
+              <a:t>Robotica autonoma</a:t>
+            </a:r>
+            <a:endParaRPr sz="1400" b="1" i="0" u="none" strike="noStrike" cap="none" dirty="0">
+              <a:solidFill>
+                <a:schemeClr val="lt1"/>
+              </a:solidFill>
+              <a:latin typeface="Calibri"/>
+              <a:ea typeface="Calibri"/>
+              <a:cs typeface="Calibri"/>
+              <a:sym typeface="Calibri"/>
+            </a:endParaRPr>
+          </a:p>
+          <a:p>
+            <a:pPr marL="0" marR="0" lvl="0" indent="0" algn="ctr" rtl="0">
+              <a:spcBef>
+                <a:spcPts val="0"/>
+              </a:spcBef>
+              <a:spcAft>
+                <a:spcPts val="0"/>
+              </a:spcAft>
+              <a:buNone/>
+            </a:pPr>
+            <a:r>
+              <a:rPr lang="it-IT" sz="1400" b="1" i="0" u="none" strike="noStrike" cap="none" dirty="0">
+                <a:solidFill>
+                  <a:schemeClr val="lt1"/>
+                </a:solidFill>
+                <a:latin typeface="Calibri"/>
+                <a:ea typeface="Calibri"/>
+                <a:cs typeface="Calibri"/>
+                <a:sym typeface="Calibri"/>
+              </a:rPr>
+              <a:t>A.A. 2018-2019</a:t>
+            </a:r>
+            <a:endParaRPr dirty="0"/>
+          </a:p>
+        </p:txBody>
+      </p:sp>
+      <p:sp>
+        <p:nvSpPr>
+          <p:cNvPr id="111" name="Shape 111"/>
+          <p:cNvSpPr txBox="1"/>
+          <p:nvPr/>
+        </p:nvSpPr>
+        <p:spPr>
+          <a:xfrm>
+            <a:off x="1110344" y="2392136"/>
+            <a:ext cx="6629315" cy="3000821"/>
+          </a:xfrm>
+          <a:prstGeom prst="rect">
+            <a:avLst/>
+          </a:prstGeom>
+          <a:noFill/>
+          <a:ln>
+            <a:noFill/>
+          </a:ln>
+        </p:spPr>
+        <p:txBody>
+          <a:bodyPr spcFirstLastPara="1" wrap="square" lIns="91425" tIns="45700" rIns="91425" bIns="45700" anchor="t" anchorCtr="0">
+            <a:noAutofit/>
+          </a:bodyPr>
+          <a:lstStyle/>
+          <a:p>
+            <a:pPr marL="244475" marR="0" lvl="0" indent="-244475" algn="l" rtl="0">
+              <a:spcBef>
+                <a:spcPts val="0"/>
+              </a:spcBef>
+              <a:spcAft>
+                <a:spcPts val="0"/>
+              </a:spcAft>
+              <a:buClr>
+                <a:srgbClr val="9B0014"/>
+              </a:buClr>
+              <a:buSzPts val="2600"/>
+              <a:buFont typeface="Noto Sans Symbols"/>
+              <a:buChar char="▪"/>
+            </a:pPr>
+            <a:r>
+              <a:rPr lang="it-IT" sz="2600" dirty="0">
+                <a:solidFill>
+                  <a:schemeClr val="dk1"/>
+                </a:solidFill>
+                <a:latin typeface="Calibri"/>
+                <a:ea typeface="Calibri"/>
+                <a:cs typeface="Calibri"/>
+                <a:sym typeface="Calibri"/>
+              </a:rPr>
+              <a:t>Fisica della simulazione:</a:t>
+            </a:r>
+            <a:br>
+              <a:rPr lang="it-IT" sz="2600" dirty="0">
+                <a:solidFill>
+                  <a:schemeClr val="dk1"/>
+                </a:solidFill>
+                <a:latin typeface="Calibri"/>
+                <a:ea typeface="Calibri"/>
+                <a:cs typeface="Calibri"/>
+                <a:sym typeface="Calibri"/>
+              </a:rPr>
+            </a:br>
+            <a:r>
+              <a:rPr lang="it-IT" sz="2600" dirty="0">
+                <a:solidFill>
+                  <a:schemeClr val="dk1"/>
+                </a:solidFill>
+                <a:latin typeface="Calibri"/>
+                <a:ea typeface="Calibri"/>
+                <a:cs typeface="Calibri"/>
+                <a:sym typeface="Calibri"/>
+              </a:rPr>
+              <a:t>retro, recovery in rotazione</a:t>
+            </a:r>
+          </a:p>
+          <a:p>
+            <a:pPr marL="244475" marR="0" lvl="0" indent="-244475" algn="l" rtl="0">
+              <a:spcBef>
+                <a:spcPts val="0"/>
+              </a:spcBef>
+              <a:spcAft>
+                <a:spcPts val="0"/>
+              </a:spcAft>
+              <a:buClr>
+                <a:srgbClr val="9B0014"/>
+              </a:buClr>
+              <a:buSzPts val="2600"/>
+              <a:buFont typeface="Noto Sans Symbols"/>
+              <a:buChar char="▪"/>
+            </a:pPr>
+            <a:r>
+              <a:rPr lang="it-IT" sz="2600" dirty="0">
+                <a:solidFill>
+                  <a:schemeClr val="dk1"/>
+                </a:solidFill>
+                <a:latin typeface="Calibri"/>
+                <a:ea typeface="Calibri"/>
+                <a:cs typeface="Calibri"/>
+                <a:sym typeface="Calibri"/>
+              </a:rPr>
+              <a:t>Pesi relativi oggetti/</a:t>
+            </a:r>
+            <a:r>
+              <a:rPr lang="it-IT" sz="2600" dirty="0" err="1">
+                <a:solidFill>
+                  <a:schemeClr val="dk1"/>
+                </a:solidFill>
+                <a:latin typeface="Calibri"/>
+                <a:ea typeface="Calibri"/>
+                <a:cs typeface="Calibri"/>
+                <a:sym typeface="Calibri"/>
+              </a:rPr>
+              <a:t>marrtino</a:t>
+            </a:r>
+            <a:endParaRPr lang="it-IT" sz="2600" dirty="0">
+              <a:solidFill>
+                <a:schemeClr val="dk1"/>
+              </a:solidFill>
+              <a:latin typeface="Calibri"/>
+              <a:ea typeface="Calibri"/>
+              <a:cs typeface="Calibri"/>
+              <a:sym typeface="Calibri"/>
+            </a:endParaRPr>
+          </a:p>
+          <a:p>
+            <a:pPr marL="244475" marR="0" lvl="0" indent="-244475" algn="l" rtl="0">
+              <a:spcBef>
+                <a:spcPts val="0"/>
+              </a:spcBef>
+              <a:spcAft>
+                <a:spcPts val="0"/>
+              </a:spcAft>
+              <a:buClr>
+                <a:srgbClr val="9B0014"/>
+              </a:buClr>
+              <a:buSzPts val="2600"/>
+              <a:buFont typeface="Noto Sans Symbols"/>
+              <a:buChar char="▪"/>
+            </a:pPr>
+            <a:r>
+              <a:rPr lang="it-IT" sz="2600" dirty="0">
+                <a:solidFill>
+                  <a:schemeClr val="dk1"/>
+                </a:solidFill>
+                <a:latin typeface="Calibri"/>
+                <a:ea typeface="Calibri"/>
+                <a:cs typeface="Calibri"/>
+                <a:sym typeface="Calibri"/>
+              </a:rPr>
+              <a:t>Poca corrispondenza reale/simulato:</a:t>
+            </a:r>
+            <a:br>
+              <a:rPr lang="it-IT" sz="2600" dirty="0">
+                <a:solidFill>
+                  <a:schemeClr val="dk1"/>
+                </a:solidFill>
+                <a:latin typeface="Calibri"/>
+                <a:ea typeface="Calibri"/>
+                <a:cs typeface="Calibri"/>
+                <a:sym typeface="Calibri"/>
+              </a:rPr>
+            </a:br>
+            <a:r>
+              <a:rPr lang="it-IT" sz="2600" dirty="0">
+                <a:solidFill>
+                  <a:schemeClr val="dk1"/>
+                </a:solidFill>
+                <a:latin typeface="Calibri"/>
+                <a:ea typeface="Calibri"/>
+                <a:cs typeface="Calibri"/>
+                <a:sym typeface="Calibri"/>
+              </a:rPr>
+              <a:t>mappa, corridoio, laser, inclinazione robot</a:t>
+            </a:r>
+          </a:p>
+          <a:p>
+            <a:pPr marL="244475" marR="0" lvl="0" indent="-244475" algn="l" rtl="0">
+              <a:spcBef>
+                <a:spcPts val="0"/>
+              </a:spcBef>
+              <a:spcAft>
+                <a:spcPts val="0"/>
+              </a:spcAft>
+              <a:buClr>
+                <a:srgbClr val="9B0014"/>
+              </a:buClr>
+              <a:buSzPts val="2600"/>
+              <a:buFont typeface="Noto Sans Symbols"/>
+              <a:buChar char="▪"/>
+            </a:pPr>
+            <a:r>
+              <a:rPr lang="it-IT" sz="2600" dirty="0" err="1">
+                <a:solidFill>
+                  <a:schemeClr val="dk1"/>
+                </a:solidFill>
+                <a:latin typeface="Calibri"/>
+                <a:ea typeface="Calibri"/>
+                <a:cs typeface="Calibri"/>
+                <a:sym typeface="Calibri"/>
+              </a:rPr>
+              <a:t>Riconfig</a:t>
+            </a:r>
+            <a:r>
+              <a:rPr lang="it-IT" sz="2600" dirty="0">
+                <a:solidFill>
+                  <a:schemeClr val="dk1"/>
+                </a:solidFill>
+                <a:latin typeface="Calibri"/>
+                <a:ea typeface="Calibri"/>
+                <a:cs typeface="Calibri"/>
+                <a:sym typeface="Calibri"/>
+              </a:rPr>
+              <a:t>. angoli approccio e velocità in </a:t>
+            </a:r>
+            <a:r>
+              <a:rPr lang="it-IT" sz="2600" dirty="0" err="1">
+                <a:solidFill>
+                  <a:schemeClr val="dk1"/>
+                </a:solidFill>
+                <a:latin typeface="Calibri"/>
+                <a:ea typeface="Calibri"/>
+                <a:cs typeface="Calibri"/>
+                <a:sym typeface="Calibri"/>
+              </a:rPr>
+              <a:t>sim</a:t>
+            </a:r>
+            <a:r>
+              <a:rPr lang="it-IT" sz="2600" dirty="0">
+                <a:solidFill>
+                  <a:schemeClr val="dk1"/>
+                </a:solidFill>
+                <a:latin typeface="Calibri"/>
+                <a:ea typeface="Calibri"/>
+                <a:cs typeface="Calibri"/>
+                <a:sym typeface="Calibri"/>
+              </a:rPr>
+              <a:t>:</a:t>
+            </a:r>
+            <a:br>
+              <a:rPr lang="it-IT" sz="2600" dirty="0">
+                <a:solidFill>
+                  <a:schemeClr val="dk1"/>
+                </a:solidFill>
+                <a:latin typeface="Calibri"/>
+                <a:ea typeface="Calibri"/>
+                <a:cs typeface="Calibri"/>
+                <a:sym typeface="Calibri"/>
+              </a:rPr>
+            </a:br>
+            <a:r>
+              <a:rPr lang="it-IT" sz="2600" dirty="0">
+                <a:solidFill>
+                  <a:schemeClr val="dk1"/>
+                </a:solidFill>
+                <a:latin typeface="Calibri"/>
+                <a:ea typeface="Calibri"/>
+                <a:cs typeface="Calibri"/>
+                <a:sym typeface="Calibri"/>
+              </a:rPr>
+              <a:t>servizi di </a:t>
+            </a:r>
+            <a:r>
+              <a:rPr lang="it-IT" sz="2600" i="1" dirty="0" err="1">
+                <a:solidFill>
+                  <a:schemeClr val="dk1"/>
+                </a:solidFill>
+                <a:latin typeface="Calibri"/>
+                <a:ea typeface="Calibri"/>
+                <a:cs typeface="Calibri"/>
+                <a:sym typeface="Calibri"/>
+              </a:rPr>
+              <a:t>move_base</a:t>
+            </a:r>
+            <a:endParaRPr lang="it-IT" sz="2600" dirty="0">
+              <a:solidFill>
+                <a:schemeClr val="dk1"/>
+              </a:solidFill>
+              <a:latin typeface="Calibri"/>
+              <a:ea typeface="Calibri"/>
+              <a:cs typeface="Calibri"/>
+              <a:sym typeface="Calibri"/>
+            </a:endParaRPr>
+          </a:p>
+          <a:p>
+            <a:pPr marL="244475" marR="0" lvl="0" indent="-244475" algn="l" rtl="0">
+              <a:spcBef>
+                <a:spcPts val="0"/>
+              </a:spcBef>
+              <a:spcAft>
+                <a:spcPts val="0"/>
+              </a:spcAft>
+              <a:buClr>
+                <a:srgbClr val="9B0014"/>
+              </a:buClr>
+              <a:buSzPts val="2600"/>
+              <a:buFont typeface="Noto Sans Symbols"/>
+              <a:buChar char="▪"/>
+            </a:pPr>
+            <a:endParaRPr lang="it-IT" sz="2600" dirty="0">
+              <a:solidFill>
+                <a:schemeClr val="dk1"/>
+              </a:solidFill>
+              <a:latin typeface="Calibri"/>
+              <a:ea typeface="Calibri"/>
+              <a:cs typeface="Calibri"/>
+              <a:sym typeface="Calibri"/>
+            </a:endParaRPr>
+          </a:p>
+        </p:txBody>
+      </p:sp>
+    </p:spTree>
+    <p:extLst>
+      <p:ext uri="{BB962C8B-B14F-4D97-AF65-F5344CB8AC3E}">
+        <p14:creationId xmlns:p14="http://schemas.microsoft.com/office/powerpoint/2010/main" val="3021013681"/>
       </p:ext>
     </p:extLst>
   </p:cSld>
